--- a/EPRIME procedura png/Slajdy_Dprime.pptx
+++ b/EPRIME procedura png/Slajdy_Dprime.pptx
@@ -207,7 +207,7 @@
           <a:p>
             <a:fld id="{D628A058-5DBC-41CE-B381-E249999ED40E}" type="datetimeFigureOut">
               <a:rPr lang="en-US" smtClean="0"/>
-              <a:t>2/20/2018</a:t>
+              <a:t>3/1/2018</a:t>
             </a:fld>
             <a:endParaRPr lang="en-US"/>
           </a:p>
@@ -621,7 +621,7 @@
           <a:p>
             <a:fld id="{445E621E-B824-4DF2-A6B1-90CE9D9DDCE7}" type="datetimeFigureOut">
               <a:rPr lang="en-US" smtClean="0"/>
-              <a:t>2/20/2018</a:t>
+              <a:t>3/1/2018</a:t>
             </a:fld>
             <a:endParaRPr lang="en-US"/>
           </a:p>
@@ -819,7 +819,7 @@
           <a:p>
             <a:fld id="{445E621E-B824-4DF2-A6B1-90CE9D9DDCE7}" type="datetimeFigureOut">
               <a:rPr lang="en-US" smtClean="0"/>
-              <a:t>2/20/2018</a:t>
+              <a:t>3/1/2018</a:t>
             </a:fld>
             <a:endParaRPr lang="en-US"/>
           </a:p>
@@ -1027,7 +1027,7 @@
           <a:p>
             <a:fld id="{445E621E-B824-4DF2-A6B1-90CE9D9DDCE7}" type="datetimeFigureOut">
               <a:rPr lang="en-US" smtClean="0"/>
-              <a:t>2/20/2018</a:t>
+              <a:t>3/1/2018</a:t>
             </a:fld>
             <a:endParaRPr lang="en-US"/>
           </a:p>
@@ -1225,7 +1225,7 @@
           <a:p>
             <a:fld id="{445E621E-B824-4DF2-A6B1-90CE9D9DDCE7}" type="datetimeFigureOut">
               <a:rPr lang="en-US" smtClean="0"/>
-              <a:t>2/20/2018</a:t>
+              <a:t>3/1/2018</a:t>
             </a:fld>
             <a:endParaRPr lang="en-US"/>
           </a:p>
@@ -1500,7 +1500,7 @@
           <a:p>
             <a:fld id="{445E621E-B824-4DF2-A6B1-90CE9D9DDCE7}" type="datetimeFigureOut">
               <a:rPr lang="en-US" smtClean="0"/>
-              <a:t>2/20/2018</a:t>
+              <a:t>3/1/2018</a:t>
             </a:fld>
             <a:endParaRPr lang="en-US"/>
           </a:p>
@@ -1765,7 +1765,7 @@
           <a:p>
             <a:fld id="{445E621E-B824-4DF2-A6B1-90CE9D9DDCE7}" type="datetimeFigureOut">
               <a:rPr lang="en-US" smtClean="0"/>
-              <a:t>2/20/2018</a:t>
+              <a:t>3/1/2018</a:t>
             </a:fld>
             <a:endParaRPr lang="en-US"/>
           </a:p>
@@ -2177,7 +2177,7 @@
           <a:p>
             <a:fld id="{445E621E-B824-4DF2-A6B1-90CE9D9DDCE7}" type="datetimeFigureOut">
               <a:rPr lang="en-US" smtClean="0"/>
-              <a:t>2/20/2018</a:t>
+              <a:t>3/1/2018</a:t>
             </a:fld>
             <a:endParaRPr lang="en-US"/>
           </a:p>
@@ -2318,7 +2318,7 @@
           <a:p>
             <a:fld id="{445E621E-B824-4DF2-A6B1-90CE9D9DDCE7}" type="datetimeFigureOut">
               <a:rPr lang="en-US" smtClean="0"/>
-              <a:t>2/20/2018</a:t>
+              <a:t>3/1/2018</a:t>
             </a:fld>
             <a:endParaRPr lang="en-US"/>
           </a:p>
@@ -2431,7 +2431,7 @@
           <a:p>
             <a:fld id="{445E621E-B824-4DF2-A6B1-90CE9D9DDCE7}" type="datetimeFigureOut">
               <a:rPr lang="en-US" smtClean="0"/>
-              <a:t>2/20/2018</a:t>
+              <a:t>3/1/2018</a:t>
             </a:fld>
             <a:endParaRPr lang="en-US"/>
           </a:p>
@@ -2742,7 +2742,7 @@
           <a:p>
             <a:fld id="{445E621E-B824-4DF2-A6B1-90CE9D9DDCE7}" type="datetimeFigureOut">
               <a:rPr lang="en-US" smtClean="0"/>
-              <a:t>2/20/2018</a:t>
+              <a:t>3/1/2018</a:t>
             </a:fld>
             <a:endParaRPr lang="en-US"/>
           </a:p>
@@ -3030,7 +3030,7 @@
           <a:p>
             <a:fld id="{445E621E-B824-4DF2-A6B1-90CE9D9DDCE7}" type="datetimeFigureOut">
               <a:rPr lang="en-US" smtClean="0"/>
-              <a:t>2/20/2018</a:t>
+              <a:t>3/1/2018</a:t>
             </a:fld>
             <a:endParaRPr lang="en-US"/>
           </a:p>
@@ -3271,7 +3271,7 @@
           <a:p>
             <a:fld id="{445E621E-B824-4DF2-A6B1-90CE9D9DDCE7}" type="datetimeFigureOut">
               <a:rPr lang="en-US" smtClean="0"/>
-              <a:t>2/20/2018</a:t>
+              <a:t>3/1/2018</a:t>
             </a:fld>
             <a:endParaRPr lang="en-US"/>
           </a:p>
@@ -7603,7 +7603,41 @@
                 <a:ea typeface="+mn-ea"/>
                 <a:cs typeface="+mn-cs"/>
               </a:rPr>
-              <a:t>Proszę zupełnie ignorować kierunek poniższych bodźców:</a:t>
+              <a:t>Proszę zupełnie </a:t>
+            </a:r>
+            <a:r>
+              <a:rPr kumimoji="0" lang="pl-PL" sz="2200" b="0" i="0" u="none" strike="noStrike" kern="1200" cap="none" spc="0" normalizeH="0" baseline="0" noProof="0" dirty="0">
+                <a:ln>
+                  <a:noFill/>
+                </a:ln>
+                <a:solidFill>
+                  <a:srgbClr val="FF0000"/>
+                </a:solidFill>
+                <a:effectLst/>
+                <a:uLnTx/>
+                <a:uFillTx/>
+                <a:latin typeface="Calibri" panose="020F0502020204030204"/>
+                <a:ea typeface="+mn-ea"/>
+                <a:cs typeface="+mn-cs"/>
+              </a:rPr>
+              <a:t>ignorować</a:t>
+            </a:r>
+            <a:r>
+              <a:rPr kumimoji="0" lang="pl-PL" sz="2200" b="0" i="0" u="none" strike="noStrike" kern="1200" cap="none" spc="0" normalizeH="0" baseline="0" noProof="0" dirty="0">
+                <a:ln>
+                  <a:noFill/>
+                </a:ln>
+                <a:solidFill>
+                  <a:prstClr val="white"/>
+                </a:solidFill>
+                <a:effectLst/>
+                <a:uLnTx/>
+                <a:uFillTx/>
+                <a:latin typeface="Calibri" panose="020F0502020204030204"/>
+                <a:ea typeface="+mn-ea"/>
+                <a:cs typeface="+mn-cs"/>
+              </a:rPr>
+              <a:t> kierunek poniższych strzałek:</a:t>
             </a:r>
             <a:endParaRPr kumimoji="0" lang="en-US" sz="2200" b="0" i="0" u="none" strike="noStrike" kern="1200" cap="none" spc="0" normalizeH="0" baseline="0" noProof="0" dirty="0">
               <a:ln>

--- a/EPRIME procedura png/Slajdy_Dprime.pptx
+++ b/EPRIME procedura png/Slajdy_Dprime.pptx
@@ -5,20 +5,22 @@
     <p:sldMasterId id="2147483648" r:id="rId1"/>
   </p:sldMasterIdLst>
   <p:notesMasterIdLst>
-    <p:notesMasterId r:id="rId13"/>
+    <p:notesMasterId r:id="rId15"/>
   </p:notesMasterIdLst>
   <p:sldIdLst>
     <p:sldId id="257" r:id="rId2"/>
     <p:sldId id="276" r:id="rId3"/>
     <p:sldId id="258" r:id="rId4"/>
     <p:sldId id="277" r:id="rId5"/>
-    <p:sldId id="278" r:id="rId6"/>
-    <p:sldId id="279" r:id="rId7"/>
-    <p:sldId id="280" r:id="rId8"/>
-    <p:sldId id="281" r:id="rId9"/>
-    <p:sldId id="282" r:id="rId10"/>
-    <p:sldId id="284" r:id="rId11"/>
-    <p:sldId id="285" r:id="rId12"/>
+    <p:sldId id="286" r:id="rId6"/>
+    <p:sldId id="278" r:id="rId7"/>
+    <p:sldId id="287" r:id="rId8"/>
+    <p:sldId id="279" r:id="rId9"/>
+    <p:sldId id="280" r:id="rId10"/>
+    <p:sldId id="281" r:id="rId11"/>
+    <p:sldId id="282" r:id="rId12"/>
+    <p:sldId id="284" r:id="rId13"/>
+    <p:sldId id="285" r:id="rId14"/>
   </p:sldIdLst>
   <p:sldSz cx="12192000" cy="6858000"/>
   <p:notesSz cx="6858000" cy="9144000"/>
@@ -207,7 +209,7 @@
           <a:p>
             <a:fld id="{D628A058-5DBC-41CE-B381-E249999ED40E}" type="datetimeFigureOut">
               <a:rPr lang="en-US" smtClean="0"/>
-              <a:t>3/1/2018</a:t>
+              <a:t>24-Mar-18</a:t>
             </a:fld>
             <a:endParaRPr lang="en-US"/>
           </a:p>
@@ -621,7 +623,7 @@
           <a:p>
             <a:fld id="{445E621E-B824-4DF2-A6B1-90CE9D9DDCE7}" type="datetimeFigureOut">
               <a:rPr lang="en-US" smtClean="0"/>
-              <a:t>3/1/2018</a:t>
+              <a:t>24-Mar-18</a:t>
             </a:fld>
             <a:endParaRPr lang="en-US"/>
           </a:p>
@@ -819,7 +821,7 @@
           <a:p>
             <a:fld id="{445E621E-B824-4DF2-A6B1-90CE9D9DDCE7}" type="datetimeFigureOut">
               <a:rPr lang="en-US" smtClean="0"/>
-              <a:t>3/1/2018</a:t>
+              <a:t>24-Mar-18</a:t>
             </a:fld>
             <a:endParaRPr lang="en-US"/>
           </a:p>
@@ -1027,7 +1029,7 @@
           <a:p>
             <a:fld id="{445E621E-B824-4DF2-A6B1-90CE9D9DDCE7}" type="datetimeFigureOut">
               <a:rPr lang="en-US" smtClean="0"/>
-              <a:t>3/1/2018</a:t>
+              <a:t>24-Mar-18</a:t>
             </a:fld>
             <a:endParaRPr lang="en-US"/>
           </a:p>
@@ -1225,7 +1227,7 @@
           <a:p>
             <a:fld id="{445E621E-B824-4DF2-A6B1-90CE9D9DDCE7}" type="datetimeFigureOut">
               <a:rPr lang="en-US" smtClean="0"/>
-              <a:t>3/1/2018</a:t>
+              <a:t>24-Mar-18</a:t>
             </a:fld>
             <a:endParaRPr lang="en-US"/>
           </a:p>
@@ -1500,7 +1502,7 @@
           <a:p>
             <a:fld id="{445E621E-B824-4DF2-A6B1-90CE9D9DDCE7}" type="datetimeFigureOut">
               <a:rPr lang="en-US" smtClean="0"/>
-              <a:t>3/1/2018</a:t>
+              <a:t>24-Mar-18</a:t>
             </a:fld>
             <a:endParaRPr lang="en-US"/>
           </a:p>
@@ -1765,7 +1767,7 @@
           <a:p>
             <a:fld id="{445E621E-B824-4DF2-A6B1-90CE9D9DDCE7}" type="datetimeFigureOut">
               <a:rPr lang="en-US" smtClean="0"/>
-              <a:t>3/1/2018</a:t>
+              <a:t>24-Mar-18</a:t>
             </a:fld>
             <a:endParaRPr lang="en-US"/>
           </a:p>
@@ -2177,7 +2179,7 @@
           <a:p>
             <a:fld id="{445E621E-B824-4DF2-A6B1-90CE9D9DDCE7}" type="datetimeFigureOut">
               <a:rPr lang="en-US" smtClean="0"/>
-              <a:t>3/1/2018</a:t>
+              <a:t>24-Mar-18</a:t>
             </a:fld>
             <a:endParaRPr lang="en-US"/>
           </a:p>
@@ -2318,7 +2320,7 @@
           <a:p>
             <a:fld id="{445E621E-B824-4DF2-A6B1-90CE9D9DDCE7}" type="datetimeFigureOut">
               <a:rPr lang="en-US" smtClean="0"/>
-              <a:t>3/1/2018</a:t>
+              <a:t>24-Mar-18</a:t>
             </a:fld>
             <a:endParaRPr lang="en-US"/>
           </a:p>
@@ -2431,7 +2433,7 @@
           <a:p>
             <a:fld id="{445E621E-B824-4DF2-A6B1-90CE9D9DDCE7}" type="datetimeFigureOut">
               <a:rPr lang="en-US" smtClean="0"/>
-              <a:t>3/1/2018</a:t>
+              <a:t>24-Mar-18</a:t>
             </a:fld>
             <a:endParaRPr lang="en-US"/>
           </a:p>
@@ -2742,7 +2744,7 @@
           <a:p>
             <a:fld id="{445E621E-B824-4DF2-A6B1-90CE9D9DDCE7}" type="datetimeFigureOut">
               <a:rPr lang="en-US" smtClean="0"/>
-              <a:t>3/1/2018</a:t>
+              <a:t>24-Mar-18</a:t>
             </a:fld>
             <a:endParaRPr lang="en-US"/>
           </a:p>
@@ -3030,7 +3032,7 @@
           <a:p>
             <a:fld id="{445E621E-B824-4DF2-A6B1-90CE9D9DDCE7}" type="datetimeFigureOut">
               <a:rPr lang="en-US" smtClean="0"/>
-              <a:t>3/1/2018</a:t>
+              <a:t>24-Mar-18</a:t>
             </a:fld>
             <a:endParaRPr lang="en-US"/>
           </a:p>
@@ -3271,7 +3273,7 @@
           <a:p>
             <a:fld id="{445E621E-B824-4DF2-A6B1-90CE9D9DDCE7}" type="datetimeFigureOut">
               <a:rPr lang="en-US" smtClean="0"/>
-              <a:t>3/1/2018</a:t>
+              <a:t>24-Mar-18</a:t>
             </a:fld>
             <a:endParaRPr lang="en-US"/>
           </a:p>
@@ -4096,7 +4098,7 @@
         </p:spPr>
         <p:txBody>
           <a:bodyPr vert="horz" lIns="91440" tIns="45720" rIns="91440" bIns="45720" rtlCol="0">
-            <a:normAutofit/>
+            <a:normAutofit lnSpcReduction="10000"/>
           </a:bodyPr>
           <a:lstStyle>
             <a:lvl1pPr marL="228600" indent="-228600" algn="l" defTabSz="914400" rtl="0" eaLnBrk="1" latinLnBrk="0" hangingPunct="1">
@@ -4295,8 +4297,58 @@
                 <a:ea typeface="+mn-ea"/>
                 <a:cs typeface="+mn-cs"/>
               </a:rPr>
-              <a:t>Proszę nacisnąć „L”, aby ZAKOŃCZYĆ PROCEDURĘ…</a:t>
-            </a:r>
+              <a:t>Proszę nacisnąć „L”, aby ROZPOCZĄĆ KOLEJNY BLOK…</a:t>
+            </a:r>
+          </a:p>
+          <a:p>
+            <a:pPr marL="0" marR="0" lvl="0" indent="0" algn="ctr" defTabSz="914400" rtl="0" eaLnBrk="1" fontAlgn="auto" latinLnBrk="0" hangingPunct="1">
+              <a:lnSpc>
+                <a:spcPct val="90000"/>
+              </a:lnSpc>
+              <a:spcBef>
+                <a:spcPts val="1000"/>
+              </a:spcBef>
+              <a:spcAft>
+                <a:spcPts val="0"/>
+              </a:spcAft>
+              <a:buClrTx/>
+              <a:buSzTx/>
+              <a:buFont typeface="Arial" panose="020B0604020202020204" pitchFamily="34" charset="0"/>
+              <a:buNone/>
+              <a:tabLst/>
+              <a:defRPr/>
+            </a:pPr>
+            <a:r>
+              <a:rPr kumimoji="0" lang="pl-PL" sz="2000" b="0" i="0" u="none" strike="noStrike" kern="1200" cap="none" spc="0" normalizeH="0" baseline="0" noProof="0" dirty="0">
+                <a:ln>
+                  <a:noFill/>
+                </a:ln>
+                <a:solidFill>
+                  <a:srgbClr val="FF0000"/>
+                </a:solidFill>
+                <a:effectLst/>
+                <a:uLnTx/>
+                <a:uFillTx/>
+                <a:latin typeface="Calibri" panose="020F0502020204030204"/>
+                <a:ea typeface="+mn-ea"/>
+                <a:cs typeface="+mn-cs"/>
+              </a:rPr>
+              <a:t>lub „D”, aby cofnąć się do poprzedniego slajdu…</a:t>
+            </a:r>
+            <a:endParaRPr kumimoji="0" lang="en-US" sz="2000" b="0" i="0" u="none" strike="noStrike" kern="1200" cap="none" spc="0" normalizeH="0" baseline="0" noProof="0" dirty="0">
+              <a:ln>
+                <a:noFill/>
+              </a:ln>
+              <a:solidFill>
+                <a:srgbClr val="FF0000"/>
+              </a:solidFill>
+              <a:effectLst/>
+              <a:uLnTx/>
+              <a:uFillTx/>
+              <a:latin typeface="Calibri" panose="020F0502020204030204"/>
+              <a:ea typeface="+mn-ea"/>
+              <a:cs typeface="+mn-cs"/>
+            </a:endParaRPr>
           </a:p>
         </p:txBody>
       </p:sp>
@@ -4316,7 +4368,568 @@
         </p:nvSpPr>
         <p:spPr>
           <a:xfrm>
-            <a:off x="1800723" y="3058660"/>
+            <a:off x="1800727" y="3058661"/>
+            <a:ext cx="8590546" cy="740677"/>
+          </a:xfrm>
+          <a:prstGeom prst="rect">
+            <a:avLst/>
+          </a:prstGeom>
+        </p:spPr>
+        <p:txBody>
+          <a:bodyPr vert="horz" lIns="91440" tIns="45720" rIns="91440" bIns="45720" rtlCol="0">
+            <a:normAutofit lnSpcReduction="10000"/>
+          </a:bodyPr>
+          <a:lstStyle>
+            <a:lvl1pPr marL="228600" indent="-228600" algn="l" defTabSz="914400" rtl="0" eaLnBrk="1" latinLnBrk="0" hangingPunct="1">
+              <a:lnSpc>
+                <a:spcPct val="90000"/>
+              </a:lnSpc>
+              <a:spcBef>
+                <a:spcPts val="1000"/>
+              </a:spcBef>
+              <a:buFont typeface="Arial" panose="020B0604020202020204" pitchFamily="34" charset="0"/>
+              <a:buChar char="•"/>
+              <a:defRPr sz="2800" kern="1200">
+                <a:solidFill>
+                  <a:schemeClr val="tx1"/>
+                </a:solidFill>
+                <a:latin typeface="+mn-lt"/>
+                <a:ea typeface="+mn-ea"/>
+                <a:cs typeface="+mn-cs"/>
+              </a:defRPr>
+            </a:lvl1pPr>
+            <a:lvl2pPr marL="685800" indent="-228600" algn="l" defTabSz="914400" rtl="0" eaLnBrk="1" latinLnBrk="0" hangingPunct="1">
+              <a:lnSpc>
+                <a:spcPct val="90000"/>
+              </a:lnSpc>
+              <a:spcBef>
+                <a:spcPts val="500"/>
+              </a:spcBef>
+              <a:buFont typeface="Arial" panose="020B0604020202020204" pitchFamily="34" charset="0"/>
+              <a:buChar char="•"/>
+              <a:defRPr sz="2400" kern="1200">
+                <a:solidFill>
+                  <a:schemeClr val="tx1"/>
+                </a:solidFill>
+                <a:latin typeface="+mn-lt"/>
+                <a:ea typeface="+mn-ea"/>
+                <a:cs typeface="+mn-cs"/>
+              </a:defRPr>
+            </a:lvl2pPr>
+            <a:lvl3pPr marL="1143000" indent="-228600" algn="l" defTabSz="914400" rtl="0" eaLnBrk="1" latinLnBrk="0" hangingPunct="1">
+              <a:lnSpc>
+                <a:spcPct val="90000"/>
+              </a:lnSpc>
+              <a:spcBef>
+                <a:spcPts val="500"/>
+              </a:spcBef>
+              <a:buFont typeface="Arial" panose="020B0604020202020204" pitchFamily="34" charset="0"/>
+              <a:buChar char="•"/>
+              <a:defRPr sz="2000" kern="1200">
+                <a:solidFill>
+                  <a:schemeClr val="tx1"/>
+                </a:solidFill>
+                <a:latin typeface="+mn-lt"/>
+                <a:ea typeface="+mn-ea"/>
+                <a:cs typeface="+mn-cs"/>
+              </a:defRPr>
+            </a:lvl3pPr>
+            <a:lvl4pPr marL="1600200" indent="-228600" algn="l" defTabSz="914400" rtl="0" eaLnBrk="1" latinLnBrk="0" hangingPunct="1">
+              <a:lnSpc>
+                <a:spcPct val="90000"/>
+              </a:lnSpc>
+              <a:spcBef>
+                <a:spcPts val="500"/>
+              </a:spcBef>
+              <a:buFont typeface="Arial" panose="020B0604020202020204" pitchFamily="34" charset="0"/>
+              <a:buChar char="•"/>
+              <a:defRPr sz="1800" kern="1200">
+                <a:solidFill>
+                  <a:schemeClr val="tx1"/>
+                </a:solidFill>
+                <a:latin typeface="+mn-lt"/>
+                <a:ea typeface="+mn-ea"/>
+                <a:cs typeface="+mn-cs"/>
+              </a:defRPr>
+            </a:lvl4pPr>
+            <a:lvl5pPr marL="2057400" indent="-228600" algn="l" defTabSz="914400" rtl="0" eaLnBrk="1" latinLnBrk="0" hangingPunct="1">
+              <a:lnSpc>
+                <a:spcPct val="90000"/>
+              </a:lnSpc>
+              <a:spcBef>
+                <a:spcPts val="500"/>
+              </a:spcBef>
+              <a:buFont typeface="Arial" panose="020B0604020202020204" pitchFamily="34" charset="0"/>
+              <a:buChar char="•"/>
+              <a:defRPr sz="1800" kern="1200">
+                <a:solidFill>
+                  <a:schemeClr val="tx1"/>
+                </a:solidFill>
+                <a:latin typeface="+mn-lt"/>
+                <a:ea typeface="+mn-ea"/>
+                <a:cs typeface="+mn-cs"/>
+              </a:defRPr>
+            </a:lvl5pPr>
+            <a:lvl6pPr marL="2514600" indent="-228600" algn="l" defTabSz="914400" rtl="0" eaLnBrk="1" latinLnBrk="0" hangingPunct="1">
+              <a:lnSpc>
+                <a:spcPct val="90000"/>
+              </a:lnSpc>
+              <a:spcBef>
+                <a:spcPts val="500"/>
+              </a:spcBef>
+              <a:buFont typeface="Arial" panose="020B0604020202020204" pitchFamily="34" charset="0"/>
+              <a:buChar char="•"/>
+              <a:defRPr sz="1800" kern="1200">
+                <a:solidFill>
+                  <a:schemeClr val="tx1"/>
+                </a:solidFill>
+                <a:latin typeface="+mn-lt"/>
+                <a:ea typeface="+mn-ea"/>
+                <a:cs typeface="+mn-cs"/>
+              </a:defRPr>
+            </a:lvl6pPr>
+            <a:lvl7pPr marL="2971800" indent="-228600" algn="l" defTabSz="914400" rtl="0" eaLnBrk="1" latinLnBrk="0" hangingPunct="1">
+              <a:lnSpc>
+                <a:spcPct val="90000"/>
+              </a:lnSpc>
+              <a:spcBef>
+                <a:spcPts val="500"/>
+              </a:spcBef>
+              <a:buFont typeface="Arial" panose="020B0604020202020204" pitchFamily="34" charset="0"/>
+              <a:buChar char="•"/>
+              <a:defRPr sz="1800" kern="1200">
+                <a:solidFill>
+                  <a:schemeClr val="tx1"/>
+                </a:solidFill>
+                <a:latin typeface="+mn-lt"/>
+                <a:ea typeface="+mn-ea"/>
+                <a:cs typeface="+mn-cs"/>
+              </a:defRPr>
+            </a:lvl7pPr>
+            <a:lvl8pPr marL="3429000" indent="-228600" algn="l" defTabSz="914400" rtl="0" eaLnBrk="1" latinLnBrk="0" hangingPunct="1">
+              <a:lnSpc>
+                <a:spcPct val="90000"/>
+              </a:lnSpc>
+              <a:spcBef>
+                <a:spcPts val="500"/>
+              </a:spcBef>
+              <a:buFont typeface="Arial" panose="020B0604020202020204" pitchFamily="34" charset="0"/>
+              <a:buChar char="•"/>
+              <a:defRPr sz="1800" kern="1200">
+                <a:solidFill>
+                  <a:schemeClr val="tx1"/>
+                </a:solidFill>
+                <a:latin typeface="+mn-lt"/>
+                <a:ea typeface="+mn-ea"/>
+                <a:cs typeface="+mn-cs"/>
+              </a:defRPr>
+            </a:lvl8pPr>
+            <a:lvl9pPr marL="3886200" indent="-228600" algn="l" defTabSz="914400" rtl="0" eaLnBrk="1" latinLnBrk="0" hangingPunct="1">
+              <a:lnSpc>
+                <a:spcPct val="90000"/>
+              </a:lnSpc>
+              <a:spcBef>
+                <a:spcPts val="500"/>
+              </a:spcBef>
+              <a:buFont typeface="Arial" panose="020B0604020202020204" pitchFamily="34" charset="0"/>
+              <a:buChar char="•"/>
+              <a:defRPr sz="1800" kern="1200">
+                <a:solidFill>
+                  <a:schemeClr val="tx1"/>
+                </a:solidFill>
+                <a:latin typeface="+mn-lt"/>
+                <a:ea typeface="+mn-ea"/>
+                <a:cs typeface="+mn-cs"/>
+              </a:defRPr>
+            </a:lvl9pPr>
+          </a:lstStyle>
+          <a:p>
+            <a:pPr marL="0" marR="0" lvl="0" indent="0" algn="ctr" defTabSz="914400" rtl="0" eaLnBrk="1" fontAlgn="auto" latinLnBrk="0" hangingPunct="1">
+              <a:lnSpc>
+                <a:spcPct val="90000"/>
+              </a:lnSpc>
+              <a:spcBef>
+                <a:spcPts val="1000"/>
+              </a:spcBef>
+              <a:spcAft>
+                <a:spcPts val="0"/>
+              </a:spcAft>
+              <a:buClrTx/>
+              <a:buSzTx/>
+              <a:buFont typeface="Arial" panose="020B0604020202020204" pitchFamily="34" charset="0"/>
+              <a:buNone/>
+              <a:tabLst/>
+              <a:defRPr/>
+            </a:pPr>
+            <a:r>
+              <a:rPr kumimoji="0" lang="pl-PL" sz="2400" b="0" i="0" u="none" strike="noStrike" kern="1200" cap="none" spc="0" normalizeH="0" baseline="0" noProof="0" dirty="0">
+                <a:ln>
+                  <a:noFill/>
+                </a:ln>
+                <a:solidFill>
+                  <a:prstClr val="white"/>
+                </a:solidFill>
+                <a:effectLst/>
+                <a:uLnTx/>
+                <a:uFillTx/>
+                <a:latin typeface="Calibri" panose="020F0502020204030204"/>
+                <a:ea typeface="+mn-ea"/>
+                <a:cs typeface="+mn-cs"/>
+              </a:rPr>
+              <a:t>Proszę</a:t>
+            </a:r>
+            <a:r>
+              <a:rPr kumimoji="0" lang="en-US" sz="2400" b="0" i="0" u="none" strike="noStrike" kern="1200" cap="none" spc="0" normalizeH="0" baseline="0" noProof="0" dirty="0">
+                <a:ln>
+                  <a:noFill/>
+                </a:ln>
+                <a:solidFill>
+                  <a:prstClr val="white"/>
+                </a:solidFill>
+                <a:effectLst/>
+                <a:uLnTx/>
+                <a:uFillTx/>
+                <a:latin typeface="Calibri" panose="020F0502020204030204"/>
+                <a:ea typeface="+mn-ea"/>
+                <a:cs typeface="+mn-cs"/>
+              </a:rPr>
+              <a:t> </a:t>
+            </a:r>
+            <a:r>
+              <a:rPr kumimoji="0" lang="en-US" sz="2400" b="0" i="0" u="none" strike="noStrike" kern="1200" cap="none" spc="0" normalizeH="0" baseline="0" noProof="0" dirty="0" err="1">
+                <a:ln>
+                  <a:noFill/>
+                </a:ln>
+                <a:solidFill>
+                  <a:prstClr val="white"/>
+                </a:solidFill>
+                <a:effectLst/>
+                <a:uLnTx/>
+                <a:uFillTx/>
+                <a:latin typeface="Calibri" panose="020F0502020204030204"/>
+                <a:ea typeface="+mn-ea"/>
+                <a:cs typeface="+mn-cs"/>
+              </a:rPr>
+              <a:t>teraz</a:t>
+            </a:r>
+            <a:r>
+              <a:rPr kumimoji="0" lang="pl-PL" sz="2400" b="0" i="0" u="none" strike="noStrike" kern="1200" cap="none" spc="0" normalizeH="0" baseline="0" noProof="0" dirty="0">
+                <a:ln>
+                  <a:noFill/>
+                </a:ln>
+                <a:solidFill>
+                  <a:prstClr val="white"/>
+                </a:solidFill>
+                <a:effectLst/>
+                <a:uLnTx/>
+                <a:uFillTx/>
+                <a:latin typeface="Calibri" panose="020F0502020204030204"/>
+                <a:ea typeface="+mn-ea"/>
+                <a:cs typeface="+mn-cs"/>
+              </a:rPr>
+              <a:t> położyć palec wskazujący lewej ręki na klawiszu „D” na klawiaturze, a prawej ręki na klawiszu „L”.</a:t>
+            </a:r>
+            <a:endParaRPr kumimoji="0" lang="en-US" sz="2400" b="0" i="0" u="none" strike="noStrike" kern="1200" cap="none" spc="0" normalizeH="0" baseline="0" noProof="0" dirty="0">
+              <a:ln>
+                <a:noFill/>
+              </a:ln>
+              <a:solidFill>
+                <a:prstClr val="white"/>
+              </a:solidFill>
+              <a:effectLst/>
+              <a:uLnTx/>
+              <a:uFillTx/>
+              <a:latin typeface="Calibri" panose="020F0502020204030204"/>
+              <a:ea typeface="+mn-ea"/>
+              <a:cs typeface="+mn-cs"/>
+            </a:endParaRPr>
+          </a:p>
+        </p:txBody>
+      </p:sp>
+    </p:spTree>
+    <p:extLst>
+      <p:ext uri="{BB962C8B-B14F-4D97-AF65-F5344CB8AC3E}">
+        <p14:creationId xmlns:p14="http://schemas.microsoft.com/office/powerpoint/2010/main" val="339610578"/>
+      </p:ext>
+    </p:extLst>
+  </p:cSld>
+  <p:clrMapOvr>
+    <a:masterClrMapping/>
+  </p:clrMapOvr>
+</p:sld>
+</file>
+
+<file path=ppt/slides/slide11.xml><?xml version="1.0" encoding="utf-8"?>
+<p:sld xmlns:a="http://schemas.openxmlformats.org/drawingml/2006/main" xmlns:r="http://schemas.openxmlformats.org/officeDocument/2006/relationships" xmlns:p="http://schemas.openxmlformats.org/presentationml/2006/main">
+  <p:cSld>
+    <p:bg>
+      <p:bgPr>
+        <a:solidFill>
+          <a:schemeClr val="tx1"/>
+        </a:solidFill>
+        <a:effectLst/>
+      </p:bgPr>
+    </p:bg>
+    <p:spTree>
+      <p:nvGrpSpPr>
+        <p:cNvPr id="1" name=""/>
+        <p:cNvGrpSpPr/>
+        <p:nvPr/>
+      </p:nvGrpSpPr>
+      <p:grpSpPr>
+        <a:xfrm>
+          <a:off x="0" y="0"/>
+          <a:ext cx="0" cy="0"/>
+          <a:chOff x="0" y="0"/>
+          <a:chExt cx="0" cy="0"/>
+        </a:xfrm>
+      </p:grpSpPr>
+      <p:sp>
+        <p:nvSpPr>
+          <p:cNvPr id="4" name="Content Placeholder 2">
+            <a:extLst>
+              <a:ext uri="{FF2B5EF4-FFF2-40B4-BE49-F238E27FC236}">
+                <a16:creationId xmlns:a16="http://schemas.microsoft.com/office/drawing/2014/main" id="{46DF36C4-BF62-41C8-87BC-20EB0ECF88CF}"/>
+              </a:ext>
+            </a:extLst>
+          </p:cNvPr>
+          <p:cNvSpPr txBox="1">
+            <a:spLocks/>
+          </p:cNvSpPr>
+          <p:nvPr/>
+        </p:nvSpPr>
+        <p:spPr>
+          <a:xfrm>
+            <a:off x="838200" y="6039514"/>
+            <a:ext cx="10515600" cy="730253"/>
+          </a:xfrm>
+          <a:prstGeom prst="rect">
+            <a:avLst/>
+          </a:prstGeom>
+        </p:spPr>
+        <p:txBody>
+          <a:bodyPr vert="horz" lIns="91440" tIns="45720" rIns="91440" bIns="45720" rtlCol="0">
+            <a:normAutofit/>
+          </a:bodyPr>
+          <a:lstStyle>
+            <a:lvl1pPr marL="228600" indent="-228600" algn="l" defTabSz="914400" rtl="0" eaLnBrk="1" latinLnBrk="0" hangingPunct="1">
+              <a:lnSpc>
+                <a:spcPct val="90000"/>
+              </a:lnSpc>
+              <a:spcBef>
+                <a:spcPts val="1000"/>
+              </a:spcBef>
+              <a:buFont typeface="Arial" panose="020B0604020202020204" pitchFamily="34" charset="0"/>
+              <a:buChar char="•"/>
+              <a:defRPr sz="2800" kern="1200">
+                <a:solidFill>
+                  <a:schemeClr val="tx1"/>
+                </a:solidFill>
+                <a:latin typeface="+mn-lt"/>
+                <a:ea typeface="+mn-ea"/>
+                <a:cs typeface="+mn-cs"/>
+              </a:defRPr>
+            </a:lvl1pPr>
+            <a:lvl2pPr marL="685800" indent="-228600" algn="l" defTabSz="914400" rtl="0" eaLnBrk="1" latinLnBrk="0" hangingPunct="1">
+              <a:lnSpc>
+                <a:spcPct val="90000"/>
+              </a:lnSpc>
+              <a:spcBef>
+                <a:spcPts val="500"/>
+              </a:spcBef>
+              <a:buFont typeface="Arial" panose="020B0604020202020204" pitchFamily="34" charset="0"/>
+              <a:buChar char="•"/>
+              <a:defRPr sz="2400" kern="1200">
+                <a:solidFill>
+                  <a:schemeClr val="tx1"/>
+                </a:solidFill>
+                <a:latin typeface="+mn-lt"/>
+                <a:ea typeface="+mn-ea"/>
+                <a:cs typeface="+mn-cs"/>
+              </a:defRPr>
+            </a:lvl2pPr>
+            <a:lvl3pPr marL="1143000" indent="-228600" algn="l" defTabSz="914400" rtl="0" eaLnBrk="1" latinLnBrk="0" hangingPunct="1">
+              <a:lnSpc>
+                <a:spcPct val="90000"/>
+              </a:lnSpc>
+              <a:spcBef>
+                <a:spcPts val="500"/>
+              </a:spcBef>
+              <a:buFont typeface="Arial" panose="020B0604020202020204" pitchFamily="34" charset="0"/>
+              <a:buChar char="•"/>
+              <a:defRPr sz="2000" kern="1200">
+                <a:solidFill>
+                  <a:schemeClr val="tx1"/>
+                </a:solidFill>
+                <a:latin typeface="+mn-lt"/>
+                <a:ea typeface="+mn-ea"/>
+                <a:cs typeface="+mn-cs"/>
+              </a:defRPr>
+            </a:lvl3pPr>
+            <a:lvl4pPr marL="1600200" indent="-228600" algn="l" defTabSz="914400" rtl="0" eaLnBrk="1" latinLnBrk="0" hangingPunct="1">
+              <a:lnSpc>
+                <a:spcPct val="90000"/>
+              </a:lnSpc>
+              <a:spcBef>
+                <a:spcPts val="500"/>
+              </a:spcBef>
+              <a:buFont typeface="Arial" panose="020B0604020202020204" pitchFamily="34" charset="0"/>
+              <a:buChar char="•"/>
+              <a:defRPr sz="1800" kern="1200">
+                <a:solidFill>
+                  <a:schemeClr val="tx1"/>
+                </a:solidFill>
+                <a:latin typeface="+mn-lt"/>
+                <a:ea typeface="+mn-ea"/>
+                <a:cs typeface="+mn-cs"/>
+              </a:defRPr>
+            </a:lvl4pPr>
+            <a:lvl5pPr marL="2057400" indent="-228600" algn="l" defTabSz="914400" rtl="0" eaLnBrk="1" latinLnBrk="0" hangingPunct="1">
+              <a:lnSpc>
+                <a:spcPct val="90000"/>
+              </a:lnSpc>
+              <a:spcBef>
+                <a:spcPts val="500"/>
+              </a:spcBef>
+              <a:buFont typeface="Arial" panose="020B0604020202020204" pitchFamily="34" charset="0"/>
+              <a:buChar char="•"/>
+              <a:defRPr sz="1800" kern="1200">
+                <a:solidFill>
+                  <a:schemeClr val="tx1"/>
+                </a:solidFill>
+                <a:latin typeface="+mn-lt"/>
+                <a:ea typeface="+mn-ea"/>
+                <a:cs typeface="+mn-cs"/>
+              </a:defRPr>
+            </a:lvl5pPr>
+            <a:lvl6pPr marL="2514600" indent="-228600" algn="l" defTabSz="914400" rtl="0" eaLnBrk="1" latinLnBrk="0" hangingPunct="1">
+              <a:lnSpc>
+                <a:spcPct val="90000"/>
+              </a:lnSpc>
+              <a:spcBef>
+                <a:spcPts val="500"/>
+              </a:spcBef>
+              <a:buFont typeface="Arial" panose="020B0604020202020204" pitchFamily="34" charset="0"/>
+              <a:buChar char="•"/>
+              <a:defRPr sz="1800" kern="1200">
+                <a:solidFill>
+                  <a:schemeClr val="tx1"/>
+                </a:solidFill>
+                <a:latin typeface="+mn-lt"/>
+                <a:ea typeface="+mn-ea"/>
+                <a:cs typeface="+mn-cs"/>
+              </a:defRPr>
+            </a:lvl6pPr>
+            <a:lvl7pPr marL="2971800" indent="-228600" algn="l" defTabSz="914400" rtl="0" eaLnBrk="1" latinLnBrk="0" hangingPunct="1">
+              <a:lnSpc>
+                <a:spcPct val="90000"/>
+              </a:lnSpc>
+              <a:spcBef>
+                <a:spcPts val="500"/>
+              </a:spcBef>
+              <a:buFont typeface="Arial" panose="020B0604020202020204" pitchFamily="34" charset="0"/>
+              <a:buChar char="•"/>
+              <a:defRPr sz="1800" kern="1200">
+                <a:solidFill>
+                  <a:schemeClr val="tx1"/>
+                </a:solidFill>
+                <a:latin typeface="+mn-lt"/>
+                <a:ea typeface="+mn-ea"/>
+                <a:cs typeface="+mn-cs"/>
+              </a:defRPr>
+            </a:lvl7pPr>
+            <a:lvl8pPr marL="3429000" indent="-228600" algn="l" defTabSz="914400" rtl="0" eaLnBrk="1" latinLnBrk="0" hangingPunct="1">
+              <a:lnSpc>
+                <a:spcPct val="90000"/>
+              </a:lnSpc>
+              <a:spcBef>
+                <a:spcPts val="500"/>
+              </a:spcBef>
+              <a:buFont typeface="Arial" panose="020B0604020202020204" pitchFamily="34" charset="0"/>
+              <a:buChar char="•"/>
+              <a:defRPr sz="1800" kern="1200">
+                <a:solidFill>
+                  <a:schemeClr val="tx1"/>
+                </a:solidFill>
+                <a:latin typeface="+mn-lt"/>
+                <a:ea typeface="+mn-ea"/>
+                <a:cs typeface="+mn-cs"/>
+              </a:defRPr>
+            </a:lvl8pPr>
+            <a:lvl9pPr marL="3886200" indent="-228600" algn="l" defTabSz="914400" rtl="0" eaLnBrk="1" latinLnBrk="0" hangingPunct="1">
+              <a:lnSpc>
+                <a:spcPct val="90000"/>
+              </a:lnSpc>
+              <a:spcBef>
+                <a:spcPts val="500"/>
+              </a:spcBef>
+              <a:buFont typeface="Arial" panose="020B0604020202020204" pitchFamily="34" charset="0"/>
+              <a:buChar char="•"/>
+              <a:defRPr sz="1800" kern="1200">
+                <a:solidFill>
+                  <a:schemeClr val="tx1"/>
+                </a:solidFill>
+                <a:latin typeface="+mn-lt"/>
+                <a:ea typeface="+mn-ea"/>
+                <a:cs typeface="+mn-cs"/>
+              </a:defRPr>
+            </a:lvl9pPr>
+          </a:lstStyle>
+          <a:p>
+            <a:pPr marL="0" marR="0" lvl="0" indent="0" algn="ctr" defTabSz="914400" rtl="0" eaLnBrk="1" fontAlgn="auto" latinLnBrk="0" hangingPunct="1">
+              <a:lnSpc>
+                <a:spcPct val="90000"/>
+              </a:lnSpc>
+              <a:spcBef>
+                <a:spcPts val="1000"/>
+              </a:spcBef>
+              <a:spcAft>
+                <a:spcPts val="0"/>
+              </a:spcAft>
+              <a:buClrTx/>
+              <a:buSzTx/>
+              <a:buFont typeface="Arial" panose="020B0604020202020204" pitchFamily="34" charset="0"/>
+              <a:buNone/>
+              <a:tabLst/>
+              <a:defRPr/>
+            </a:pPr>
+            <a:r>
+              <a:rPr kumimoji="0" lang="pl-PL" sz="2000" b="0" i="0" u="none" strike="noStrike" kern="1200" cap="none" spc="0" normalizeH="0" baseline="0" noProof="0" dirty="0">
+                <a:ln>
+                  <a:noFill/>
+                </a:ln>
+                <a:solidFill>
+                  <a:prstClr val="white"/>
+                </a:solidFill>
+                <a:effectLst/>
+                <a:uLnTx/>
+                <a:uFillTx/>
+                <a:latin typeface="Calibri" panose="020F0502020204030204"/>
+                <a:ea typeface="+mn-ea"/>
+                <a:cs typeface="+mn-cs"/>
+              </a:rPr>
+              <a:t>Proszę nacisnąć „L”, aby kontynuować…</a:t>
+            </a:r>
+          </a:p>
+        </p:txBody>
+      </p:sp>
+      <p:sp>
+        <p:nvSpPr>
+          <p:cNvPr id="7" name="Content Placeholder 2">
+            <a:extLst>
+              <a:ext uri="{FF2B5EF4-FFF2-40B4-BE49-F238E27FC236}">
+                <a16:creationId xmlns:a16="http://schemas.microsoft.com/office/drawing/2014/main" id="{02466EF3-302C-4960-8543-BE397448108A}"/>
+              </a:ext>
+            </a:extLst>
+          </p:cNvPr>
+          <p:cNvSpPr txBox="1">
+            <a:spLocks/>
+          </p:cNvSpPr>
+          <p:nvPr/>
+        </p:nvSpPr>
+        <p:spPr>
+          <a:xfrm>
+            <a:off x="1800723" y="1408634"/>
             <a:ext cx="8590546" cy="740677"/>
           </a:xfrm>
           <a:prstGeom prst="rect">
@@ -4510,7 +5123,7 @@
               <a:defRPr/>
             </a:pPr>
             <a:r>
-              <a:rPr kumimoji="0" lang="pl-PL" sz="3600" b="0" i="0" u="none" strike="noStrike" kern="1200" cap="none" spc="0" normalizeH="0" baseline="0" noProof="0" dirty="0">
+              <a:rPr kumimoji="0" lang="pl-PL" sz="2400" b="0" i="0" u="none" strike="noStrike" kern="1200" cap="none" spc="0" normalizeH="0" baseline="0" noProof="0" dirty="0">
                 <a:ln>
                   <a:noFill/>
                 </a:ln>
@@ -4524,7 +5137,7 @@
                 <a:ea typeface="+mn-ea"/>
                 <a:cs typeface="+mn-cs"/>
               </a:rPr>
-              <a:t>Dziękujemy!</a:t>
+              <a:t>To już koniec tej części eksperymentu.</a:t>
             </a:r>
             <a:endParaRPr kumimoji="0" lang="en-US" sz="2400" b="0" i="0" u="none" strike="noStrike" kern="1200" cap="none" spc="0" normalizeH="0" baseline="0" noProof="0" dirty="0">
               <a:ln>
@@ -4772,6 +5385,742 @@
     </p:spTree>
     <p:extLst>
       <p:ext uri="{BB962C8B-B14F-4D97-AF65-F5344CB8AC3E}">
+        <p14:creationId xmlns:p14="http://schemas.microsoft.com/office/powerpoint/2010/main" val="3762113772"/>
+      </p:ext>
+    </p:extLst>
+  </p:cSld>
+  <p:clrMapOvr>
+    <a:masterClrMapping/>
+  </p:clrMapOvr>
+</p:sld>
+</file>
+
+<file path=ppt/slides/slide12.xml><?xml version="1.0" encoding="utf-8"?>
+<p:sld xmlns:a="http://schemas.openxmlformats.org/drawingml/2006/main" xmlns:r="http://schemas.openxmlformats.org/officeDocument/2006/relationships" xmlns:p="http://schemas.openxmlformats.org/presentationml/2006/main">
+  <p:cSld>
+    <p:bg>
+      <p:bgPr>
+        <a:solidFill>
+          <a:schemeClr val="tx1"/>
+        </a:solidFill>
+        <a:effectLst/>
+      </p:bgPr>
+    </p:bg>
+    <p:spTree>
+      <p:nvGrpSpPr>
+        <p:cNvPr id="1" name=""/>
+        <p:cNvGrpSpPr/>
+        <p:nvPr/>
+      </p:nvGrpSpPr>
+      <p:grpSpPr>
+        <a:xfrm>
+          <a:off x="0" y="0"/>
+          <a:ext cx="0" cy="0"/>
+          <a:chOff x="0" y="0"/>
+          <a:chExt cx="0" cy="0"/>
+        </a:xfrm>
+      </p:grpSpPr>
+      <p:sp>
+        <p:nvSpPr>
+          <p:cNvPr id="4" name="Content Placeholder 2">
+            <a:extLst>
+              <a:ext uri="{FF2B5EF4-FFF2-40B4-BE49-F238E27FC236}">
+                <a16:creationId xmlns:a16="http://schemas.microsoft.com/office/drawing/2014/main" id="{46DF36C4-BF62-41C8-87BC-20EB0ECF88CF}"/>
+              </a:ext>
+            </a:extLst>
+          </p:cNvPr>
+          <p:cNvSpPr txBox="1">
+            <a:spLocks/>
+          </p:cNvSpPr>
+          <p:nvPr/>
+        </p:nvSpPr>
+        <p:spPr>
+          <a:xfrm>
+            <a:off x="838200" y="6039514"/>
+            <a:ext cx="10515600" cy="730253"/>
+          </a:xfrm>
+          <a:prstGeom prst="rect">
+            <a:avLst/>
+          </a:prstGeom>
+        </p:spPr>
+        <p:txBody>
+          <a:bodyPr vert="horz" lIns="91440" tIns="45720" rIns="91440" bIns="45720" rtlCol="0">
+            <a:normAutofit/>
+          </a:bodyPr>
+          <a:lstStyle>
+            <a:lvl1pPr marL="228600" indent="-228600" algn="l" defTabSz="914400" rtl="0" eaLnBrk="1" latinLnBrk="0" hangingPunct="1">
+              <a:lnSpc>
+                <a:spcPct val="90000"/>
+              </a:lnSpc>
+              <a:spcBef>
+                <a:spcPts val="1000"/>
+              </a:spcBef>
+              <a:buFont typeface="Arial" panose="020B0604020202020204" pitchFamily="34" charset="0"/>
+              <a:buChar char="•"/>
+              <a:defRPr sz="2800" kern="1200">
+                <a:solidFill>
+                  <a:schemeClr val="tx1"/>
+                </a:solidFill>
+                <a:latin typeface="+mn-lt"/>
+                <a:ea typeface="+mn-ea"/>
+                <a:cs typeface="+mn-cs"/>
+              </a:defRPr>
+            </a:lvl1pPr>
+            <a:lvl2pPr marL="685800" indent="-228600" algn="l" defTabSz="914400" rtl="0" eaLnBrk="1" latinLnBrk="0" hangingPunct="1">
+              <a:lnSpc>
+                <a:spcPct val="90000"/>
+              </a:lnSpc>
+              <a:spcBef>
+                <a:spcPts val="500"/>
+              </a:spcBef>
+              <a:buFont typeface="Arial" panose="020B0604020202020204" pitchFamily="34" charset="0"/>
+              <a:buChar char="•"/>
+              <a:defRPr sz="2400" kern="1200">
+                <a:solidFill>
+                  <a:schemeClr val="tx1"/>
+                </a:solidFill>
+                <a:latin typeface="+mn-lt"/>
+                <a:ea typeface="+mn-ea"/>
+                <a:cs typeface="+mn-cs"/>
+              </a:defRPr>
+            </a:lvl2pPr>
+            <a:lvl3pPr marL="1143000" indent="-228600" algn="l" defTabSz="914400" rtl="0" eaLnBrk="1" latinLnBrk="0" hangingPunct="1">
+              <a:lnSpc>
+                <a:spcPct val="90000"/>
+              </a:lnSpc>
+              <a:spcBef>
+                <a:spcPts val="500"/>
+              </a:spcBef>
+              <a:buFont typeface="Arial" panose="020B0604020202020204" pitchFamily="34" charset="0"/>
+              <a:buChar char="•"/>
+              <a:defRPr sz="2000" kern="1200">
+                <a:solidFill>
+                  <a:schemeClr val="tx1"/>
+                </a:solidFill>
+                <a:latin typeface="+mn-lt"/>
+                <a:ea typeface="+mn-ea"/>
+                <a:cs typeface="+mn-cs"/>
+              </a:defRPr>
+            </a:lvl3pPr>
+            <a:lvl4pPr marL="1600200" indent="-228600" algn="l" defTabSz="914400" rtl="0" eaLnBrk="1" latinLnBrk="0" hangingPunct="1">
+              <a:lnSpc>
+                <a:spcPct val="90000"/>
+              </a:lnSpc>
+              <a:spcBef>
+                <a:spcPts val="500"/>
+              </a:spcBef>
+              <a:buFont typeface="Arial" panose="020B0604020202020204" pitchFamily="34" charset="0"/>
+              <a:buChar char="•"/>
+              <a:defRPr sz="1800" kern="1200">
+                <a:solidFill>
+                  <a:schemeClr val="tx1"/>
+                </a:solidFill>
+                <a:latin typeface="+mn-lt"/>
+                <a:ea typeface="+mn-ea"/>
+                <a:cs typeface="+mn-cs"/>
+              </a:defRPr>
+            </a:lvl4pPr>
+            <a:lvl5pPr marL="2057400" indent="-228600" algn="l" defTabSz="914400" rtl="0" eaLnBrk="1" latinLnBrk="0" hangingPunct="1">
+              <a:lnSpc>
+                <a:spcPct val="90000"/>
+              </a:lnSpc>
+              <a:spcBef>
+                <a:spcPts val="500"/>
+              </a:spcBef>
+              <a:buFont typeface="Arial" panose="020B0604020202020204" pitchFamily="34" charset="0"/>
+              <a:buChar char="•"/>
+              <a:defRPr sz="1800" kern="1200">
+                <a:solidFill>
+                  <a:schemeClr val="tx1"/>
+                </a:solidFill>
+                <a:latin typeface="+mn-lt"/>
+                <a:ea typeface="+mn-ea"/>
+                <a:cs typeface="+mn-cs"/>
+              </a:defRPr>
+            </a:lvl5pPr>
+            <a:lvl6pPr marL="2514600" indent="-228600" algn="l" defTabSz="914400" rtl="0" eaLnBrk="1" latinLnBrk="0" hangingPunct="1">
+              <a:lnSpc>
+                <a:spcPct val="90000"/>
+              </a:lnSpc>
+              <a:spcBef>
+                <a:spcPts val="500"/>
+              </a:spcBef>
+              <a:buFont typeface="Arial" panose="020B0604020202020204" pitchFamily="34" charset="0"/>
+              <a:buChar char="•"/>
+              <a:defRPr sz="1800" kern="1200">
+                <a:solidFill>
+                  <a:schemeClr val="tx1"/>
+                </a:solidFill>
+                <a:latin typeface="+mn-lt"/>
+                <a:ea typeface="+mn-ea"/>
+                <a:cs typeface="+mn-cs"/>
+              </a:defRPr>
+            </a:lvl6pPr>
+            <a:lvl7pPr marL="2971800" indent="-228600" algn="l" defTabSz="914400" rtl="0" eaLnBrk="1" latinLnBrk="0" hangingPunct="1">
+              <a:lnSpc>
+                <a:spcPct val="90000"/>
+              </a:lnSpc>
+              <a:spcBef>
+                <a:spcPts val="500"/>
+              </a:spcBef>
+              <a:buFont typeface="Arial" panose="020B0604020202020204" pitchFamily="34" charset="0"/>
+              <a:buChar char="•"/>
+              <a:defRPr sz="1800" kern="1200">
+                <a:solidFill>
+                  <a:schemeClr val="tx1"/>
+                </a:solidFill>
+                <a:latin typeface="+mn-lt"/>
+                <a:ea typeface="+mn-ea"/>
+                <a:cs typeface="+mn-cs"/>
+              </a:defRPr>
+            </a:lvl7pPr>
+            <a:lvl8pPr marL="3429000" indent="-228600" algn="l" defTabSz="914400" rtl="0" eaLnBrk="1" latinLnBrk="0" hangingPunct="1">
+              <a:lnSpc>
+                <a:spcPct val="90000"/>
+              </a:lnSpc>
+              <a:spcBef>
+                <a:spcPts val="500"/>
+              </a:spcBef>
+              <a:buFont typeface="Arial" panose="020B0604020202020204" pitchFamily="34" charset="0"/>
+              <a:buChar char="•"/>
+              <a:defRPr sz="1800" kern="1200">
+                <a:solidFill>
+                  <a:schemeClr val="tx1"/>
+                </a:solidFill>
+                <a:latin typeface="+mn-lt"/>
+                <a:ea typeface="+mn-ea"/>
+                <a:cs typeface="+mn-cs"/>
+              </a:defRPr>
+            </a:lvl8pPr>
+            <a:lvl9pPr marL="3886200" indent="-228600" algn="l" defTabSz="914400" rtl="0" eaLnBrk="1" latinLnBrk="0" hangingPunct="1">
+              <a:lnSpc>
+                <a:spcPct val="90000"/>
+              </a:lnSpc>
+              <a:spcBef>
+                <a:spcPts val="500"/>
+              </a:spcBef>
+              <a:buFont typeface="Arial" panose="020B0604020202020204" pitchFamily="34" charset="0"/>
+              <a:buChar char="•"/>
+              <a:defRPr sz="1800" kern="1200">
+                <a:solidFill>
+                  <a:schemeClr val="tx1"/>
+                </a:solidFill>
+                <a:latin typeface="+mn-lt"/>
+                <a:ea typeface="+mn-ea"/>
+                <a:cs typeface="+mn-cs"/>
+              </a:defRPr>
+            </a:lvl9pPr>
+          </a:lstStyle>
+          <a:p>
+            <a:pPr marL="0" marR="0" lvl="0" indent="0" algn="ctr" defTabSz="914400" rtl="0" eaLnBrk="1" fontAlgn="auto" latinLnBrk="0" hangingPunct="1">
+              <a:lnSpc>
+                <a:spcPct val="90000"/>
+              </a:lnSpc>
+              <a:spcBef>
+                <a:spcPts val="1000"/>
+              </a:spcBef>
+              <a:spcAft>
+                <a:spcPts val="0"/>
+              </a:spcAft>
+              <a:buClrTx/>
+              <a:buSzTx/>
+              <a:buFont typeface="Arial" panose="020B0604020202020204" pitchFamily="34" charset="0"/>
+              <a:buNone/>
+              <a:tabLst/>
+              <a:defRPr/>
+            </a:pPr>
+            <a:r>
+              <a:rPr kumimoji="0" lang="pl-PL" sz="2000" b="0" i="0" u="none" strike="noStrike" kern="1200" cap="none" spc="0" normalizeH="0" baseline="0" noProof="0" dirty="0">
+                <a:ln>
+                  <a:noFill/>
+                </a:ln>
+                <a:solidFill>
+                  <a:srgbClr val="FF0000"/>
+                </a:solidFill>
+                <a:effectLst/>
+                <a:uLnTx/>
+                <a:uFillTx/>
+                <a:latin typeface="Calibri" panose="020F0502020204030204"/>
+                <a:ea typeface="+mn-ea"/>
+                <a:cs typeface="+mn-cs"/>
+              </a:rPr>
+              <a:t>Proszę nacisnąć „L”, aby ZAKOŃCZYĆ PROCEDURĘ…</a:t>
+            </a:r>
+          </a:p>
+        </p:txBody>
+      </p:sp>
+      <p:sp>
+        <p:nvSpPr>
+          <p:cNvPr id="7" name="Content Placeholder 2">
+            <a:extLst>
+              <a:ext uri="{FF2B5EF4-FFF2-40B4-BE49-F238E27FC236}">
+                <a16:creationId xmlns:a16="http://schemas.microsoft.com/office/drawing/2014/main" id="{02466EF3-302C-4960-8543-BE397448108A}"/>
+              </a:ext>
+            </a:extLst>
+          </p:cNvPr>
+          <p:cNvSpPr txBox="1">
+            <a:spLocks/>
+          </p:cNvSpPr>
+          <p:nvPr/>
+        </p:nvSpPr>
+        <p:spPr>
+          <a:xfrm>
+            <a:off x="1800723" y="3058660"/>
+            <a:ext cx="8590546" cy="740677"/>
+          </a:xfrm>
+          <a:prstGeom prst="rect">
+            <a:avLst/>
+          </a:prstGeom>
+        </p:spPr>
+        <p:txBody>
+          <a:bodyPr vert="horz" lIns="91440" tIns="45720" rIns="91440" bIns="45720" rtlCol="0">
+            <a:normAutofit/>
+          </a:bodyPr>
+          <a:lstStyle>
+            <a:lvl1pPr marL="228600" indent="-228600" algn="l" defTabSz="914400" rtl="0" eaLnBrk="1" latinLnBrk="0" hangingPunct="1">
+              <a:lnSpc>
+                <a:spcPct val="90000"/>
+              </a:lnSpc>
+              <a:spcBef>
+                <a:spcPts val="1000"/>
+              </a:spcBef>
+              <a:buFont typeface="Arial" panose="020B0604020202020204" pitchFamily="34" charset="0"/>
+              <a:buChar char="•"/>
+              <a:defRPr sz="2800" kern="1200">
+                <a:solidFill>
+                  <a:schemeClr val="tx1"/>
+                </a:solidFill>
+                <a:latin typeface="+mn-lt"/>
+                <a:ea typeface="+mn-ea"/>
+                <a:cs typeface="+mn-cs"/>
+              </a:defRPr>
+            </a:lvl1pPr>
+            <a:lvl2pPr marL="685800" indent="-228600" algn="l" defTabSz="914400" rtl="0" eaLnBrk="1" latinLnBrk="0" hangingPunct="1">
+              <a:lnSpc>
+                <a:spcPct val="90000"/>
+              </a:lnSpc>
+              <a:spcBef>
+                <a:spcPts val="500"/>
+              </a:spcBef>
+              <a:buFont typeface="Arial" panose="020B0604020202020204" pitchFamily="34" charset="0"/>
+              <a:buChar char="•"/>
+              <a:defRPr sz="2400" kern="1200">
+                <a:solidFill>
+                  <a:schemeClr val="tx1"/>
+                </a:solidFill>
+                <a:latin typeface="+mn-lt"/>
+                <a:ea typeface="+mn-ea"/>
+                <a:cs typeface="+mn-cs"/>
+              </a:defRPr>
+            </a:lvl2pPr>
+            <a:lvl3pPr marL="1143000" indent="-228600" algn="l" defTabSz="914400" rtl="0" eaLnBrk="1" latinLnBrk="0" hangingPunct="1">
+              <a:lnSpc>
+                <a:spcPct val="90000"/>
+              </a:lnSpc>
+              <a:spcBef>
+                <a:spcPts val="500"/>
+              </a:spcBef>
+              <a:buFont typeface="Arial" panose="020B0604020202020204" pitchFamily="34" charset="0"/>
+              <a:buChar char="•"/>
+              <a:defRPr sz="2000" kern="1200">
+                <a:solidFill>
+                  <a:schemeClr val="tx1"/>
+                </a:solidFill>
+                <a:latin typeface="+mn-lt"/>
+                <a:ea typeface="+mn-ea"/>
+                <a:cs typeface="+mn-cs"/>
+              </a:defRPr>
+            </a:lvl3pPr>
+            <a:lvl4pPr marL="1600200" indent="-228600" algn="l" defTabSz="914400" rtl="0" eaLnBrk="1" latinLnBrk="0" hangingPunct="1">
+              <a:lnSpc>
+                <a:spcPct val="90000"/>
+              </a:lnSpc>
+              <a:spcBef>
+                <a:spcPts val="500"/>
+              </a:spcBef>
+              <a:buFont typeface="Arial" panose="020B0604020202020204" pitchFamily="34" charset="0"/>
+              <a:buChar char="•"/>
+              <a:defRPr sz="1800" kern="1200">
+                <a:solidFill>
+                  <a:schemeClr val="tx1"/>
+                </a:solidFill>
+                <a:latin typeface="+mn-lt"/>
+                <a:ea typeface="+mn-ea"/>
+                <a:cs typeface="+mn-cs"/>
+              </a:defRPr>
+            </a:lvl4pPr>
+            <a:lvl5pPr marL="2057400" indent="-228600" algn="l" defTabSz="914400" rtl="0" eaLnBrk="1" latinLnBrk="0" hangingPunct="1">
+              <a:lnSpc>
+                <a:spcPct val="90000"/>
+              </a:lnSpc>
+              <a:spcBef>
+                <a:spcPts val="500"/>
+              </a:spcBef>
+              <a:buFont typeface="Arial" panose="020B0604020202020204" pitchFamily="34" charset="0"/>
+              <a:buChar char="•"/>
+              <a:defRPr sz="1800" kern="1200">
+                <a:solidFill>
+                  <a:schemeClr val="tx1"/>
+                </a:solidFill>
+                <a:latin typeface="+mn-lt"/>
+                <a:ea typeface="+mn-ea"/>
+                <a:cs typeface="+mn-cs"/>
+              </a:defRPr>
+            </a:lvl5pPr>
+            <a:lvl6pPr marL="2514600" indent="-228600" algn="l" defTabSz="914400" rtl="0" eaLnBrk="1" latinLnBrk="0" hangingPunct="1">
+              <a:lnSpc>
+                <a:spcPct val="90000"/>
+              </a:lnSpc>
+              <a:spcBef>
+                <a:spcPts val="500"/>
+              </a:spcBef>
+              <a:buFont typeface="Arial" panose="020B0604020202020204" pitchFamily="34" charset="0"/>
+              <a:buChar char="•"/>
+              <a:defRPr sz="1800" kern="1200">
+                <a:solidFill>
+                  <a:schemeClr val="tx1"/>
+                </a:solidFill>
+                <a:latin typeface="+mn-lt"/>
+                <a:ea typeface="+mn-ea"/>
+                <a:cs typeface="+mn-cs"/>
+              </a:defRPr>
+            </a:lvl6pPr>
+            <a:lvl7pPr marL="2971800" indent="-228600" algn="l" defTabSz="914400" rtl="0" eaLnBrk="1" latinLnBrk="0" hangingPunct="1">
+              <a:lnSpc>
+                <a:spcPct val="90000"/>
+              </a:lnSpc>
+              <a:spcBef>
+                <a:spcPts val="500"/>
+              </a:spcBef>
+              <a:buFont typeface="Arial" panose="020B0604020202020204" pitchFamily="34" charset="0"/>
+              <a:buChar char="•"/>
+              <a:defRPr sz="1800" kern="1200">
+                <a:solidFill>
+                  <a:schemeClr val="tx1"/>
+                </a:solidFill>
+                <a:latin typeface="+mn-lt"/>
+                <a:ea typeface="+mn-ea"/>
+                <a:cs typeface="+mn-cs"/>
+              </a:defRPr>
+            </a:lvl7pPr>
+            <a:lvl8pPr marL="3429000" indent="-228600" algn="l" defTabSz="914400" rtl="0" eaLnBrk="1" latinLnBrk="0" hangingPunct="1">
+              <a:lnSpc>
+                <a:spcPct val="90000"/>
+              </a:lnSpc>
+              <a:spcBef>
+                <a:spcPts val="500"/>
+              </a:spcBef>
+              <a:buFont typeface="Arial" panose="020B0604020202020204" pitchFamily="34" charset="0"/>
+              <a:buChar char="•"/>
+              <a:defRPr sz="1800" kern="1200">
+                <a:solidFill>
+                  <a:schemeClr val="tx1"/>
+                </a:solidFill>
+                <a:latin typeface="+mn-lt"/>
+                <a:ea typeface="+mn-ea"/>
+                <a:cs typeface="+mn-cs"/>
+              </a:defRPr>
+            </a:lvl8pPr>
+            <a:lvl9pPr marL="3886200" indent="-228600" algn="l" defTabSz="914400" rtl="0" eaLnBrk="1" latinLnBrk="0" hangingPunct="1">
+              <a:lnSpc>
+                <a:spcPct val="90000"/>
+              </a:lnSpc>
+              <a:spcBef>
+                <a:spcPts val="500"/>
+              </a:spcBef>
+              <a:buFont typeface="Arial" panose="020B0604020202020204" pitchFamily="34" charset="0"/>
+              <a:buChar char="•"/>
+              <a:defRPr sz="1800" kern="1200">
+                <a:solidFill>
+                  <a:schemeClr val="tx1"/>
+                </a:solidFill>
+                <a:latin typeface="+mn-lt"/>
+                <a:ea typeface="+mn-ea"/>
+                <a:cs typeface="+mn-cs"/>
+              </a:defRPr>
+            </a:lvl9pPr>
+          </a:lstStyle>
+          <a:p>
+            <a:pPr marL="0" marR="0" lvl="0" indent="0" algn="ctr" defTabSz="914400" rtl="0" eaLnBrk="1" fontAlgn="auto" latinLnBrk="0" hangingPunct="1">
+              <a:lnSpc>
+                <a:spcPct val="90000"/>
+              </a:lnSpc>
+              <a:spcBef>
+                <a:spcPts val="1000"/>
+              </a:spcBef>
+              <a:spcAft>
+                <a:spcPts val="0"/>
+              </a:spcAft>
+              <a:buClrTx/>
+              <a:buSzTx/>
+              <a:buFont typeface="Arial" panose="020B0604020202020204" pitchFamily="34" charset="0"/>
+              <a:buNone/>
+              <a:tabLst/>
+              <a:defRPr/>
+            </a:pPr>
+            <a:r>
+              <a:rPr kumimoji="0" lang="pl-PL" sz="3600" b="0" i="0" u="none" strike="noStrike" kern="1200" cap="none" spc="0" normalizeH="0" baseline="0" noProof="0" dirty="0">
+                <a:ln>
+                  <a:noFill/>
+                </a:ln>
+                <a:solidFill>
+                  <a:prstClr val="white"/>
+                </a:solidFill>
+                <a:effectLst/>
+                <a:uLnTx/>
+                <a:uFillTx/>
+                <a:latin typeface="Calibri" panose="020F0502020204030204"/>
+                <a:ea typeface="+mn-ea"/>
+                <a:cs typeface="+mn-cs"/>
+              </a:rPr>
+              <a:t>Dziękujemy!</a:t>
+            </a:r>
+            <a:endParaRPr kumimoji="0" lang="en-US" sz="2400" b="0" i="0" u="none" strike="noStrike" kern="1200" cap="none" spc="0" normalizeH="0" baseline="0" noProof="0" dirty="0">
+              <a:ln>
+                <a:noFill/>
+              </a:ln>
+              <a:solidFill>
+                <a:prstClr val="white"/>
+              </a:solidFill>
+              <a:effectLst/>
+              <a:uLnTx/>
+              <a:uFillTx/>
+              <a:latin typeface="Calibri" panose="020F0502020204030204"/>
+              <a:ea typeface="+mn-ea"/>
+              <a:cs typeface="+mn-cs"/>
+            </a:endParaRPr>
+          </a:p>
+        </p:txBody>
+      </p:sp>
+      <p:sp>
+        <p:nvSpPr>
+          <p:cNvPr id="9" name="Content Placeholder 2">
+            <a:extLst>
+              <a:ext uri="{FF2B5EF4-FFF2-40B4-BE49-F238E27FC236}">
+                <a16:creationId xmlns:a16="http://schemas.microsoft.com/office/drawing/2014/main" id="{6AE46264-68D9-4CE3-A51C-8EC1E628ABC6}"/>
+              </a:ext>
+            </a:extLst>
+          </p:cNvPr>
+          <p:cNvSpPr txBox="1">
+            <a:spLocks/>
+          </p:cNvSpPr>
+          <p:nvPr/>
+        </p:nvSpPr>
+        <p:spPr>
+          <a:xfrm>
+            <a:off x="1800723" y="3058661"/>
+            <a:ext cx="8590546" cy="740677"/>
+          </a:xfrm>
+          <a:prstGeom prst="rect">
+            <a:avLst/>
+          </a:prstGeom>
+        </p:spPr>
+        <p:txBody>
+          <a:bodyPr vert="horz" lIns="91440" tIns="45720" rIns="91440" bIns="45720" rtlCol="0">
+            <a:normAutofit/>
+          </a:bodyPr>
+          <a:lstStyle>
+            <a:lvl1pPr marL="228600" indent="-228600" algn="l" defTabSz="914400" rtl="0" eaLnBrk="1" latinLnBrk="0" hangingPunct="1">
+              <a:lnSpc>
+                <a:spcPct val="90000"/>
+              </a:lnSpc>
+              <a:spcBef>
+                <a:spcPts val="1000"/>
+              </a:spcBef>
+              <a:buFont typeface="Arial" panose="020B0604020202020204" pitchFamily="34" charset="0"/>
+              <a:buChar char="•"/>
+              <a:defRPr sz="2800" kern="1200">
+                <a:solidFill>
+                  <a:schemeClr val="tx1"/>
+                </a:solidFill>
+                <a:latin typeface="+mn-lt"/>
+                <a:ea typeface="+mn-ea"/>
+                <a:cs typeface="+mn-cs"/>
+              </a:defRPr>
+            </a:lvl1pPr>
+            <a:lvl2pPr marL="685800" indent="-228600" algn="l" defTabSz="914400" rtl="0" eaLnBrk="1" latinLnBrk="0" hangingPunct="1">
+              <a:lnSpc>
+                <a:spcPct val="90000"/>
+              </a:lnSpc>
+              <a:spcBef>
+                <a:spcPts val="500"/>
+              </a:spcBef>
+              <a:buFont typeface="Arial" panose="020B0604020202020204" pitchFamily="34" charset="0"/>
+              <a:buChar char="•"/>
+              <a:defRPr sz="2400" kern="1200">
+                <a:solidFill>
+                  <a:schemeClr val="tx1"/>
+                </a:solidFill>
+                <a:latin typeface="+mn-lt"/>
+                <a:ea typeface="+mn-ea"/>
+                <a:cs typeface="+mn-cs"/>
+              </a:defRPr>
+            </a:lvl2pPr>
+            <a:lvl3pPr marL="1143000" indent="-228600" algn="l" defTabSz="914400" rtl="0" eaLnBrk="1" latinLnBrk="0" hangingPunct="1">
+              <a:lnSpc>
+                <a:spcPct val="90000"/>
+              </a:lnSpc>
+              <a:spcBef>
+                <a:spcPts val="500"/>
+              </a:spcBef>
+              <a:buFont typeface="Arial" panose="020B0604020202020204" pitchFamily="34" charset="0"/>
+              <a:buChar char="•"/>
+              <a:defRPr sz="2000" kern="1200">
+                <a:solidFill>
+                  <a:schemeClr val="tx1"/>
+                </a:solidFill>
+                <a:latin typeface="+mn-lt"/>
+                <a:ea typeface="+mn-ea"/>
+                <a:cs typeface="+mn-cs"/>
+              </a:defRPr>
+            </a:lvl3pPr>
+            <a:lvl4pPr marL="1600200" indent="-228600" algn="l" defTabSz="914400" rtl="0" eaLnBrk="1" latinLnBrk="0" hangingPunct="1">
+              <a:lnSpc>
+                <a:spcPct val="90000"/>
+              </a:lnSpc>
+              <a:spcBef>
+                <a:spcPts val="500"/>
+              </a:spcBef>
+              <a:buFont typeface="Arial" panose="020B0604020202020204" pitchFamily="34" charset="0"/>
+              <a:buChar char="•"/>
+              <a:defRPr sz="1800" kern="1200">
+                <a:solidFill>
+                  <a:schemeClr val="tx1"/>
+                </a:solidFill>
+                <a:latin typeface="+mn-lt"/>
+                <a:ea typeface="+mn-ea"/>
+                <a:cs typeface="+mn-cs"/>
+              </a:defRPr>
+            </a:lvl4pPr>
+            <a:lvl5pPr marL="2057400" indent="-228600" algn="l" defTabSz="914400" rtl="0" eaLnBrk="1" latinLnBrk="0" hangingPunct="1">
+              <a:lnSpc>
+                <a:spcPct val="90000"/>
+              </a:lnSpc>
+              <a:spcBef>
+                <a:spcPts val="500"/>
+              </a:spcBef>
+              <a:buFont typeface="Arial" panose="020B0604020202020204" pitchFamily="34" charset="0"/>
+              <a:buChar char="•"/>
+              <a:defRPr sz="1800" kern="1200">
+                <a:solidFill>
+                  <a:schemeClr val="tx1"/>
+                </a:solidFill>
+                <a:latin typeface="+mn-lt"/>
+                <a:ea typeface="+mn-ea"/>
+                <a:cs typeface="+mn-cs"/>
+              </a:defRPr>
+            </a:lvl5pPr>
+            <a:lvl6pPr marL="2514600" indent="-228600" algn="l" defTabSz="914400" rtl="0" eaLnBrk="1" latinLnBrk="0" hangingPunct="1">
+              <a:lnSpc>
+                <a:spcPct val="90000"/>
+              </a:lnSpc>
+              <a:spcBef>
+                <a:spcPts val="500"/>
+              </a:spcBef>
+              <a:buFont typeface="Arial" panose="020B0604020202020204" pitchFamily="34" charset="0"/>
+              <a:buChar char="•"/>
+              <a:defRPr sz="1800" kern="1200">
+                <a:solidFill>
+                  <a:schemeClr val="tx1"/>
+                </a:solidFill>
+                <a:latin typeface="+mn-lt"/>
+                <a:ea typeface="+mn-ea"/>
+                <a:cs typeface="+mn-cs"/>
+              </a:defRPr>
+            </a:lvl6pPr>
+            <a:lvl7pPr marL="2971800" indent="-228600" algn="l" defTabSz="914400" rtl="0" eaLnBrk="1" latinLnBrk="0" hangingPunct="1">
+              <a:lnSpc>
+                <a:spcPct val="90000"/>
+              </a:lnSpc>
+              <a:spcBef>
+                <a:spcPts val="500"/>
+              </a:spcBef>
+              <a:buFont typeface="Arial" panose="020B0604020202020204" pitchFamily="34" charset="0"/>
+              <a:buChar char="•"/>
+              <a:defRPr sz="1800" kern="1200">
+                <a:solidFill>
+                  <a:schemeClr val="tx1"/>
+                </a:solidFill>
+                <a:latin typeface="+mn-lt"/>
+                <a:ea typeface="+mn-ea"/>
+                <a:cs typeface="+mn-cs"/>
+              </a:defRPr>
+            </a:lvl7pPr>
+            <a:lvl8pPr marL="3429000" indent="-228600" algn="l" defTabSz="914400" rtl="0" eaLnBrk="1" latinLnBrk="0" hangingPunct="1">
+              <a:lnSpc>
+                <a:spcPct val="90000"/>
+              </a:lnSpc>
+              <a:spcBef>
+                <a:spcPts val="500"/>
+              </a:spcBef>
+              <a:buFont typeface="Arial" panose="020B0604020202020204" pitchFamily="34" charset="0"/>
+              <a:buChar char="•"/>
+              <a:defRPr sz="1800" kern="1200">
+                <a:solidFill>
+                  <a:schemeClr val="tx1"/>
+                </a:solidFill>
+                <a:latin typeface="+mn-lt"/>
+                <a:ea typeface="+mn-ea"/>
+                <a:cs typeface="+mn-cs"/>
+              </a:defRPr>
+            </a:lvl8pPr>
+            <a:lvl9pPr marL="3886200" indent="-228600" algn="l" defTabSz="914400" rtl="0" eaLnBrk="1" latinLnBrk="0" hangingPunct="1">
+              <a:lnSpc>
+                <a:spcPct val="90000"/>
+              </a:lnSpc>
+              <a:spcBef>
+                <a:spcPts val="500"/>
+              </a:spcBef>
+              <a:buFont typeface="Arial" panose="020B0604020202020204" pitchFamily="34" charset="0"/>
+              <a:buChar char="•"/>
+              <a:defRPr sz="1800" kern="1200">
+                <a:solidFill>
+                  <a:schemeClr val="tx1"/>
+                </a:solidFill>
+                <a:latin typeface="+mn-lt"/>
+                <a:ea typeface="+mn-ea"/>
+                <a:cs typeface="+mn-cs"/>
+              </a:defRPr>
+            </a:lvl9pPr>
+          </a:lstStyle>
+          <a:p>
+            <a:pPr marL="0" marR="0" lvl="0" indent="0" algn="ctr" defTabSz="914400" rtl="0" eaLnBrk="1" fontAlgn="auto" latinLnBrk="0" hangingPunct="1">
+              <a:lnSpc>
+                <a:spcPct val="90000"/>
+              </a:lnSpc>
+              <a:spcBef>
+                <a:spcPts val="1000"/>
+              </a:spcBef>
+              <a:spcAft>
+                <a:spcPts val="0"/>
+              </a:spcAft>
+              <a:buClrTx/>
+              <a:buSzTx/>
+              <a:buFont typeface="Arial" panose="020B0604020202020204" pitchFamily="34" charset="0"/>
+              <a:buNone/>
+              <a:tabLst/>
+              <a:defRPr/>
+            </a:pPr>
+            <a:endParaRPr kumimoji="0" lang="en-US" sz="2400" b="0" i="0" u="none" strike="noStrike" kern="1200" cap="none" spc="0" normalizeH="0" baseline="0" noProof="0" dirty="0">
+              <a:ln>
+                <a:noFill/>
+              </a:ln>
+              <a:solidFill>
+                <a:prstClr val="white"/>
+              </a:solidFill>
+              <a:effectLst/>
+              <a:uLnTx/>
+              <a:uFillTx/>
+              <a:latin typeface="Calibri" panose="020F0502020204030204"/>
+              <a:ea typeface="+mn-ea"/>
+              <a:cs typeface="+mn-cs"/>
+            </a:endParaRPr>
+          </a:p>
+        </p:txBody>
+      </p:sp>
+    </p:spTree>
+    <p:extLst>
+      <p:ext uri="{BB962C8B-B14F-4D97-AF65-F5344CB8AC3E}">
         <p14:creationId xmlns:p14="http://schemas.microsoft.com/office/powerpoint/2010/main" val="1683851673"/>
       </p:ext>
     </p:extLst>
@@ -4782,7 +6131,7 @@
 </p:sld>
 </file>
 
-<file path=ppt/slides/slide11.xml><?xml version="1.0" encoding="utf-8"?>
+<file path=ppt/slides/slide13.xml><?xml version="1.0" encoding="utf-8"?>
 <p:sld xmlns:a="http://schemas.openxmlformats.org/drawingml/2006/main" xmlns:r="http://schemas.openxmlformats.org/officeDocument/2006/relationships" xmlns:p="http://schemas.openxmlformats.org/presentationml/2006/main">
   <p:cSld>
     <p:bg>
@@ -8738,13 +10087,25 @@
           <p:nvPr/>
         </p:nvPicPr>
         <p:blipFill>
-          <a:blip r:embed="rId3"/>
+          <a:blip r:embed="rId3">
+            <a:extLst>
+              <a:ext uri="{BEBA8EAE-BF5A-486C-A8C5-ECC9F3942E4B}">
+                <a14:imgProps xmlns:a14="http://schemas.microsoft.com/office/drawing/2010/main">
+                  <a14:imgLayer r:embed="rId4">
+                    <a14:imgEffect>
+                      <a14:brightnessContrast contrast="2000"/>
+                    </a14:imgEffect>
+                  </a14:imgLayer>
+                </a14:imgProps>
+              </a:ext>
+            </a:extLst>
+          </a:blip>
           <a:stretch>
             <a:fillRect/>
           </a:stretch>
         </p:blipFill>
         <p:spPr>
-          <a:xfrm>
+          <a:xfrm flipH="1">
             <a:off x="9734157" y="2125340"/>
             <a:ext cx="1439069" cy="1439069"/>
           </a:xfrm>
@@ -9002,7 +10363,7 @@
                 </a:solidFill>
                 <a:latin typeface="Calibri" panose="020F0502020204030204"/>
               </a:rPr>
-              <a:t>w prawo</a:t>
+              <a:t>prawą ręką</a:t>
             </a:r>
             <a:endParaRPr kumimoji="0" lang="pl-PL" sz="2200" b="0" i="0" u="none" strike="noStrike" kern="1200" cap="none" spc="0" normalizeH="0" baseline="0" noProof="0" dirty="0">
               <a:ln>
@@ -9495,7 +10856,7 @@
           <p:nvPr/>
         </p:nvPicPr>
         <p:blipFill>
-          <a:blip r:embed="rId4">
+          <a:blip r:embed="rId5">
             <a:extLst>
               <a:ext uri="{28A0092B-C50C-407E-A947-70E740481C1C}">
                 <a14:useLocalDpi xmlns:a14="http://schemas.microsoft.com/office/drawing/2010/main" val="0"/>
@@ -11468,7 +12829,25 @@
                 </a:solidFill>
                 <a:latin typeface="Calibri" panose="020F0502020204030204"/>
               </a:rPr>
-              <a:t>Prosimy o odpowiedź w momencie zmiany koloru punktu fiksacji, nie wcześniej (system nie zaliczy wcześniejszych odpowiedzi). Na odpowiedź ma Pani/Pan tylko półtorej sekundy. Przy braku odpowiedzi wyświetli się szary krzyżyk.</a:t>
+              <a:t>Prosimy o odpowiedź w momencie zmiany koloru punktu fiksacji z białego na </a:t>
+            </a:r>
+            <a:r>
+              <a:rPr lang="pl-PL" sz="2200" dirty="0">
+                <a:solidFill>
+                  <a:srgbClr val="FF0000"/>
+                </a:solidFill>
+                <a:latin typeface="Calibri" panose="020F0502020204030204"/>
+              </a:rPr>
+              <a:t>czerwony</a:t>
+            </a:r>
+            <a:r>
+              <a:rPr lang="pl-PL" sz="2200" dirty="0">
+                <a:solidFill>
+                  <a:prstClr val="white"/>
+                </a:solidFill>
+                <a:latin typeface="Calibri" panose="020F0502020204030204"/>
+              </a:rPr>
+              <a:t>, nie wcześniej (system nie zaliczy wcześniejszych odpowiedzi). Na odpowiedź ma Pani/Pan tylko półtorej sekundy. Przy braku odpowiedzi wyświetli się szary krzyżyk.</a:t>
             </a:r>
             <a:endParaRPr kumimoji="0" lang="en-US" sz="2200" b="0" i="0" u="none" strike="noStrike" kern="1200" cap="none" spc="0" normalizeH="0" baseline="0" noProof="0" dirty="0">
               <a:ln>
@@ -11543,6 +12922,5035 @@
         </p:nvSpPr>
         <p:spPr>
           <a:xfrm>
+            <a:off x="1202147" y="270185"/>
+            <a:ext cx="9787693" cy="1139079"/>
+          </a:xfrm>
+        </p:spPr>
+        <p:txBody>
+          <a:bodyPr>
+            <a:normAutofit/>
+          </a:bodyPr>
+          <a:lstStyle/>
+          <a:p>
+            <a:pPr marL="0" indent="0" algn="ctr">
+              <a:buNone/>
+            </a:pPr>
+            <a:r>
+              <a:rPr lang="pl-PL" sz="2400" dirty="0">
+                <a:solidFill>
+                  <a:schemeClr val="bg1"/>
+                </a:solidFill>
+              </a:rPr>
+              <a:t>W niektórych próbach prymy w ogóle nie będzie, w takim wypadku prosimy nacisnąć SPACJĘ (najwygodniej jednym z kciuków)</a:t>
+            </a:r>
+            <a:endParaRPr lang="en-US" sz="2400" dirty="0">
+              <a:solidFill>
+                <a:schemeClr val="bg1"/>
+              </a:solidFill>
+            </a:endParaRPr>
+          </a:p>
+        </p:txBody>
+      </p:sp>
+      <p:sp>
+        <p:nvSpPr>
+          <p:cNvPr id="6" name="Content Placeholder 2">
+            <a:extLst>
+              <a:ext uri="{FF2B5EF4-FFF2-40B4-BE49-F238E27FC236}">
+                <a16:creationId xmlns:a16="http://schemas.microsoft.com/office/drawing/2014/main" id="{90248FE6-6618-4FD8-BEE5-96F4327C0356}"/>
+              </a:ext>
+            </a:extLst>
+          </p:cNvPr>
+          <p:cNvSpPr txBox="1">
+            <a:spLocks/>
+          </p:cNvSpPr>
+          <p:nvPr/>
+        </p:nvSpPr>
+        <p:spPr>
+          <a:xfrm>
+            <a:off x="4904360" y="1396379"/>
+            <a:ext cx="2383261" cy="495192"/>
+          </a:xfrm>
+          <a:prstGeom prst="rect">
+            <a:avLst/>
+          </a:prstGeom>
+        </p:spPr>
+        <p:txBody>
+          <a:bodyPr vert="horz" lIns="91440" tIns="45720" rIns="91440" bIns="45720" rtlCol="0">
+            <a:normAutofit/>
+          </a:bodyPr>
+          <a:lstStyle>
+            <a:lvl1pPr marL="228600" indent="-228600" algn="l" defTabSz="914400" rtl="0" eaLnBrk="1" latinLnBrk="0" hangingPunct="1">
+              <a:lnSpc>
+                <a:spcPct val="90000"/>
+              </a:lnSpc>
+              <a:spcBef>
+                <a:spcPts val="1000"/>
+              </a:spcBef>
+              <a:buFont typeface="Arial" panose="020B0604020202020204" pitchFamily="34" charset="0"/>
+              <a:buChar char="•"/>
+              <a:defRPr sz="2800" kern="1200">
+                <a:solidFill>
+                  <a:schemeClr val="tx1"/>
+                </a:solidFill>
+                <a:latin typeface="+mn-lt"/>
+                <a:ea typeface="+mn-ea"/>
+                <a:cs typeface="+mn-cs"/>
+              </a:defRPr>
+            </a:lvl1pPr>
+            <a:lvl2pPr marL="685800" indent="-228600" algn="l" defTabSz="914400" rtl="0" eaLnBrk="1" latinLnBrk="0" hangingPunct="1">
+              <a:lnSpc>
+                <a:spcPct val="90000"/>
+              </a:lnSpc>
+              <a:spcBef>
+                <a:spcPts val="500"/>
+              </a:spcBef>
+              <a:buFont typeface="Arial" panose="020B0604020202020204" pitchFamily="34" charset="0"/>
+              <a:buChar char="•"/>
+              <a:defRPr sz="2400" kern="1200">
+                <a:solidFill>
+                  <a:schemeClr val="tx1"/>
+                </a:solidFill>
+                <a:latin typeface="+mn-lt"/>
+                <a:ea typeface="+mn-ea"/>
+                <a:cs typeface="+mn-cs"/>
+              </a:defRPr>
+            </a:lvl2pPr>
+            <a:lvl3pPr marL="1143000" indent="-228600" algn="l" defTabSz="914400" rtl="0" eaLnBrk="1" latinLnBrk="0" hangingPunct="1">
+              <a:lnSpc>
+                <a:spcPct val="90000"/>
+              </a:lnSpc>
+              <a:spcBef>
+                <a:spcPts val="500"/>
+              </a:spcBef>
+              <a:buFont typeface="Arial" panose="020B0604020202020204" pitchFamily="34" charset="0"/>
+              <a:buChar char="•"/>
+              <a:defRPr sz="2000" kern="1200">
+                <a:solidFill>
+                  <a:schemeClr val="tx1"/>
+                </a:solidFill>
+                <a:latin typeface="+mn-lt"/>
+                <a:ea typeface="+mn-ea"/>
+                <a:cs typeface="+mn-cs"/>
+              </a:defRPr>
+            </a:lvl3pPr>
+            <a:lvl4pPr marL="1600200" indent="-228600" algn="l" defTabSz="914400" rtl="0" eaLnBrk="1" latinLnBrk="0" hangingPunct="1">
+              <a:lnSpc>
+                <a:spcPct val="90000"/>
+              </a:lnSpc>
+              <a:spcBef>
+                <a:spcPts val="500"/>
+              </a:spcBef>
+              <a:buFont typeface="Arial" panose="020B0604020202020204" pitchFamily="34" charset="0"/>
+              <a:buChar char="•"/>
+              <a:defRPr sz="1800" kern="1200">
+                <a:solidFill>
+                  <a:schemeClr val="tx1"/>
+                </a:solidFill>
+                <a:latin typeface="+mn-lt"/>
+                <a:ea typeface="+mn-ea"/>
+                <a:cs typeface="+mn-cs"/>
+              </a:defRPr>
+            </a:lvl4pPr>
+            <a:lvl5pPr marL="2057400" indent="-228600" algn="l" defTabSz="914400" rtl="0" eaLnBrk="1" latinLnBrk="0" hangingPunct="1">
+              <a:lnSpc>
+                <a:spcPct val="90000"/>
+              </a:lnSpc>
+              <a:spcBef>
+                <a:spcPts val="500"/>
+              </a:spcBef>
+              <a:buFont typeface="Arial" panose="020B0604020202020204" pitchFamily="34" charset="0"/>
+              <a:buChar char="•"/>
+              <a:defRPr sz="1800" kern="1200">
+                <a:solidFill>
+                  <a:schemeClr val="tx1"/>
+                </a:solidFill>
+                <a:latin typeface="+mn-lt"/>
+                <a:ea typeface="+mn-ea"/>
+                <a:cs typeface="+mn-cs"/>
+              </a:defRPr>
+            </a:lvl5pPr>
+            <a:lvl6pPr marL="2514600" indent="-228600" algn="l" defTabSz="914400" rtl="0" eaLnBrk="1" latinLnBrk="0" hangingPunct="1">
+              <a:lnSpc>
+                <a:spcPct val="90000"/>
+              </a:lnSpc>
+              <a:spcBef>
+                <a:spcPts val="500"/>
+              </a:spcBef>
+              <a:buFont typeface="Arial" panose="020B0604020202020204" pitchFamily="34" charset="0"/>
+              <a:buChar char="•"/>
+              <a:defRPr sz="1800" kern="1200">
+                <a:solidFill>
+                  <a:schemeClr val="tx1"/>
+                </a:solidFill>
+                <a:latin typeface="+mn-lt"/>
+                <a:ea typeface="+mn-ea"/>
+                <a:cs typeface="+mn-cs"/>
+              </a:defRPr>
+            </a:lvl6pPr>
+            <a:lvl7pPr marL="2971800" indent="-228600" algn="l" defTabSz="914400" rtl="0" eaLnBrk="1" latinLnBrk="0" hangingPunct="1">
+              <a:lnSpc>
+                <a:spcPct val="90000"/>
+              </a:lnSpc>
+              <a:spcBef>
+                <a:spcPts val="500"/>
+              </a:spcBef>
+              <a:buFont typeface="Arial" panose="020B0604020202020204" pitchFamily="34" charset="0"/>
+              <a:buChar char="•"/>
+              <a:defRPr sz="1800" kern="1200">
+                <a:solidFill>
+                  <a:schemeClr val="tx1"/>
+                </a:solidFill>
+                <a:latin typeface="+mn-lt"/>
+                <a:ea typeface="+mn-ea"/>
+                <a:cs typeface="+mn-cs"/>
+              </a:defRPr>
+            </a:lvl7pPr>
+            <a:lvl8pPr marL="3429000" indent="-228600" algn="l" defTabSz="914400" rtl="0" eaLnBrk="1" latinLnBrk="0" hangingPunct="1">
+              <a:lnSpc>
+                <a:spcPct val="90000"/>
+              </a:lnSpc>
+              <a:spcBef>
+                <a:spcPts val="500"/>
+              </a:spcBef>
+              <a:buFont typeface="Arial" panose="020B0604020202020204" pitchFamily="34" charset="0"/>
+              <a:buChar char="•"/>
+              <a:defRPr sz="1800" kern="1200">
+                <a:solidFill>
+                  <a:schemeClr val="tx1"/>
+                </a:solidFill>
+                <a:latin typeface="+mn-lt"/>
+                <a:ea typeface="+mn-ea"/>
+                <a:cs typeface="+mn-cs"/>
+              </a:defRPr>
+            </a:lvl8pPr>
+            <a:lvl9pPr marL="3886200" indent="-228600" algn="l" defTabSz="914400" rtl="0" eaLnBrk="1" latinLnBrk="0" hangingPunct="1">
+              <a:lnSpc>
+                <a:spcPct val="90000"/>
+              </a:lnSpc>
+              <a:spcBef>
+                <a:spcPts val="500"/>
+              </a:spcBef>
+              <a:buFont typeface="Arial" panose="020B0604020202020204" pitchFamily="34" charset="0"/>
+              <a:buChar char="•"/>
+              <a:defRPr sz="1800" kern="1200">
+                <a:solidFill>
+                  <a:schemeClr val="tx1"/>
+                </a:solidFill>
+                <a:latin typeface="+mn-lt"/>
+                <a:ea typeface="+mn-ea"/>
+                <a:cs typeface="+mn-cs"/>
+              </a:defRPr>
+            </a:lvl9pPr>
+          </a:lstStyle>
+          <a:p>
+            <a:pPr marL="0" marR="0" lvl="0" indent="0" algn="ctr" defTabSz="914400" rtl="0" eaLnBrk="1" fontAlgn="auto" latinLnBrk="0" hangingPunct="1">
+              <a:lnSpc>
+                <a:spcPct val="90000"/>
+              </a:lnSpc>
+              <a:spcBef>
+                <a:spcPts val="1000"/>
+              </a:spcBef>
+              <a:spcAft>
+                <a:spcPts val="0"/>
+              </a:spcAft>
+              <a:buClrTx/>
+              <a:buSzTx/>
+              <a:buFont typeface="Arial" panose="020B0604020202020204" pitchFamily="34" charset="0"/>
+              <a:buNone/>
+              <a:tabLst/>
+              <a:defRPr/>
+            </a:pPr>
+            <a:r>
+              <a:rPr kumimoji="0" lang="pl-PL" sz="2400" b="0" i="0" u="none" strike="noStrike" kern="1200" cap="none" spc="0" normalizeH="0" baseline="0" noProof="0" dirty="0">
+                <a:ln>
+                  <a:noFill/>
+                </a:ln>
+                <a:solidFill>
+                  <a:prstClr val="white"/>
+                </a:solidFill>
+                <a:effectLst/>
+                <a:uLnTx/>
+                <a:uFillTx/>
+                <a:latin typeface="Calibri" panose="020F0502020204030204"/>
+                <a:ea typeface="+mn-ea"/>
+                <a:cs typeface="+mn-cs"/>
+              </a:rPr>
+              <a:t>Na przykład:</a:t>
+            </a:r>
+            <a:endParaRPr kumimoji="0" lang="en-US" sz="2400" b="0" i="0" u="none" strike="noStrike" kern="1200" cap="none" spc="0" normalizeH="0" baseline="0" noProof="0" dirty="0">
+              <a:ln>
+                <a:noFill/>
+              </a:ln>
+              <a:solidFill>
+                <a:prstClr val="white"/>
+              </a:solidFill>
+              <a:effectLst/>
+              <a:uLnTx/>
+              <a:uFillTx/>
+              <a:latin typeface="Calibri" panose="020F0502020204030204"/>
+              <a:ea typeface="+mn-ea"/>
+              <a:cs typeface="+mn-cs"/>
+            </a:endParaRPr>
+          </a:p>
+        </p:txBody>
+      </p:sp>
+      <p:pic>
+        <p:nvPicPr>
+          <p:cNvPr id="8" name="Picture 7" descr="A picture containing airplane, aircraft, transport&#10;&#10;Description generated with high confidence">
+            <a:extLst>
+              <a:ext uri="{FF2B5EF4-FFF2-40B4-BE49-F238E27FC236}">
+                <a16:creationId xmlns:a16="http://schemas.microsoft.com/office/drawing/2014/main" id="{41CF9B35-C66C-4E88-8CF1-0309EE0D6159}"/>
+              </a:ext>
+            </a:extLst>
+          </p:cNvPr>
+          <p:cNvPicPr>
+            <a:picLocks noChangeAspect="1"/>
+          </p:cNvPicPr>
+          <p:nvPr/>
+        </p:nvPicPr>
+        <p:blipFill>
+          <a:blip r:embed="rId2">
+            <a:extLst>
+              <a:ext uri="{28A0092B-C50C-407E-A947-70E740481C1C}">
+                <a14:useLocalDpi xmlns:a14="http://schemas.microsoft.com/office/drawing/2010/main" val="0"/>
+              </a:ext>
+            </a:extLst>
+          </a:blip>
+          <a:stretch>
+            <a:fillRect/>
+          </a:stretch>
+        </p:blipFill>
+        <p:spPr>
+          <a:xfrm flipH="1">
+            <a:off x="4904360" y="1918064"/>
+            <a:ext cx="2112795" cy="867932"/>
+          </a:xfrm>
+          <a:prstGeom prst="rect">
+            <a:avLst/>
+          </a:prstGeom>
+        </p:spPr>
+      </p:pic>
+      <p:sp>
+        <p:nvSpPr>
+          <p:cNvPr id="10" name="Content Placeholder 2">
+            <a:extLst>
+              <a:ext uri="{FF2B5EF4-FFF2-40B4-BE49-F238E27FC236}">
+                <a16:creationId xmlns:a16="http://schemas.microsoft.com/office/drawing/2014/main" id="{2A609798-F616-4492-871F-ADF6E6A88AA8}"/>
+              </a:ext>
+            </a:extLst>
+          </p:cNvPr>
+          <p:cNvSpPr txBox="1">
+            <a:spLocks/>
+          </p:cNvSpPr>
+          <p:nvPr/>
+        </p:nvSpPr>
+        <p:spPr>
+          <a:xfrm>
+            <a:off x="5283727" y="3680422"/>
+            <a:ext cx="1725707" cy="816273"/>
+          </a:xfrm>
+          <a:prstGeom prst="rect">
+            <a:avLst/>
+          </a:prstGeom>
+        </p:spPr>
+        <p:txBody>
+          <a:bodyPr vert="horz" lIns="91440" tIns="45720" rIns="91440" bIns="45720" rtlCol="0">
+            <a:noAutofit/>
+          </a:bodyPr>
+          <a:lstStyle>
+            <a:lvl1pPr marL="228600" indent="-228600" algn="l" defTabSz="914400" rtl="0" eaLnBrk="1" latinLnBrk="0" hangingPunct="1">
+              <a:lnSpc>
+                <a:spcPct val="90000"/>
+              </a:lnSpc>
+              <a:spcBef>
+                <a:spcPts val="1000"/>
+              </a:spcBef>
+              <a:buFont typeface="Arial" panose="020B0604020202020204" pitchFamily="34" charset="0"/>
+              <a:buChar char="•"/>
+              <a:defRPr sz="2800" kern="1200">
+                <a:solidFill>
+                  <a:schemeClr val="tx1"/>
+                </a:solidFill>
+                <a:latin typeface="+mn-lt"/>
+                <a:ea typeface="+mn-ea"/>
+                <a:cs typeface="+mn-cs"/>
+              </a:defRPr>
+            </a:lvl1pPr>
+            <a:lvl2pPr marL="685800" indent="-228600" algn="l" defTabSz="914400" rtl="0" eaLnBrk="1" latinLnBrk="0" hangingPunct="1">
+              <a:lnSpc>
+                <a:spcPct val="90000"/>
+              </a:lnSpc>
+              <a:spcBef>
+                <a:spcPts val="500"/>
+              </a:spcBef>
+              <a:buFont typeface="Arial" panose="020B0604020202020204" pitchFamily="34" charset="0"/>
+              <a:buChar char="•"/>
+              <a:defRPr sz="2400" kern="1200">
+                <a:solidFill>
+                  <a:schemeClr val="tx1"/>
+                </a:solidFill>
+                <a:latin typeface="+mn-lt"/>
+                <a:ea typeface="+mn-ea"/>
+                <a:cs typeface="+mn-cs"/>
+              </a:defRPr>
+            </a:lvl2pPr>
+            <a:lvl3pPr marL="1143000" indent="-228600" algn="l" defTabSz="914400" rtl="0" eaLnBrk="1" latinLnBrk="0" hangingPunct="1">
+              <a:lnSpc>
+                <a:spcPct val="90000"/>
+              </a:lnSpc>
+              <a:spcBef>
+                <a:spcPts val="500"/>
+              </a:spcBef>
+              <a:buFont typeface="Arial" panose="020B0604020202020204" pitchFamily="34" charset="0"/>
+              <a:buChar char="•"/>
+              <a:defRPr sz="2000" kern="1200">
+                <a:solidFill>
+                  <a:schemeClr val="tx1"/>
+                </a:solidFill>
+                <a:latin typeface="+mn-lt"/>
+                <a:ea typeface="+mn-ea"/>
+                <a:cs typeface="+mn-cs"/>
+              </a:defRPr>
+            </a:lvl3pPr>
+            <a:lvl4pPr marL="1600200" indent="-228600" algn="l" defTabSz="914400" rtl="0" eaLnBrk="1" latinLnBrk="0" hangingPunct="1">
+              <a:lnSpc>
+                <a:spcPct val="90000"/>
+              </a:lnSpc>
+              <a:spcBef>
+                <a:spcPts val="500"/>
+              </a:spcBef>
+              <a:buFont typeface="Arial" panose="020B0604020202020204" pitchFamily="34" charset="0"/>
+              <a:buChar char="•"/>
+              <a:defRPr sz="1800" kern="1200">
+                <a:solidFill>
+                  <a:schemeClr val="tx1"/>
+                </a:solidFill>
+                <a:latin typeface="+mn-lt"/>
+                <a:ea typeface="+mn-ea"/>
+                <a:cs typeface="+mn-cs"/>
+              </a:defRPr>
+            </a:lvl4pPr>
+            <a:lvl5pPr marL="2057400" indent="-228600" algn="l" defTabSz="914400" rtl="0" eaLnBrk="1" latinLnBrk="0" hangingPunct="1">
+              <a:lnSpc>
+                <a:spcPct val="90000"/>
+              </a:lnSpc>
+              <a:spcBef>
+                <a:spcPts val="500"/>
+              </a:spcBef>
+              <a:buFont typeface="Arial" panose="020B0604020202020204" pitchFamily="34" charset="0"/>
+              <a:buChar char="•"/>
+              <a:defRPr sz="1800" kern="1200">
+                <a:solidFill>
+                  <a:schemeClr val="tx1"/>
+                </a:solidFill>
+                <a:latin typeface="+mn-lt"/>
+                <a:ea typeface="+mn-ea"/>
+                <a:cs typeface="+mn-cs"/>
+              </a:defRPr>
+            </a:lvl5pPr>
+            <a:lvl6pPr marL="2514600" indent="-228600" algn="l" defTabSz="914400" rtl="0" eaLnBrk="1" latinLnBrk="0" hangingPunct="1">
+              <a:lnSpc>
+                <a:spcPct val="90000"/>
+              </a:lnSpc>
+              <a:spcBef>
+                <a:spcPts val="500"/>
+              </a:spcBef>
+              <a:buFont typeface="Arial" panose="020B0604020202020204" pitchFamily="34" charset="0"/>
+              <a:buChar char="•"/>
+              <a:defRPr sz="1800" kern="1200">
+                <a:solidFill>
+                  <a:schemeClr val="tx1"/>
+                </a:solidFill>
+                <a:latin typeface="+mn-lt"/>
+                <a:ea typeface="+mn-ea"/>
+                <a:cs typeface="+mn-cs"/>
+              </a:defRPr>
+            </a:lvl6pPr>
+            <a:lvl7pPr marL="2971800" indent="-228600" algn="l" defTabSz="914400" rtl="0" eaLnBrk="1" latinLnBrk="0" hangingPunct="1">
+              <a:lnSpc>
+                <a:spcPct val="90000"/>
+              </a:lnSpc>
+              <a:spcBef>
+                <a:spcPts val="500"/>
+              </a:spcBef>
+              <a:buFont typeface="Arial" panose="020B0604020202020204" pitchFamily="34" charset="0"/>
+              <a:buChar char="•"/>
+              <a:defRPr sz="1800" kern="1200">
+                <a:solidFill>
+                  <a:schemeClr val="tx1"/>
+                </a:solidFill>
+                <a:latin typeface="+mn-lt"/>
+                <a:ea typeface="+mn-ea"/>
+                <a:cs typeface="+mn-cs"/>
+              </a:defRPr>
+            </a:lvl7pPr>
+            <a:lvl8pPr marL="3429000" indent="-228600" algn="l" defTabSz="914400" rtl="0" eaLnBrk="1" latinLnBrk="0" hangingPunct="1">
+              <a:lnSpc>
+                <a:spcPct val="90000"/>
+              </a:lnSpc>
+              <a:spcBef>
+                <a:spcPts val="500"/>
+              </a:spcBef>
+              <a:buFont typeface="Arial" panose="020B0604020202020204" pitchFamily="34" charset="0"/>
+              <a:buChar char="•"/>
+              <a:defRPr sz="1800" kern="1200">
+                <a:solidFill>
+                  <a:schemeClr val="tx1"/>
+                </a:solidFill>
+                <a:latin typeface="+mn-lt"/>
+                <a:ea typeface="+mn-ea"/>
+                <a:cs typeface="+mn-cs"/>
+              </a:defRPr>
+            </a:lvl8pPr>
+            <a:lvl9pPr marL="3886200" indent="-228600" algn="l" defTabSz="914400" rtl="0" eaLnBrk="1" latinLnBrk="0" hangingPunct="1">
+              <a:lnSpc>
+                <a:spcPct val="90000"/>
+              </a:lnSpc>
+              <a:spcBef>
+                <a:spcPts val="500"/>
+              </a:spcBef>
+              <a:buFont typeface="Arial" panose="020B0604020202020204" pitchFamily="34" charset="0"/>
+              <a:buChar char="•"/>
+              <a:defRPr sz="1800" kern="1200">
+                <a:solidFill>
+                  <a:schemeClr val="tx1"/>
+                </a:solidFill>
+                <a:latin typeface="+mn-lt"/>
+                <a:ea typeface="+mn-ea"/>
+                <a:cs typeface="+mn-cs"/>
+              </a:defRPr>
+            </a:lvl9pPr>
+          </a:lstStyle>
+          <a:p>
+            <a:pPr marL="0" marR="0" lvl="0" indent="0" algn="ctr" defTabSz="914400" rtl="0" eaLnBrk="1" fontAlgn="auto" latinLnBrk="0" hangingPunct="1">
+              <a:lnSpc>
+                <a:spcPct val="90000"/>
+              </a:lnSpc>
+              <a:spcBef>
+                <a:spcPts val="1000"/>
+              </a:spcBef>
+              <a:spcAft>
+                <a:spcPts val="0"/>
+              </a:spcAft>
+              <a:buClrTx/>
+              <a:buSzTx/>
+              <a:buFont typeface="Arial" panose="020B0604020202020204" pitchFamily="34" charset="0"/>
+              <a:buNone/>
+              <a:tabLst/>
+              <a:defRPr/>
+            </a:pPr>
+            <a:r>
+              <a:rPr kumimoji="0" lang="pl-PL" sz="2200" b="0" i="0" u="none" strike="noStrike" kern="1200" cap="none" spc="0" normalizeH="0" baseline="0" noProof="0" dirty="0">
+                <a:ln>
+                  <a:noFill/>
+                </a:ln>
+                <a:solidFill>
+                  <a:prstClr val="white"/>
+                </a:solidFill>
+                <a:effectLst/>
+                <a:uLnTx/>
+                <a:uFillTx/>
+                <a:latin typeface="Calibri" panose="020F0502020204030204"/>
+                <a:ea typeface="+mn-ea"/>
+                <a:cs typeface="+mn-cs"/>
+              </a:rPr>
+              <a:t>wskazówka</a:t>
+            </a:r>
+            <a:br>
+              <a:rPr kumimoji="0" lang="pl-PL" sz="2200" b="0" i="0" u="none" strike="noStrike" kern="1200" cap="none" spc="0" normalizeH="0" baseline="0" noProof="0" dirty="0">
+                <a:ln>
+                  <a:noFill/>
+                </a:ln>
+                <a:solidFill>
+                  <a:prstClr val="white"/>
+                </a:solidFill>
+                <a:effectLst/>
+                <a:uLnTx/>
+                <a:uFillTx/>
+                <a:latin typeface="Calibri" panose="020F0502020204030204"/>
+                <a:ea typeface="+mn-ea"/>
+                <a:cs typeface="+mn-cs"/>
+              </a:rPr>
+            </a:br>
+            <a:r>
+              <a:rPr lang="pl-PL" sz="2200" dirty="0">
+                <a:solidFill>
+                  <a:prstClr val="white"/>
+                </a:solidFill>
+                <a:latin typeface="Calibri" panose="020F0502020204030204"/>
+              </a:rPr>
+              <a:t>w prawo</a:t>
+            </a:r>
+            <a:r>
+              <a:rPr kumimoji="0" lang="pl-PL" sz="2200" b="0" i="0" u="none" strike="noStrike" kern="1200" cap="none" spc="0" normalizeH="0" baseline="0" noProof="0" dirty="0">
+                <a:ln>
+                  <a:noFill/>
+                </a:ln>
+                <a:solidFill>
+                  <a:prstClr val="white"/>
+                </a:solidFill>
+                <a:effectLst/>
+                <a:uLnTx/>
+                <a:uFillTx/>
+                <a:latin typeface="Calibri" panose="020F0502020204030204"/>
+                <a:ea typeface="+mn-ea"/>
+                <a:cs typeface="+mn-cs"/>
+              </a:rPr>
+              <a:t> </a:t>
+            </a:r>
+          </a:p>
+        </p:txBody>
+      </p:sp>
+      <p:sp>
+        <p:nvSpPr>
+          <p:cNvPr id="13" name="Content Placeholder 2">
+            <a:extLst>
+              <a:ext uri="{FF2B5EF4-FFF2-40B4-BE49-F238E27FC236}">
+                <a16:creationId xmlns:a16="http://schemas.microsoft.com/office/drawing/2014/main" id="{847EE45E-8487-4607-B6E0-7CB449999FBA}"/>
+              </a:ext>
+            </a:extLst>
+          </p:cNvPr>
+          <p:cNvSpPr txBox="1">
+            <a:spLocks/>
+          </p:cNvSpPr>
+          <p:nvPr/>
+        </p:nvSpPr>
+        <p:spPr>
+          <a:xfrm>
+            <a:off x="9885570" y="3729216"/>
+            <a:ext cx="1800219" cy="786963"/>
+          </a:xfrm>
+          <a:prstGeom prst="rect">
+            <a:avLst/>
+          </a:prstGeom>
+        </p:spPr>
+        <p:txBody>
+          <a:bodyPr vert="horz" lIns="91440" tIns="45720" rIns="91440" bIns="45720" rtlCol="0">
+            <a:normAutofit/>
+          </a:bodyPr>
+          <a:lstStyle>
+            <a:lvl1pPr marL="228600" indent="-228600" algn="l" defTabSz="914400" rtl="0" eaLnBrk="1" latinLnBrk="0" hangingPunct="1">
+              <a:lnSpc>
+                <a:spcPct val="90000"/>
+              </a:lnSpc>
+              <a:spcBef>
+                <a:spcPts val="1000"/>
+              </a:spcBef>
+              <a:buFont typeface="Arial" panose="020B0604020202020204" pitchFamily="34" charset="0"/>
+              <a:buChar char="•"/>
+              <a:defRPr sz="2800" kern="1200">
+                <a:solidFill>
+                  <a:schemeClr val="tx1"/>
+                </a:solidFill>
+                <a:latin typeface="+mn-lt"/>
+                <a:ea typeface="+mn-ea"/>
+                <a:cs typeface="+mn-cs"/>
+              </a:defRPr>
+            </a:lvl1pPr>
+            <a:lvl2pPr marL="685800" indent="-228600" algn="l" defTabSz="914400" rtl="0" eaLnBrk="1" latinLnBrk="0" hangingPunct="1">
+              <a:lnSpc>
+                <a:spcPct val="90000"/>
+              </a:lnSpc>
+              <a:spcBef>
+                <a:spcPts val="500"/>
+              </a:spcBef>
+              <a:buFont typeface="Arial" panose="020B0604020202020204" pitchFamily="34" charset="0"/>
+              <a:buChar char="•"/>
+              <a:defRPr sz="2400" kern="1200">
+                <a:solidFill>
+                  <a:schemeClr val="tx1"/>
+                </a:solidFill>
+                <a:latin typeface="+mn-lt"/>
+                <a:ea typeface="+mn-ea"/>
+                <a:cs typeface="+mn-cs"/>
+              </a:defRPr>
+            </a:lvl2pPr>
+            <a:lvl3pPr marL="1143000" indent="-228600" algn="l" defTabSz="914400" rtl="0" eaLnBrk="1" latinLnBrk="0" hangingPunct="1">
+              <a:lnSpc>
+                <a:spcPct val="90000"/>
+              </a:lnSpc>
+              <a:spcBef>
+                <a:spcPts val="500"/>
+              </a:spcBef>
+              <a:buFont typeface="Arial" panose="020B0604020202020204" pitchFamily="34" charset="0"/>
+              <a:buChar char="•"/>
+              <a:defRPr sz="2000" kern="1200">
+                <a:solidFill>
+                  <a:schemeClr val="tx1"/>
+                </a:solidFill>
+                <a:latin typeface="+mn-lt"/>
+                <a:ea typeface="+mn-ea"/>
+                <a:cs typeface="+mn-cs"/>
+              </a:defRPr>
+            </a:lvl3pPr>
+            <a:lvl4pPr marL="1600200" indent="-228600" algn="l" defTabSz="914400" rtl="0" eaLnBrk="1" latinLnBrk="0" hangingPunct="1">
+              <a:lnSpc>
+                <a:spcPct val="90000"/>
+              </a:lnSpc>
+              <a:spcBef>
+                <a:spcPts val="500"/>
+              </a:spcBef>
+              <a:buFont typeface="Arial" panose="020B0604020202020204" pitchFamily="34" charset="0"/>
+              <a:buChar char="•"/>
+              <a:defRPr sz="1800" kern="1200">
+                <a:solidFill>
+                  <a:schemeClr val="tx1"/>
+                </a:solidFill>
+                <a:latin typeface="+mn-lt"/>
+                <a:ea typeface="+mn-ea"/>
+                <a:cs typeface="+mn-cs"/>
+              </a:defRPr>
+            </a:lvl4pPr>
+            <a:lvl5pPr marL="2057400" indent="-228600" algn="l" defTabSz="914400" rtl="0" eaLnBrk="1" latinLnBrk="0" hangingPunct="1">
+              <a:lnSpc>
+                <a:spcPct val="90000"/>
+              </a:lnSpc>
+              <a:spcBef>
+                <a:spcPts val="500"/>
+              </a:spcBef>
+              <a:buFont typeface="Arial" panose="020B0604020202020204" pitchFamily="34" charset="0"/>
+              <a:buChar char="•"/>
+              <a:defRPr sz="1800" kern="1200">
+                <a:solidFill>
+                  <a:schemeClr val="tx1"/>
+                </a:solidFill>
+                <a:latin typeface="+mn-lt"/>
+                <a:ea typeface="+mn-ea"/>
+                <a:cs typeface="+mn-cs"/>
+              </a:defRPr>
+            </a:lvl5pPr>
+            <a:lvl6pPr marL="2514600" indent="-228600" algn="l" defTabSz="914400" rtl="0" eaLnBrk="1" latinLnBrk="0" hangingPunct="1">
+              <a:lnSpc>
+                <a:spcPct val="90000"/>
+              </a:lnSpc>
+              <a:spcBef>
+                <a:spcPts val="500"/>
+              </a:spcBef>
+              <a:buFont typeface="Arial" panose="020B0604020202020204" pitchFamily="34" charset="0"/>
+              <a:buChar char="•"/>
+              <a:defRPr sz="1800" kern="1200">
+                <a:solidFill>
+                  <a:schemeClr val="tx1"/>
+                </a:solidFill>
+                <a:latin typeface="+mn-lt"/>
+                <a:ea typeface="+mn-ea"/>
+                <a:cs typeface="+mn-cs"/>
+              </a:defRPr>
+            </a:lvl6pPr>
+            <a:lvl7pPr marL="2971800" indent="-228600" algn="l" defTabSz="914400" rtl="0" eaLnBrk="1" latinLnBrk="0" hangingPunct="1">
+              <a:lnSpc>
+                <a:spcPct val="90000"/>
+              </a:lnSpc>
+              <a:spcBef>
+                <a:spcPts val="500"/>
+              </a:spcBef>
+              <a:buFont typeface="Arial" panose="020B0604020202020204" pitchFamily="34" charset="0"/>
+              <a:buChar char="•"/>
+              <a:defRPr sz="1800" kern="1200">
+                <a:solidFill>
+                  <a:schemeClr val="tx1"/>
+                </a:solidFill>
+                <a:latin typeface="+mn-lt"/>
+                <a:ea typeface="+mn-ea"/>
+                <a:cs typeface="+mn-cs"/>
+              </a:defRPr>
+            </a:lvl7pPr>
+            <a:lvl8pPr marL="3429000" indent="-228600" algn="l" defTabSz="914400" rtl="0" eaLnBrk="1" latinLnBrk="0" hangingPunct="1">
+              <a:lnSpc>
+                <a:spcPct val="90000"/>
+              </a:lnSpc>
+              <a:spcBef>
+                <a:spcPts val="500"/>
+              </a:spcBef>
+              <a:buFont typeface="Arial" panose="020B0604020202020204" pitchFamily="34" charset="0"/>
+              <a:buChar char="•"/>
+              <a:defRPr sz="1800" kern="1200">
+                <a:solidFill>
+                  <a:schemeClr val="tx1"/>
+                </a:solidFill>
+                <a:latin typeface="+mn-lt"/>
+                <a:ea typeface="+mn-ea"/>
+                <a:cs typeface="+mn-cs"/>
+              </a:defRPr>
+            </a:lvl8pPr>
+            <a:lvl9pPr marL="3886200" indent="-228600" algn="l" defTabSz="914400" rtl="0" eaLnBrk="1" latinLnBrk="0" hangingPunct="1">
+              <a:lnSpc>
+                <a:spcPct val="90000"/>
+              </a:lnSpc>
+              <a:spcBef>
+                <a:spcPts val="500"/>
+              </a:spcBef>
+              <a:buFont typeface="Arial" panose="020B0604020202020204" pitchFamily="34" charset="0"/>
+              <a:buChar char="•"/>
+              <a:defRPr sz="1800" kern="1200">
+                <a:solidFill>
+                  <a:schemeClr val="tx1"/>
+                </a:solidFill>
+                <a:latin typeface="+mn-lt"/>
+                <a:ea typeface="+mn-ea"/>
+                <a:cs typeface="+mn-cs"/>
+              </a:defRPr>
+            </a:lvl9pPr>
+          </a:lstStyle>
+          <a:p>
+            <a:pPr marL="0" marR="0" lvl="0" indent="0" algn="ctr" defTabSz="914400" rtl="0" eaLnBrk="1" fontAlgn="auto" latinLnBrk="0" hangingPunct="1">
+              <a:lnSpc>
+                <a:spcPct val="90000"/>
+              </a:lnSpc>
+              <a:spcBef>
+                <a:spcPts val="1000"/>
+              </a:spcBef>
+              <a:spcAft>
+                <a:spcPts val="0"/>
+              </a:spcAft>
+              <a:buClrTx/>
+              <a:buSzTx/>
+              <a:buFont typeface="Arial" panose="020B0604020202020204" pitchFamily="34" charset="0"/>
+              <a:buNone/>
+              <a:tabLst/>
+              <a:defRPr/>
+            </a:pPr>
+            <a:r>
+              <a:rPr kumimoji="0" lang="pl-PL" sz="2200" b="0" i="0" u="none" strike="noStrike" kern="1200" cap="none" spc="0" normalizeH="0" baseline="0" noProof="0" dirty="0">
+                <a:ln>
+                  <a:noFill/>
+                </a:ln>
+                <a:solidFill>
+                  <a:prstClr val="white"/>
+                </a:solidFill>
+                <a:effectLst/>
+                <a:uLnTx/>
+                <a:uFillTx/>
+                <a:latin typeface="Calibri" panose="020F0502020204030204"/>
+                <a:ea typeface="+mn-ea"/>
+                <a:cs typeface="+mn-cs"/>
+              </a:rPr>
+              <a:t>odpowiedź</a:t>
+            </a:r>
+            <a:br>
+              <a:rPr kumimoji="0" lang="pl-PL" sz="2200" b="0" i="0" u="none" strike="noStrike" kern="1200" cap="none" spc="0" normalizeH="0" baseline="0" noProof="0" dirty="0">
+                <a:ln>
+                  <a:noFill/>
+                </a:ln>
+                <a:solidFill>
+                  <a:prstClr val="white"/>
+                </a:solidFill>
+                <a:effectLst/>
+                <a:uLnTx/>
+                <a:uFillTx/>
+                <a:latin typeface="Calibri" panose="020F0502020204030204"/>
+                <a:ea typeface="+mn-ea"/>
+                <a:cs typeface="+mn-cs"/>
+              </a:rPr>
+            </a:br>
+            <a:r>
+              <a:rPr kumimoji="0" lang="pl-PL" sz="2200" b="0" i="0" u="none" strike="noStrike" kern="1200" cap="none" spc="0" normalizeH="0" baseline="0" noProof="0" dirty="0">
+                <a:ln>
+                  <a:noFill/>
+                </a:ln>
+                <a:solidFill>
+                  <a:prstClr val="white"/>
+                </a:solidFill>
+                <a:effectLst/>
+                <a:uLnTx/>
+                <a:uFillTx/>
+                <a:latin typeface="Calibri" panose="020F0502020204030204"/>
+                <a:ea typeface="+mn-ea"/>
+                <a:cs typeface="+mn-cs"/>
+              </a:rPr>
+              <a:t>SPACJĄ</a:t>
+            </a:r>
+          </a:p>
+        </p:txBody>
+      </p:sp>
+      <p:sp>
+        <p:nvSpPr>
+          <p:cNvPr id="20" name="Content Placeholder 2">
+            <a:extLst>
+              <a:ext uri="{FF2B5EF4-FFF2-40B4-BE49-F238E27FC236}">
+                <a16:creationId xmlns:a16="http://schemas.microsoft.com/office/drawing/2014/main" id="{93CE3C6B-1CE0-4F49-9821-5AEEA2814F9C}"/>
+              </a:ext>
+            </a:extLst>
+          </p:cNvPr>
+          <p:cNvSpPr txBox="1">
+            <a:spLocks/>
+          </p:cNvSpPr>
+          <p:nvPr/>
+        </p:nvSpPr>
+        <p:spPr>
+          <a:xfrm>
+            <a:off x="838200" y="6037133"/>
+            <a:ext cx="10515600" cy="730253"/>
+          </a:xfrm>
+          <a:prstGeom prst="rect">
+            <a:avLst/>
+          </a:prstGeom>
+        </p:spPr>
+        <p:txBody>
+          <a:bodyPr vert="horz" lIns="91440" tIns="45720" rIns="91440" bIns="45720" rtlCol="0">
+            <a:normAutofit lnSpcReduction="10000"/>
+          </a:bodyPr>
+          <a:lstStyle>
+            <a:lvl1pPr marL="228600" indent="-228600" algn="l" defTabSz="914400" rtl="0" eaLnBrk="1" latinLnBrk="0" hangingPunct="1">
+              <a:lnSpc>
+                <a:spcPct val="90000"/>
+              </a:lnSpc>
+              <a:spcBef>
+                <a:spcPts val="1000"/>
+              </a:spcBef>
+              <a:buFont typeface="Arial" panose="020B0604020202020204" pitchFamily="34" charset="0"/>
+              <a:buChar char="•"/>
+              <a:defRPr sz="2800" kern="1200">
+                <a:solidFill>
+                  <a:schemeClr val="tx1"/>
+                </a:solidFill>
+                <a:latin typeface="+mn-lt"/>
+                <a:ea typeface="+mn-ea"/>
+                <a:cs typeface="+mn-cs"/>
+              </a:defRPr>
+            </a:lvl1pPr>
+            <a:lvl2pPr marL="685800" indent="-228600" algn="l" defTabSz="914400" rtl="0" eaLnBrk="1" latinLnBrk="0" hangingPunct="1">
+              <a:lnSpc>
+                <a:spcPct val="90000"/>
+              </a:lnSpc>
+              <a:spcBef>
+                <a:spcPts val="500"/>
+              </a:spcBef>
+              <a:buFont typeface="Arial" panose="020B0604020202020204" pitchFamily="34" charset="0"/>
+              <a:buChar char="•"/>
+              <a:defRPr sz="2400" kern="1200">
+                <a:solidFill>
+                  <a:schemeClr val="tx1"/>
+                </a:solidFill>
+                <a:latin typeface="+mn-lt"/>
+                <a:ea typeface="+mn-ea"/>
+                <a:cs typeface="+mn-cs"/>
+              </a:defRPr>
+            </a:lvl2pPr>
+            <a:lvl3pPr marL="1143000" indent="-228600" algn="l" defTabSz="914400" rtl="0" eaLnBrk="1" latinLnBrk="0" hangingPunct="1">
+              <a:lnSpc>
+                <a:spcPct val="90000"/>
+              </a:lnSpc>
+              <a:spcBef>
+                <a:spcPts val="500"/>
+              </a:spcBef>
+              <a:buFont typeface="Arial" panose="020B0604020202020204" pitchFamily="34" charset="0"/>
+              <a:buChar char="•"/>
+              <a:defRPr sz="2000" kern="1200">
+                <a:solidFill>
+                  <a:schemeClr val="tx1"/>
+                </a:solidFill>
+                <a:latin typeface="+mn-lt"/>
+                <a:ea typeface="+mn-ea"/>
+                <a:cs typeface="+mn-cs"/>
+              </a:defRPr>
+            </a:lvl3pPr>
+            <a:lvl4pPr marL="1600200" indent="-228600" algn="l" defTabSz="914400" rtl="0" eaLnBrk="1" latinLnBrk="0" hangingPunct="1">
+              <a:lnSpc>
+                <a:spcPct val="90000"/>
+              </a:lnSpc>
+              <a:spcBef>
+                <a:spcPts val="500"/>
+              </a:spcBef>
+              <a:buFont typeface="Arial" panose="020B0604020202020204" pitchFamily="34" charset="0"/>
+              <a:buChar char="•"/>
+              <a:defRPr sz="1800" kern="1200">
+                <a:solidFill>
+                  <a:schemeClr val="tx1"/>
+                </a:solidFill>
+                <a:latin typeface="+mn-lt"/>
+                <a:ea typeface="+mn-ea"/>
+                <a:cs typeface="+mn-cs"/>
+              </a:defRPr>
+            </a:lvl4pPr>
+            <a:lvl5pPr marL="2057400" indent="-228600" algn="l" defTabSz="914400" rtl="0" eaLnBrk="1" latinLnBrk="0" hangingPunct="1">
+              <a:lnSpc>
+                <a:spcPct val="90000"/>
+              </a:lnSpc>
+              <a:spcBef>
+                <a:spcPts val="500"/>
+              </a:spcBef>
+              <a:buFont typeface="Arial" panose="020B0604020202020204" pitchFamily="34" charset="0"/>
+              <a:buChar char="•"/>
+              <a:defRPr sz="1800" kern="1200">
+                <a:solidFill>
+                  <a:schemeClr val="tx1"/>
+                </a:solidFill>
+                <a:latin typeface="+mn-lt"/>
+                <a:ea typeface="+mn-ea"/>
+                <a:cs typeface="+mn-cs"/>
+              </a:defRPr>
+            </a:lvl5pPr>
+            <a:lvl6pPr marL="2514600" indent="-228600" algn="l" defTabSz="914400" rtl="0" eaLnBrk="1" latinLnBrk="0" hangingPunct="1">
+              <a:lnSpc>
+                <a:spcPct val="90000"/>
+              </a:lnSpc>
+              <a:spcBef>
+                <a:spcPts val="500"/>
+              </a:spcBef>
+              <a:buFont typeface="Arial" panose="020B0604020202020204" pitchFamily="34" charset="0"/>
+              <a:buChar char="•"/>
+              <a:defRPr sz="1800" kern="1200">
+                <a:solidFill>
+                  <a:schemeClr val="tx1"/>
+                </a:solidFill>
+                <a:latin typeface="+mn-lt"/>
+                <a:ea typeface="+mn-ea"/>
+                <a:cs typeface="+mn-cs"/>
+              </a:defRPr>
+            </a:lvl6pPr>
+            <a:lvl7pPr marL="2971800" indent="-228600" algn="l" defTabSz="914400" rtl="0" eaLnBrk="1" latinLnBrk="0" hangingPunct="1">
+              <a:lnSpc>
+                <a:spcPct val="90000"/>
+              </a:lnSpc>
+              <a:spcBef>
+                <a:spcPts val="500"/>
+              </a:spcBef>
+              <a:buFont typeface="Arial" panose="020B0604020202020204" pitchFamily="34" charset="0"/>
+              <a:buChar char="•"/>
+              <a:defRPr sz="1800" kern="1200">
+                <a:solidFill>
+                  <a:schemeClr val="tx1"/>
+                </a:solidFill>
+                <a:latin typeface="+mn-lt"/>
+                <a:ea typeface="+mn-ea"/>
+                <a:cs typeface="+mn-cs"/>
+              </a:defRPr>
+            </a:lvl7pPr>
+            <a:lvl8pPr marL="3429000" indent="-228600" algn="l" defTabSz="914400" rtl="0" eaLnBrk="1" latinLnBrk="0" hangingPunct="1">
+              <a:lnSpc>
+                <a:spcPct val="90000"/>
+              </a:lnSpc>
+              <a:spcBef>
+                <a:spcPts val="500"/>
+              </a:spcBef>
+              <a:buFont typeface="Arial" panose="020B0604020202020204" pitchFamily="34" charset="0"/>
+              <a:buChar char="•"/>
+              <a:defRPr sz="1800" kern="1200">
+                <a:solidFill>
+                  <a:schemeClr val="tx1"/>
+                </a:solidFill>
+                <a:latin typeface="+mn-lt"/>
+                <a:ea typeface="+mn-ea"/>
+                <a:cs typeface="+mn-cs"/>
+              </a:defRPr>
+            </a:lvl8pPr>
+            <a:lvl9pPr marL="3886200" indent="-228600" algn="l" defTabSz="914400" rtl="0" eaLnBrk="1" latinLnBrk="0" hangingPunct="1">
+              <a:lnSpc>
+                <a:spcPct val="90000"/>
+              </a:lnSpc>
+              <a:spcBef>
+                <a:spcPts val="500"/>
+              </a:spcBef>
+              <a:buFont typeface="Arial" panose="020B0604020202020204" pitchFamily="34" charset="0"/>
+              <a:buChar char="•"/>
+              <a:defRPr sz="1800" kern="1200">
+                <a:solidFill>
+                  <a:schemeClr val="tx1"/>
+                </a:solidFill>
+                <a:latin typeface="+mn-lt"/>
+                <a:ea typeface="+mn-ea"/>
+                <a:cs typeface="+mn-cs"/>
+              </a:defRPr>
+            </a:lvl9pPr>
+          </a:lstStyle>
+          <a:p>
+            <a:pPr marL="0" marR="0" lvl="0" indent="0" algn="ctr" defTabSz="914400" rtl="0" eaLnBrk="1" fontAlgn="auto" latinLnBrk="0" hangingPunct="1">
+              <a:lnSpc>
+                <a:spcPct val="90000"/>
+              </a:lnSpc>
+              <a:spcBef>
+                <a:spcPts val="1000"/>
+              </a:spcBef>
+              <a:spcAft>
+                <a:spcPts val="0"/>
+              </a:spcAft>
+              <a:buClrTx/>
+              <a:buSzTx/>
+              <a:buFont typeface="Arial" panose="020B0604020202020204" pitchFamily="34" charset="0"/>
+              <a:buNone/>
+              <a:tabLst/>
+              <a:defRPr/>
+            </a:pPr>
+            <a:r>
+              <a:rPr kumimoji="0" lang="pl-PL" sz="2000" b="0" i="0" u="none" strike="noStrike" kern="1200" cap="none" spc="0" normalizeH="0" baseline="0" noProof="0" dirty="0">
+                <a:ln>
+                  <a:noFill/>
+                </a:ln>
+                <a:solidFill>
+                  <a:prstClr val="white"/>
+                </a:solidFill>
+                <a:effectLst/>
+                <a:uLnTx/>
+                <a:uFillTx/>
+                <a:latin typeface="Calibri" panose="020F0502020204030204"/>
+                <a:ea typeface="+mn-ea"/>
+                <a:cs typeface="+mn-cs"/>
+              </a:rPr>
+              <a:t>Proszę nacisnąć </a:t>
+            </a:r>
+            <a:r>
+              <a:rPr kumimoji="0" lang="en-US" sz="2000" b="0" i="0" u="none" strike="noStrike" kern="1200" cap="none" spc="0" normalizeH="0" baseline="0" noProof="0" dirty="0" err="1">
+                <a:ln>
+                  <a:noFill/>
+                </a:ln>
+                <a:solidFill>
+                  <a:prstClr val="white"/>
+                </a:solidFill>
+                <a:effectLst/>
+                <a:uLnTx/>
+                <a:uFillTx/>
+                <a:latin typeface="Calibri" panose="020F0502020204030204"/>
+                <a:ea typeface="+mn-ea"/>
+                <a:cs typeface="+mn-cs"/>
+              </a:rPr>
+              <a:t>klawisz</a:t>
+            </a:r>
+            <a:r>
+              <a:rPr kumimoji="0" lang="pl-PL" sz="2000" b="0" i="0" u="none" strike="noStrike" kern="1200" cap="none" spc="0" normalizeH="0" baseline="0" noProof="0" dirty="0">
+                <a:ln>
+                  <a:noFill/>
+                </a:ln>
+                <a:solidFill>
+                  <a:prstClr val="white"/>
+                </a:solidFill>
+                <a:effectLst/>
+                <a:uLnTx/>
+                <a:uFillTx/>
+                <a:latin typeface="Calibri" panose="020F0502020204030204"/>
+                <a:ea typeface="+mn-ea"/>
+                <a:cs typeface="+mn-cs"/>
+              </a:rPr>
+              <a:t> „</a:t>
+            </a:r>
+            <a:r>
+              <a:rPr kumimoji="0" lang="en-US" sz="2000" b="0" i="0" u="none" strike="noStrike" kern="1200" cap="none" spc="0" normalizeH="0" baseline="0" noProof="0" dirty="0">
+                <a:ln>
+                  <a:noFill/>
+                </a:ln>
+                <a:solidFill>
+                  <a:prstClr val="white"/>
+                </a:solidFill>
+                <a:effectLst/>
+                <a:uLnTx/>
+                <a:uFillTx/>
+                <a:latin typeface="Calibri" panose="020F0502020204030204"/>
+                <a:ea typeface="+mn-ea"/>
+                <a:cs typeface="+mn-cs"/>
+              </a:rPr>
+              <a:t>L</a:t>
+            </a:r>
+            <a:r>
+              <a:rPr kumimoji="0" lang="pl-PL" sz="2000" b="0" i="0" u="none" strike="noStrike" kern="1200" cap="none" spc="0" normalizeH="0" baseline="0" noProof="0" dirty="0">
+                <a:ln>
+                  <a:noFill/>
+                </a:ln>
+                <a:solidFill>
+                  <a:prstClr val="white"/>
+                </a:solidFill>
+                <a:effectLst/>
+                <a:uLnTx/>
+                <a:uFillTx/>
+                <a:latin typeface="Calibri" panose="020F0502020204030204"/>
+                <a:ea typeface="+mn-ea"/>
+                <a:cs typeface="+mn-cs"/>
+              </a:rPr>
+              <a:t>”, aby kontynuować…</a:t>
+            </a:r>
+          </a:p>
+          <a:p>
+            <a:pPr marL="0" marR="0" lvl="0" indent="0" algn="ctr" defTabSz="914400" rtl="0" eaLnBrk="1" fontAlgn="auto" latinLnBrk="0" hangingPunct="1">
+              <a:lnSpc>
+                <a:spcPct val="90000"/>
+              </a:lnSpc>
+              <a:spcBef>
+                <a:spcPts val="1000"/>
+              </a:spcBef>
+              <a:spcAft>
+                <a:spcPts val="0"/>
+              </a:spcAft>
+              <a:buClrTx/>
+              <a:buSzTx/>
+              <a:buFont typeface="Arial" panose="020B0604020202020204" pitchFamily="34" charset="0"/>
+              <a:buNone/>
+              <a:tabLst/>
+              <a:defRPr/>
+            </a:pPr>
+            <a:r>
+              <a:rPr kumimoji="0" lang="pl-PL" sz="2000" b="0" i="0" u="none" strike="noStrike" kern="1200" cap="none" spc="0" normalizeH="0" baseline="0" noProof="0" dirty="0">
+                <a:ln>
+                  <a:noFill/>
+                </a:ln>
+                <a:solidFill>
+                  <a:prstClr val="white"/>
+                </a:solidFill>
+                <a:effectLst/>
+                <a:uLnTx/>
+                <a:uFillTx/>
+                <a:latin typeface="Calibri" panose="020F0502020204030204"/>
+                <a:ea typeface="+mn-ea"/>
+                <a:cs typeface="+mn-cs"/>
+              </a:rPr>
+              <a:t>lub </a:t>
+            </a:r>
+            <a:r>
+              <a:rPr kumimoji="0" lang="en-US" sz="2000" b="0" i="0" u="none" strike="noStrike" kern="1200" cap="none" spc="0" normalizeH="0" baseline="0" noProof="0" dirty="0" err="1">
+                <a:ln>
+                  <a:noFill/>
+                </a:ln>
+                <a:solidFill>
+                  <a:prstClr val="white"/>
+                </a:solidFill>
+                <a:effectLst/>
+                <a:uLnTx/>
+                <a:uFillTx/>
+                <a:latin typeface="Calibri" panose="020F0502020204030204"/>
+                <a:ea typeface="+mn-ea"/>
+                <a:cs typeface="+mn-cs"/>
+              </a:rPr>
+              <a:t>klawisz</a:t>
+            </a:r>
+            <a:r>
+              <a:rPr kumimoji="0" lang="pl-PL" sz="2000" b="0" i="0" u="none" strike="noStrike" kern="1200" cap="none" spc="0" normalizeH="0" baseline="0" noProof="0" dirty="0">
+                <a:ln>
+                  <a:noFill/>
+                </a:ln>
+                <a:solidFill>
+                  <a:prstClr val="white"/>
+                </a:solidFill>
+                <a:effectLst/>
+                <a:uLnTx/>
+                <a:uFillTx/>
+                <a:latin typeface="Calibri" panose="020F0502020204030204"/>
+                <a:ea typeface="+mn-ea"/>
+                <a:cs typeface="+mn-cs"/>
+              </a:rPr>
+              <a:t> „</a:t>
+            </a:r>
+            <a:r>
+              <a:rPr kumimoji="0" lang="en-US" sz="2000" b="0" i="0" u="none" strike="noStrike" kern="1200" cap="none" spc="0" normalizeH="0" baseline="0" noProof="0" dirty="0">
+                <a:ln>
+                  <a:noFill/>
+                </a:ln>
+                <a:solidFill>
+                  <a:prstClr val="white"/>
+                </a:solidFill>
+                <a:effectLst/>
+                <a:uLnTx/>
+                <a:uFillTx/>
+                <a:latin typeface="Calibri" panose="020F0502020204030204"/>
+                <a:ea typeface="+mn-ea"/>
+                <a:cs typeface="+mn-cs"/>
+              </a:rPr>
+              <a:t>D</a:t>
+            </a:r>
+            <a:r>
+              <a:rPr kumimoji="0" lang="pl-PL" sz="2000" b="0" i="0" u="none" strike="noStrike" kern="1200" cap="none" spc="0" normalizeH="0" baseline="0" noProof="0" dirty="0">
+                <a:ln>
+                  <a:noFill/>
+                </a:ln>
+                <a:solidFill>
+                  <a:prstClr val="white"/>
+                </a:solidFill>
+                <a:effectLst/>
+                <a:uLnTx/>
+                <a:uFillTx/>
+                <a:latin typeface="Calibri" panose="020F0502020204030204"/>
+                <a:ea typeface="+mn-ea"/>
+                <a:cs typeface="+mn-cs"/>
+              </a:rPr>
+              <a:t>”, aby cofnąć się do poprzedniego slajdu…</a:t>
+            </a:r>
+            <a:endParaRPr kumimoji="0" lang="en-US" sz="2000" b="0" i="0" u="none" strike="noStrike" kern="1200" cap="none" spc="0" normalizeH="0" baseline="0" noProof="0" dirty="0">
+              <a:ln>
+                <a:noFill/>
+              </a:ln>
+              <a:solidFill>
+                <a:prstClr val="white"/>
+              </a:solidFill>
+              <a:effectLst/>
+              <a:uLnTx/>
+              <a:uFillTx/>
+              <a:latin typeface="Calibri" panose="020F0502020204030204"/>
+              <a:ea typeface="+mn-ea"/>
+              <a:cs typeface="+mn-cs"/>
+            </a:endParaRPr>
+          </a:p>
+        </p:txBody>
+      </p:sp>
+      <p:cxnSp>
+        <p:nvCxnSpPr>
+          <p:cNvPr id="5" name="Straight Arrow Connector 4">
+            <a:extLst>
+              <a:ext uri="{FF2B5EF4-FFF2-40B4-BE49-F238E27FC236}">
+                <a16:creationId xmlns:a16="http://schemas.microsoft.com/office/drawing/2014/main" id="{2F48A442-F17A-49B3-A499-66A8D0AC1D9D}"/>
+              </a:ext>
+            </a:extLst>
+          </p:cNvPr>
+          <p:cNvCxnSpPr>
+            <a:cxnSpLocks/>
+          </p:cNvCxnSpPr>
+          <p:nvPr/>
+        </p:nvCxnSpPr>
+        <p:spPr>
+          <a:xfrm>
+            <a:off x="7009434" y="3160685"/>
+            <a:ext cx="577911" cy="0"/>
+          </a:xfrm>
+          <a:prstGeom prst="straightConnector1">
+            <a:avLst/>
+          </a:prstGeom>
+          <a:ln w="76200">
+            <a:solidFill>
+              <a:schemeClr val="bg1"/>
+            </a:solidFill>
+            <a:tailEnd type="triangle"/>
+          </a:ln>
+        </p:spPr>
+        <p:style>
+          <a:lnRef idx="1">
+            <a:schemeClr val="accent1"/>
+          </a:lnRef>
+          <a:fillRef idx="0">
+            <a:schemeClr val="accent1"/>
+          </a:fillRef>
+          <a:effectRef idx="0">
+            <a:schemeClr val="accent1"/>
+          </a:effectRef>
+          <a:fontRef idx="minor">
+            <a:schemeClr val="tx1"/>
+          </a:fontRef>
+        </p:style>
+      </p:cxnSp>
+      <p:cxnSp>
+        <p:nvCxnSpPr>
+          <p:cNvPr id="23" name="Straight Arrow Connector 22">
+            <a:extLst>
+              <a:ext uri="{FF2B5EF4-FFF2-40B4-BE49-F238E27FC236}">
+                <a16:creationId xmlns:a16="http://schemas.microsoft.com/office/drawing/2014/main" id="{FFA688BF-1101-48A2-8A93-505D31C9A16A}"/>
+              </a:ext>
+            </a:extLst>
+          </p:cNvPr>
+          <p:cNvCxnSpPr>
+            <a:cxnSpLocks/>
+          </p:cNvCxnSpPr>
+          <p:nvPr/>
+        </p:nvCxnSpPr>
+        <p:spPr>
+          <a:xfrm>
+            <a:off x="4434302" y="3160685"/>
+            <a:ext cx="577911" cy="0"/>
+          </a:xfrm>
+          <a:prstGeom prst="straightConnector1">
+            <a:avLst/>
+          </a:prstGeom>
+          <a:ln w="76200">
+            <a:solidFill>
+              <a:schemeClr val="bg1"/>
+            </a:solidFill>
+            <a:tailEnd type="triangle"/>
+          </a:ln>
+        </p:spPr>
+        <p:style>
+          <a:lnRef idx="1">
+            <a:schemeClr val="accent1"/>
+          </a:lnRef>
+          <a:fillRef idx="0">
+            <a:schemeClr val="accent1"/>
+          </a:fillRef>
+          <a:effectRef idx="0">
+            <a:schemeClr val="accent1"/>
+          </a:effectRef>
+          <a:fontRef idx="minor">
+            <a:schemeClr val="tx1"/>
+          </a:fontRef>
+        </p:style>
+      </p:cxnSp>
+      <p:cxnSp>
+        <p:nvCxnSpPr>
+          <p:cNvPr id="24" name="Straight Arrow Connector 23">
+            <a:extLst>
+              <a:ext uri="{FF2B5EF4-FFF2-40B4-BE49-F238E27FC236}">
+                <a16:creationId xmlns:a16="http://schemas.microsoft.com/office/drawing/2014/main" id="{692C2DF7-5769-4B4D-AC23-4EA31B3FBA75}"/>
+              </a:ext>
+            </a:extLst>
+          </p:cNvPr>
+          <p:cNvCxnSpPr>
+            <a:cxnSpLocks/>
+          </p:cNvCxnSpPr>
+          <p:nvPr/>
+        </p:nvCxnSpPr>
+        <p:spPr>
+          <a:xfrm>
+            <a:off x="2183747" y="3160685"/>
+            <a:ext cx="577911" cy="0"/>
+          </a:xfrm>
+          <a:prstGeom prst="straightConnector1">
+            <a:avLst/>
+          </a:prstGeom>
+          <a:ln w="76200">
+            <a:solidFill>
+              <a:schemeClr val="bg1"/>
+            </a:solidFill>
+            <a:tailEnd type="triangle"/>
+          </a:ln>
+        </p:spPr>
+        <p:style>
+          <a:lnRef idx="1">
+            <a:schemeClr val="accent1"/>
+          </a:lnRef>
+          <a:fillRef idx="0">
+            <a:schemeClr val="accent1"/>
+          </a:fillRef>
+          <a:effectRef idx="0">
+            <a:schemeClr val="accent1"/>
+          </a:effectRef>
+          <a:fontRef idx="minor">
+            <a:schemeClr val="tx1"/>
+          </a:fontRef>
+        </p:style>
+      </p:cxnSp>
+      <p:sp>
+        <p:nvSpPr>
+          <p:cNvPr id="15" name="Content Placeholder 2">
+            <a:extLst>
+              <a:ext uri="{FF2B5EF4-FFF2-40B4-BE49-F238E27FC236}">
+                <a16:creationId xmlns:a16="http://schemas.microsoft.com/office/drawing/2014/main" id="{1BA7279D-6A06-4C98-84B2-1D7EBADC8208}"/>
+              </a:ext>
+            </a:extLst>
+          </p:cNvPr>
+          <p:cNvSpPr txBox="1">
+            <a:spLocks/>
+          </p:cNvSpPr>
+          <p:nvPr/>
+        </p:nvSpPr>
+        <p:spPr>
+          <a:xfrm>
+            <a:off x="7927163" y="2767280"/>
+            <a:ext cx="896354" cy="740677"/>
+          </a:xfrm>
+          <a:prstGeom prst="rect">
+            <a:avLst/>
+          </a:prstGeom>
+        </p:spPr>
+        <p:txBody>
+          <a:bodyPr vert="horz" lIns="91440" tIns="45720" rIns="91440" bIns="45720" rtlCol="0" anchor="ctr" anchorCtr="1">
+            <a:noAutofit/>
+          </a:bodyPr>
+          <a:lstStyle>
+            <a:lvl1pPr marL="228600" indent="-228600" algn="l" defTabSz="914400" rtl="0" eaLnBrk="1" latinLnBrk="0" hangingPunct="1">
+              <a:lnSpc>
+                <a:spcPct val="90000"/>
+              </a:lnSpc>
+              <a:spcBef>
+                <a:spcPts val="1000"/>
+              </a:spcBef>
+              <a:buFont typeface="Arial" panose="020B0604020202020204" pitchFamily="34" charset="0"/>
+              <a:buChar char="•"/>
+              <a:defRPr sz="2800" kern="1200">
+                <a:solidFill>
+                  <a:schemeClr val="tx1"/>
+                </a:solidFill>
+                <a:latin typeface="+mn-lt"/>
+                <a:ea typeface="+mn-ea"/>
+                <a:cs typeface="+mn-cs"/>
+              </a:defRPr>
+            </a:lvl1pPr>
+            <a:lvl2pPr marL="685800" indent="-228600" algn="l" defTabSz="914400" rtl="0" eaLnBrk="1" latinLnBrk="0" hangingPunct="1">
+              <a:lnSpc>
+                <a:spcPct val="90000"/>
+              </a:lnSpc>
+              <a:spcBef>
+                <a:spcPts val="500"/>
+              </a:spcBef>
+              <a:buFont typeface="Arial" panose="020B0604020202020204" pitchFamily="34" charset="0"/>
+              <a:buChar char="•"/>
+              <a:defRPr sz="2400" kern="1200">
+                <a:solidFill>
+                  <a:schemeClr val="tx1"/>
+                </a:solidFill>
+                <a:latin typeface="+mn-lt"/>
+                <a:ea typeface="+mn-ea"/>
+                <a:cs typeface="+mn-cs"/>
+              </a:defRPr>
+            </a:lvl2pPr>
+            <a:lvl3pPr marL="1143000" indent="-228600" algn="l" defTabSz="914400" rtl="0" eaLnBrk="1" latinLnBrk="0" hangingPunct="1">
+              <a:lnSpc>
+                <a:spcPct val="90000"/>
+              </a:lnSpc>
+              <a:spcBef>
+                <a:spcPts val="500"/>
+              </a:spcBef>
+              <a:buFont typeface="Arial" panose="020B0604020202020204" pitchFamily="34" charset="0"/>
+              <a:buChar char="•"/>
+              <a:defRPr sz="2000" kern="1200">
+                <a:solidFill>
+                  <a:schemeClr val="tx1"/>
+                </a:solidFill>
+                <a:latin typeface="+mn-lt"/>
+                <a:ea typeface="+mn-ea"/>
+                <a:cs typeface="+mn-cs"/>
+              </a:defRPr>
+            </a:lvl3pPr>
+            <a:lvl4pPr marL="1600200" indent="-228600" algn="l" defTabSz="914400" rtl="0" eaLnBrk="1" latinLnBrk="0" hangingPunct="1">
+              <a:lnSpc>
+                <a:spcPct val="90000"/>
+              </a:lnSpc>
+              <a:spcBef>
+                <a:spcPts val="500"/>
+              </a:spcBef>
+              <a:buFont typeface="Arial" panose="020B0604020202020204" pitchFamily="34" charset="0"/>
+              <a:buChar char="•"/>
+              <a:defRPr sz="1800" kern="1200">
+                <a:solidFill>
+                  <a:schemeClr val="tx1"/>
+                </a:solidFill>
+                <a:latin typeface="+mn-lt"/>
+                <a:ea typeface="+mn-ea"/>
+                <a:cs typeface="+mn-cs"/>
+              </a:defRPr>
+            </a:lvl4pPr>
+            <a:lvl5pPr marL="2057400" indent="-228600" algn="l" defTabSz="914400" rtl="0" eaLnBrk="1" latinLnBrk="0" hangingPunct="1">
+              <a:lnSpc>
+                <a:spcPct val="90000"/>
+              </a:lnSpc>
+              <a:spcBef>
+                <a:spcPts val="500"/>
+              </a:spcBef>
+              <a:buFont typeface="Arial" panose="020B0604020202020204" pitchFamily="34" charset="0"/>
+              <a:buChar char="•"/>
+              <a:defRPr sz="1800" kern="1200">
+                <a:solidFill>
+                  <a:schemeClr val="tx1"/>
+                </a:solidFill>
+                <a:latin typeface="+mn-lt"/>
+                <a:ea typeface="+mn-ea"/>
+                <a:cs typeface="+mn-cs"/>
+              </a:defRPr>
+            </a:lvl5pPr>
+            <a:lvl6pPr marL="2514600" indent="-228600" algn="l" defTabSz="914400" rtl="0" eaLnBrk="1" latinLnBrk="0" hangingPunct="1">
+              <a:lnSpc>
+                <a:spcPct val="90000"/>
+              </a:lnSpc>
+              <a:spcBef>
+                <a:spcPts val="500"/>
+              </a:spcBef>
+              <a:buFont typeface="Arial" panose="020B0604020202020204" pitchFamily="34" charset="0"/>
+              <a:buChar char="•"/>
+              <a:defRPr sz="1800" kern="1200">
+                <a:solidFill>
+                  <a:schemeClr val="tx1"/>
+                </a:solidFill>
+                <a:latin typeface="+mn-lt"/>
+                <a:ea typeface="+mn-ea"/>
+                <a:cs typeface="+mn-cs"/>
+              </a:defRPr>
+            </a:lvl6pPr>
+            <a:lvl7pPr marL="2971800" indent="-228600" algn="l" defTabSz="914400" rtl="0" eaLnBrk="1" latinLnBrk="0" hangingPunct="1">
+              <a:lnSpc>
+                <a:spcPct val="90000"/>
+              </a:lnSpc>
+              <a:spcBef>
+                <a:spcPts val="500"/>
+              </a:spcBef>
+              <a:buFont typeface="Arial" panose="020B0604020202020204" pitchFamily="34" charset="0"/>
+              <a:buChar char="•"/>
+              <a:defRPr sz="1800" kern="1200">
+                <a:solidFill>
+                  <a:schemeClr val="tx1"/>
+                </a:solidFill>
+                <a:latin typeface="+mn-lt"/>
+                <a:ea typeface="+mn-ea"/>
+                <a:cs typeface="+mn-cs"/>
+              </a:defRPr>
+            </a:lvl7pPr>
+            <a:lvl8pPr marL="3429000" indent="-228600" algn="l" defTabSz="914400" rtl="0" eaLnBrk="1" latinLnBrk="0" hangingPunct="1">
+              <a:lnSpc>
+                <a:spcPct val="90000"/>
+              </a:lnSpc>
+              <a:spcBef>
+                <a:spcPts val="500"/>
+              </a:spcBef>
+              <a:buFont typeface="Arial" panose="020B0604020202020204" pitchFamily="34" charset="0"/>
+              <a:buChar char="•"/>
+              <a:defRPr sz="1800" kern="1200">
+                <a:solidFill>
+                  <a:schemeClr val="tx1"/>
+                </a:solidFill>
+                <a:latin typeface="+mn-lt"/>
+                <a:ea typeface="+mn-ea"/>
+                <a:cs typeface="+mn-cs"/>
+              </a:defRPr>
+            </a:lvl8pPr>
+            <a:lvl9pPr marL="3886200" indent="-228600" algn="l" defTabSz="914400" rtl="0" eaLnBrk="1" latinLnBrk="0" hangingPunct="1">
+              <a:lnSpc>
+                <a:spcPct val="90000"/>
+              </a:lnSpc>
+              <a:spcBef>
+                <a:spcPts val="500"/>
+              </a:spcBef>
+              <a:buFont typeface="Arial" panose="020B0604020202020204" pitchFamily="34" charset="0"/>
+              <a:buChar char="•"/>
+              <a:defRPr sz="1800" kern="1200">
+                <a:solidFill>
+                  <a:schemeClr val="tx1"/>
+                </a:solidFill>
+                <a:latin typeface="+mn-lt"/>
+                <a:ea typeface="+mn-ea"/>
+                <a:cs typeface="+mn-cs"/>
+              </a:defRPr>
+            </a:lvl9pPr>
+          </a:lstStyle>
+          <a:p>
+            <a:pPr marL="0" indent="0" algn="ctr">
+              <a:buFont typeface="Arial" panose="020B0604020202020204" pitchFamily="34" charset="0"/>
+              <a:buNone/>
+            </a:pPr>
+            <a:r>
+              <a:rPr lang="pl-PL" sz="6600" dirty="0">
+                <a:solidFill>
+                  <a:srgbClr val="FF0000"/>
+                </a:solidFill>
+                <a:latin typeface="Bell MT" panose="02020503060305020303" pitchFamily="18" charset="0"/>
+              </a:rPr>
+              <a:t>+</a:t>
+            </a:r>
+            <a:endParaRPr lang="en-US" sz="6600" dirty="0">
+              <a:solidFill>
+                <a:srgbClr val="FF0000"/>
+              </a:solidFill>
+              <a:latin typeface="Bell MT" panose="02020503060305020303" pitchFamily="18" charset="0"/>
+            </a:endParaRPr>
+          </a:p>
+        </p:txBody>
+      </p:sp>
+      <p:sp>
+        <p:nvSpPr>
+          <p:cNvPr id="16" name="Content Placeholder 2">
+            <a:extLst>
+              <a:ext uri="{FF2B5EF4-FFF2-40B4-BE49-F238E27FC236}">
+                <a16:creationId xmlns:a16="http://schemas.microsoft.com/office/drawing/2014/main" id="{49EEFC10-A080-4C03-BE87-D4F8C2759EE2}"/>
+              </a:ext>
+            </a:extLst>
+          </p:cNvPr>
+          <p:cNvSpPr txBox="1">
+            <a:spLocks/>
+          </p:cNvSpPr>
+          <p:nvPr/>
+        </p:nvSpPr>
+        <p:spPr>
+          <a:xfrm>
+            <a:off x="1124497" y="2772520"/>
+            <a:ext cx="896354" cy="740677"/>
+          </a:xfrm>
+          <a:prstGeom prst="rect">
+            <a:avLst/>
+          </a:prstGeom>
+        </p:spPr>
+        <p:txBody>
+          <a:bodyPr vert="horz" lIns="91440" tIns="45720" rIns="91440" bIns="45720" rtlCol="0" anchor="ctr" anchorCtr="1">
+            <a:noAutofit/>
+          </a:bodyPr>
+          <a:lstStyle>
+            <a:lvl1pPr marL="228600" indent="-228600" algn="l" defTabSz="914400" rtl="0" eaLnBrk="1" latinLnBrk="0" hangingPunct="1">
+              <a:lnSpc>
+                <a:spcPct val="90000"/>
+              </a:lnSpc>
+              <a:spcBef>
+                <a:spcPts val="1000"/>
+              </a:spcBef>
+              <a:buFont typeface="Arial" panose="020B0604020202020204" pitchFamily="34" charset="0"/>
+              <a:buChar char="•"/>
+              <a:defRPr sz="2800" kern="1200">
+                <a:solidFill>
+                  <a:schemeClr val="tx1"/>
+                </a:solidFill>
+                <a:latin typeface="+mn-lt"/>
+                <a:ea typeface="+mn-ea"/>
+                <a:cs typeface="+mn-cs"/>
+              </a:defRPr>
+            </a:lvl1pPr>
+            <a:lvl2pPr marL="685800" indent="-228600" algn="l" defTabSz="914400" rtl="0" eaLnBrk="1" latinLnBrk="0" hangingPunct="1">
+              <a:lnSpc>
+                <a:spcPct val="90000"/>
+              </a:lnSpc>
+              <a:spcBef>
+                <a:spcPts val="500"/>
+              </a:spcBef>
+              <a:buFont typeface="Arial" panose="020B0604020202020204" pitchFamily="34" charset="0"/>
+              <a:buChar char="•"/>
+              <a:defRPr sz="2400" kern="1200">
+                <a:solidFill>
+                  <a:schemeClr val="tx1"/>
+                </a:solidFill>
+                <a:latin typeface="+mn-lt"/>
+                <a:ea typeface="+mn-ea"/>
+                <a:cs typeface="+mn-cs"/>
+              </a:defRPr>
+            </a:lvl2pPr>
+            <a:lvl3pPr marL="1143000" indent="-228600" algn="l" defTabSz="914400" rtl="0" eaLnBrk="1" latinLnBrk="0" hangingPunct="1">
+              <a:lnSpc>
+                <a:spcPct val="90000"/>
+              </a:lnSpc>
+              <a:spcBef>
+                <a:spcPts val="500"/>
+              </a:spcBef>
+              <a:buFont typeface="Arial" panose="020B0604020202020204" pitchFamily="34" charset="0"/>
+              <a:buChar char="•"/>
+              <a:defRPr sz="2000" kern="1200">
+                <a:solidFill>
+                  <a:schemeClr val="tx1"/>
+                </a:solidFill>
+                <a:latin typeface="+mn-lt"/>
+                <a:ea typeface="+mn-ea"/>
+                <a:cs typeface="+mn-cs"/>
+              </a:defRPr>
+            </a:lvl3pPr>
+            <a:lvl4pPr marL="1600200" indent="-228600" algn="l" defTabSz="914400" rtl="0" eaLnBrk="1" latinLnBrk="0" hangingPunct="1">
+              <a:lnSpc>
+                <a:spcPct val="90000"/>
+              </a:lnSpc>
+              <a:spcBef>
+                <a:spcPts val="500"/>
+              </a:spcBef>
+              <a:buFont typeface="Arial" panose="020B0604020202020204" pitchFamily="34" charset="0"/>
+              <a:buChar char="•"/>
+              <a:defRPr sz="1800" kern="1200">
+                <a:solidFill>
+                  <a:schemeClr val="tx1"/>
+                </a:solidFill>
+                <a:latin typeface="+mn-lt"/>
+                <a:ea typeface="+mn-ea"/>
+                <a:cs typeface="+mn-cs"/>
+              </a:defRPr>
+            </a:lvl4pPr>
+            <a:lvl5pPr marL="2057400" indent="-228600" algn="l" defTabSz="914400" rtl="0" eaLnBrk="1" latinLnBrk="0" hangingPunct="1">
+              <a:lnSpc>
+                <a:spcPct val="90000"/>
+              </a:lnSpc>
+              <a:spcBef>
+                <a:spcPts val="500"/>
+              </a:spcBef>
+              <a:buFont typeface="Arial" panose="020B0604020202020204" pitchFamily="34" charset="0"/>
+              <a:buChar char="•"/>
+              <a:defRPr sz="1800" kern="1200">
+                <a:solidFill>
+                  <a:schemeClr val="tx1"/>
+                </a:solidFill>
+                <a:latin typeface="+mn-lt"/>
+                <a:ea typeface="+mn-ea"/>
+                <a:cs typeface="+mn-cs"/>
+              </a:defRPr>
+            </a:lvl5pPr>
+            <a:lvl6pPr marL="2514600" indent="-228600" algn="l" defTabSz="914400" rtl="0" eaLnBrk="1" latinLnBrk="0" hangingPunct="1">
+              <a:lnSpc>
+                <a:spcPct val="90000"/>
+              </a:lnSpc>
+              <a:spcBef>
+                <a:spcPts val="500"/>
+              </a:spcBef>
+              <a:buFont typeface="Arial" panose="020B0604020202020204" pitchFamily="34" charset="0"/>
+              <a:buChar char="•"/>
+              <a:defRPr sz="1800" kern="1200">
+                <a:solidFill>
+                  <a:schemeClr val="tx1"/>
+                </a:solidFill>
+                <a:latin typeface="+mn-lt"/>
+                <a:ea typeface="+mn-ea"/>
+                <a:cs typeface="+mn-cs"/>
+              </a:defRPr>
+            </a:lvl6pPr>
+            <a:lvl7pPr marL="2971800" indent="-228600" algn="l" defTabSz="914400" rtl="0" eaLnBrk="1" latinLnBrk="0" hangingPunct="1">
+              <a:lnSpc>
+                <a:spcPct val="90000"/>
+              </a:lnSpc>
+              <a:spcBef>
+                <a:spcPts val="500"/>
+              </a:spcBef>
+              <a:buFont typeface="Arial" panose="020B0604020202020204" pitchFamily="34" charset="0"/>
+              <a:buChar char="•"/>
+              <a:defRPr sz="1800" kern="1200">
+                <a:solidFill>
+                  <a:schemeClr val="tx1"/>
+                </a:solidFill>
+                <a:latin typeface="+mn-lt"/>
+                <a:ea typeface="+mn-ea"/>
+                <a:cs typeface="+mn-cs"/>
+              </a:defRPr>
+            </a:lvl7pPr>
+            <a:lvl8pPr marL="3429000" indent="-228600" algn="l" defTabSz="914400" rtl="0" eaLnBrk="1" latinLnBrk="0" hangingPunct="1">
+              <a:lnSpc>
+                <a:spcPct val="90000"/>
+              </a:lnSpc>
+              <a:spcBef>
+                <a:spcPts val="500"/>
+              </a:spcBef>
+              <a:buFont typeface="Arial" panose="020B0604020202020204" pitchFamily="34" charset="0"/>
+              <a:buChar char="•"/>
+              <a:defRPr sz="1800" kern="1200">
+                <a:solidFill>
+                  <a:schemeClr val="tx1"/>
+                </a:solidFill>
+                <a:latin typeface="+mn-lt"/>
+                <a:ea typeface="+mn-ea"/>
+                <a:cs typeface="+mn-cs"/>
+              </a:defRPr>
+            </a:lvl8pPr>
+            <a:lvl9pPr marL="3886200" indent="-228600" algn="l" defTabSz="914400" rtl="0" eaLnBrk="1" latinLnBrk="0" hangingPunct="1">
+              <a:lnSpc>
+                <a:spcPct val="90000"/>
+              </a:lnSpc>
+              <a:spcBef>
+                <a:spcPts val="500"/>
+              </a:spcBef>
+              <a:buFont typeface="Arial" panose="020B0604020202020204" pitchFamily="34" charset="0"/>
+              <a:buChar char="•"/>
+              <a:defRPr sz="1800" kern="1200">
+                <a:solidFill>
+                  <a:schemeClr val="tx1"/>
+                </a:solidFill>
+                <a:latin typeface="+mn-lt"/>
+                <a:ea typeface="+mn-ea"/>
+                <a:cs typeface="+mn-cs"/>
+              </a:defRPr>
+            </a:lvl9pPr>
+          </a:lstStyle>
+          <a:p>
+            <a:pPr marL="0" indent="0" algn="ctr">
+              <a:buFont typeface="Arial" panose="020B0604020202020204" pitchFamily="34" charset="0"/>
+              <a:buNone/>
+            </a:pPr>
+            <a:r>
+              <a:rPr lang="pl-PL" sz="6600" dirty="0">
+                <a:solidFill>
+                  <a:schemeClr val="bg1"/>
+                </a:solidFill>
+                <a:latin typeface="Bell MT" panose="02020503060305020303" pitchFamily="18" charset="0"/>
+              </a:rPr>
+              <a:t>+</a:t>
+            </a:r>
+            <a:endParaRPr lang="en-US" sz="6600" dirty="0">
+              <a:solidFill>
+                <a:schemeClr val="bg1"/>
+              </a:solidFill>
+              <a:latin typeface="Bell MT" panose="02020503060305020303" pitchFamily="18" charset="0"/>
+            </a:endParaRPr>
+          </a:p>
+        </p:txBody>
+      </p:sp>
+      <p:sp>
+        <p:nvSpPr>
+          <p:cNvPr id="17" name="Content Placeholder 2">
+            <a:extLst>
+              <a:ext uri="{FF2B5EF4-FFF2-40B4-BE49-F238E27FC236}">
+                <a16:creationId xmlns:a16="http://schemas.microsoft.com/office/drawing/2014/main" id="{F976A1B3-BA3D-4B61-9B9C-BBCB229595C6}"/>
+              </a:ext>
+            </a:extLst>
+          </p:cNvPr>
+          <p:cNvSpPr txBox="1">
+            <a:spLocks/>
+          </p:cNvSpPr>
+          <p:nvPr/>
+        </p:nvSpPr>
+        <p:spPr>
+          <a:xfrm>
+            <a:off x="778461" y="3731349"/>
+            <a:ext cx="1535092" cy="778941"/>
+          </a:xfrm>
+          <a:prstGeom prst="rect">
+            <a:avLst/>
+          </a:prstGeom>
+        </p:spPr>
+        <p:txBody>
+          <a:bodyPr vert="horz" lIns="91440" tIns="45720" rIns="91440" bIns="45720" rtlCol="0">
+            <a:normAutofit/>
+          </a:bodyPr>
+          <a:lstStyle>
+            <a:lvl1pPr marL="228600" indent="-228600" algn="l" defTabSz="914400" rtl="0" eaLnBrk="1" latinLnBrk="0" hangingPunct="1">
+              <a:lnSpc>
+                <a:spcPct val="90000"/>
+              </a:lnSpc>
+              <a:spcBef>
+                <a:spcPts val="1000"/>
+              </a:spcBef>
+              <a:buFont typeface="Arial" panose="020B0604020202020204" pitchFamily="34" charset="0"/>
+              <a:buChar char="•"/>
+              <a:defRPr sz="2800" kern="1200">
+                <a:solidFill>
+                  <a:schemeClr val="tx1"/>
+                </a:solidFill>
+                <a:latin typeface="+mn-lt"/>
+                <a:ea typeface="+mn-ea"/>
+                <a:cs typeface="+mn-cs"/>
+              </a:defRPr>
+            </a:lvl1pPr>
+            <a:lvl2pPr marL="685800" indent="-228600" algn="l" defTabSz="914400" rtl="0" eaLnBrk="1" latinLnBrk="0" hangingPunct="1">
+              <a:lnSpc>
+                <a:spcPct val="90000"/>
+              </a:lnSpc>
+              <a:spcBef>
+                <a:spcPts val="500"/>
+              </a:spcBef>
+              <a:buFont typeface="Arial" panose="020B0604020202020204" pitchFamily="34" charset="0"/>
+              <a:buChar char="•"/>
+              <a:defRPr sz="2400" kern="1200">
+                <a:solidFill>
+                  <a:schemeClr val="tx1"/>
+                </a:solidFill>
+                <a:latin typeface="+mn-lt"/>
+                <a:ea typeface="+mn-ea"/>
+                <a:cs typeface="+mn-cs"/>
+              </a:defRPr>
+            </a:lvl2pPr>
+            <a:lvl3pPr marL="1143000" indent="-228600" algn="l" defTabSz="914400" rtl="0" eaLnBrk="1" latinLnBrk="0" hangingPunct="1">
+              <a:lnSpc>
+                <a:spcPct val="90000"/>
+              </a:lnSpc>
+              <a:spcBef>
+                <a:spcPts val="500"/>
+              </a:spcBef>
+              <a:buFont typeface="Arial" panose="020B0604020202020204" pitchFamily="34" charset="0"/>
+              <a:buChar char="•"/>
+              <a:defRPr sz="2000" kern="1200">
+                <a:solidFill>
+                  <a:schemeClr val="tx1"/>
+                </a:solidFill>
+                <a:latin typeface="+mn-lt"/>
+                <a:ea typeface="+mn-ea"/>
+                <a:cs typeface="+mn-cs"/>
+              </a:defRPr>
+            </a:lvl3pPr>
+            <a:lvl4pPr marL="1600200" indent="-228600" algn="l" defTabSz="914400" rtl="0" eaLnBrk="1" latinLnBrk="0" hangingPunct="1">
+              <a:lnSpc>
+                <a:spcPct val="90000"/>
+              </a:lnSpc>
+              <a:spcBef>
+                <a:spcPts val="500"/>
+              </a:spcBef>
+              <a:buFont typeface="Arial" panose="020B0604020202020204" pitchFamily="34" charset="0"/>
+              <a:buChar char="•"/>
+              <a:defRPr sz="1800" kern="1200">
+                <a:solidFill>
+                  <a:schemeClr val="tx1"/>
+                </a:solidFill>
+                <a:latin typeface="+mn-lt"/>
+                <a:ea typeface="+mn-ea"/>
+                <a:cs typeface="+mn-cs"/>
+              </a:defRPr>
+            </a:lvl4pPr>
+            <a:lvl5pPr marL="2057400" indent="-228600" algn="l" defTabSz="914400" rtl="0" eaLnBrk="1" latinLnBrk="0" hangingPunct="1">
+              <a:lnSpc>
+                <a:spcPct val="90000"/>
+              </a:lnSpc>
+              <a:spcBef>
+                <a:spcPts val="500"/>
+              </a:spcBef>
+              <a:buFont typeface="Arial" panose="020B0604020202020204" pitchFamily="34" charset="0"/>
+              <a:buChar char="•"/>
+              <a:defRPr sz="1800" kern="1200">
+                <a:solidFill>
+                  <a:schemeClr val="tx1"/>
+                </a:solidFill>
+                <a:latin typeface="+mn-lt"/>
+                <a:ea typeface="+mn-ea"/>
+                <a:cs typeface="+mn-cs"/>
+              </a:defRPr>
+            </a:lvl5pPr>
+            <a:lvl6pPr marL="2514600" indent="-228600" algn="l" defTabSz="914400" rtl="0" eaLnBrk="1" latinLnBrk="0" hangingPunct="1">
+              <a:lnSpc>
+                <a:spcPct val="90000"/>
+              </a:lnSpc>
+              <a:spcBef>
+                <a:spcPts val="500"/>
+              </a:spcBef>
+              <a:buFont typeface="Arial" panose="020B0604020202020204" pitchFamily="34" charset="0"/>
+              <a:buChar char="•"/>
+              <a:defRPr sz="1800" kern="1200">
+                <a:solidFill>
+                  <a:schemeClr val="tx1"/>
+                </a:solidFill>
+                <a:latin typeface="+mn-lt"/>
+                <a:ea typeface="+mn-ea"/>
+                <a:cs typeface="+mn-cs"/>
+              </a:defRPr>
+            </a:lvl6pPr>
+            <a:lvl7pPr marL="2971800" indent="-228600" algn="l" defTabSz="914400" rtl="0" eaLnBrk="1" latinLnBrk="0" hangingPunct="1">
+              <a:lnSpc>
+                <a:spcPct val="90000"/>
+              </a:lnSpc>
+              <a:spcBef>
+                <a:spcPts val="500"/>
+              </a:spcBef>
+              <a:buFont typeface="Arial" panose="020B0604020202020204" pitchFamily="34" charset="0"/>
+              <a:buChar char="•"/>
+              <a:defRPr sz="1800" kern="1200">
+                <a:solidFill>
+                  <a:schemeClr val="tx1"/>
+                </a:solidFill>
+                <a:latin typeface="+mn-lt"/>
+                <a:ea typeface="+mn-ea"/>
+                <a:cs typeface="+mn-cs"/>
+              </a:defRPr>
+            </a:lvl7pPr>
+            <a:lvl8pPr marL="3429000" indent="-228600" algn="l" defTabSz="914400" rtl="0" eaLnBrk="1" latinLnBrk="0" hangingPunct="1">
+              <a:lnSpc>
+                <a:spcPct val="90000"/>
+              </a:lnSpc>
+              <a:spcBef>
+                <a:spcPts val="500"/>
+              </a:spcBef>
+              <a:buFont typeface="Arial" panose="020B0604020202020204" pitchFamily="34" charset="0"/>
+              <a:buChar char="•"/>
+              <a:defRPr sz="1800" kern="1200">
+                <a:solidFill>
+                  <a:schemeClr val="tx1"/>
+                </a:solidFill>
+                <a:latin typeface="+mn-lt"/>
+                <a:ea typeface="+mn-ea"/>
+                <a:cs typeface="+mn-cs"/>
+              </a:defRPr>
+            </a:lvl8pPr>
+            <a:lvl9pPr marL="3886200" indent="-228600" algn="l" defTabSz="914400" rtl="0" eaLnBrk="1" latinLnBrk="0" hangingPunct="1">
+              <a:lnSpc>
+                <a:spcPct val="90000"/>
+              </a:lnSpc>
+              <a:spcBef>
+                <a:spcPts val="500"/>
+              </a:spcBef>
+              <a:buFont typeface="Arial" panose="020B0604020202020204" pitchFamily="34" charset="0"/>
+              <a:buChar char="•"/>
+              <a:defRPr sz="1800" kern="1200">
+                <a:solidFill>
+                  <a:schemeClr val="tx1"/>
+                </a:solidFill>
+                <a:latin typeface="+mn-lt"/>
+                <a:ea typeface="+mn-ea"/>
+                <a:cs typeface="+mn-cs"/>
+              </a:defRPr>
+            </a:lvl9pPr>
+          </a:lstStyle>
+          <a:p>
+            <a:pPr marL="0" marR="0" lvl="0" indent="0" algn="ctr" defTabSz="914400" rtl="0" eaLnBrk="1" fontAlgn="auto" latinLnBrk="0" hangingPunct="1">
+              <a:lnSpc>
+                <a:spcPct val="90000"/>
+              </a:lnSpc>
+              <a:spcBef>
+                <a:spcPts val="1000"/>
+              </a:spcBef>
+              <a:spcAft>
+                <a:spcPts val="0"/>
+              </a:spcAft>
+              <a:buClrTx/>
+              <a:buSzTx/>
+              <a:buFont typeface="Arial" panose="020B0604020202020204" pitchFamily="34" charset="0"/>
+              <a:buNone/>
+              <a:tabLst/>
+              <a:defRPr/>
+            </a:pPr>
+            <a:r>
+              <a:rPr kumimoji="0" lang="pl-PL" sz="2200" b="0" i="0" u="none" strike="noStrike" kern="1200" cap="none" spc="0" normalizeH="0" baseline="0" noProof="0" dirty="0">
+                <a:ln>
+                  <a:noFill/>
+                </a:ln>
+                <a:solidFill>
+                  <a:prstClr val="white"/>
+                </a:solidFill>
+                <a:effectLst/>
+                <a:uLnTx/>
+                <a:uFillTx/>
+                <a:latin typeface="Calibri" panose="020F0502020204030204"/>
+                <a:ea typeface="+mn-ea"/>
+                <a:cs typeface="+mn-cs"/>
+              </a:rPr>
+              <a:t>punkt fiksacji</a:t>
+            </a:r>
+            <a:endParaRPr kumimoji="0" lang="en-US" sz="2200" b="0" i="0" u="none" strike="noStrike" kern="1200" cap="none" spc="0" normalizeH="0" baseline="0" noProof="0" dirty="0">
+              <a:ln>
+                <a:noFill/>
+              </a:ln>
+              <a:solidFill>
+                <a:prstClr val="white"/>
+              </a:solidFill>
+              <a:effectLst/>
+              <a:uLnTx/>
+              <a:uFillTx/>
+              <a:latin typeface="Calibri" panose="020F0502020204030204"/>
+              <a:ea typeface="+mn-ea"/>
+              <a:cs typeface="+mn-cs"/>
+            </a:endParaRPr>
+          </a:p>
+        </p:txBody>
+      </p:sp>
+      <p:sp>
+        <p:nvSpPr>
+          <p:cNvPr id="18" name="Content Placeholder 2">
+            <a:extLst>
+              <a:ext uri="{FF2B5EF4-FFF2-40B4-BE49-F238E27FC236}">
+                <a16:creationId xmlns:a16="http://schemas.microsoft.com/office/drawing/2014/main" id="{F0CA9BA8-1AC6-4B62-A77E-69B74F11923C}"/>
+              </a:ext>
+            </a:extLst>
+          </p:cNvPr>
+          <p:cNvSpPr txBox="1">
+            <a:spLocks/>
+          </p:cNvSpPr>
+          <p:nvPr/>
+        </p:nvSpPr>
+        <p:spPr>
+          <a:xfrm>
+            <a:off x="7463100" y="3478638"/>
+            <a:ext cx="1931239" cy="1139077"/>
+          </a:xfrm>
+          <a:prstGeom prst="rect">
+            <a:avLst/>
+          </a:prstGeom>
+        </p:spPr>
+        <p:txBody>
+          <a:bodyPr vert="horz" lIns="91440" tIns="45720" rIns="91440" bIns="45720" rtlCol="0">
+            <a:normAutofit fontScale="92500" lnSpcReduction="20000"/>
+          </a:bodyPr>
+          <a:lstStyle>
+            <a:lvl1pPr marL="228600" indent="-228600" algn="l" defTabSz="914400" rtl="0" eaLnBrk="1" latinLnBrk="0" hangingPunct="1">
+              <a:lnSpc>
+                <a:spcPct val="90000"/>
+              </a:lnSpc>
+              <a:spcBef>
+                <a:spcPts val="1000"/>
+              </a:spcBef>
+              <a:buFont typeface="Arial" panose="020B0604020202020204" pitchFamily="34" charset="0"/>
+              <a:buChar char="•"/>
+              <a:defRPr sz="2800" kern="1200">
+                <a:solidFill>
+                  <a:schemeClr val="tx1"/>
+                </a:solidFill>
+                <a:latin typeface="+mn-lt"/>
+                <a:ea typeface="+mn-ea"/>
+                <a:cs typeface="+mn-cs"/>
+              </a:defRPr>
+            </a:lvl1pPr>
+            <a:lvl2pPr marL="685800" indent="-228600" algn="l" defTabSz="914400" rtl="0" eaLnBrk="1" latinLnBrk="0" hangingPunct="1">
+              <a:lnSpc>
+                <a:spcPct val="90000"/>
+              </a:lnSpc>
+              <a:spcBef>
+                <a:spcPts val="500"/>
+              </a:spcBef>
+              <a:buFont typeface="Arial" panose="020B0604020202020204" pitchFamily="34" charset="0"/>
+              <a:buChar char="•"/>
+              <a:defRPr sz="2400" kern="1200">
+                <a:solidFill>
+                  <a:schemeClr val="tx1"/>
+                </a:solidFill>
+                <a:latin typeface="+mn-lt"/>
+                <a:ea typeface="+mn-ea"/>
+                <a:cs typeface="+mn-cs"/>
+              </a:defRPr>
+            </a:lvl2pPr>
+            <a:lvl3pPr marL="1143000" indent="-228600" algn="l" defTabSz="914400" rtl="0" eaLnBrk="1" latinLnBrk="0" hangingPunct="1">
+              <a:lnSpc>
+                <a:spcPct val="90000"/>
+              </a:lnSpc>
+              <a:spcBef>
+                <a:spcPts val="500"/>
+              </a:spcBef>
+              <a:buFont typeface="Arial" panose="020B0604020202020204" pitchFamily="34" charset="0"/>
+              <a:buChar char="•"/>
+              <a:defRPr sz="2000" kern="1200">
+                <a:solidFill>
+                  <a:schemeClr val="tx1"/>
+                </a:solidFill>
+                <a:latin typeface="+mn-lt"/>
+                <a:ea typeface="+mn-ea"/>
+                <a:cs typeface="+mn-cs"/>
+              </a:defRPr>
+            </a:lvl3pPr>
+            <a:lvl4pPr marL="1600200" indent="-228600" algn="l" defTabSz="914400" rtl="0" eaLnBrk="1" latinLnBrk="0" hangingPunct="1">
+              <a:lnSpc>
+                <a:spcPct val="90000"/>
+              </a:lnSpc>
+              <a:spcBef>
+                <a:spcPts val="500"/>
+              </a:spcBef>
+              <a:buFont typeface="Arial" panose="020B0604020202020204" pitchFamily="34" charset="0"/>
+              <a:buChar char="•"/>
+              <a:defRPr sz="1800" kern="1200">
+                <a:solidFill>
+                  <a:schemeClr val="tx1"/>
+                </a:solidFill>
+                <a:latin typeface="+mn-lt"/>
+                <a:ea typeface="+mn-ea"/>
+                <a:cs typeface="+mn-cs"/>
+              </a:defRPr>
+            </a:lvl4pPr>
+            <a:lvl5pPr marL="2057400" indent="-228600" algn="l" defTabSz="914400" rtl="0" eaLnBrk="1" latinLnBrk="0" hangingPunct="1">
+              <a:lnSpc>
+                <a:spcPct val="90000"/>
+              </a:lnSpc>
+              <a:spcBef>
+                <a:spcPts val="500"/>
+              </a:spcBef>
+              <a:buFont typeface="Arial" panose="020B0604020202020204" pitchFamily="34" charset="0"/>
+              <a:buChar char="•"/>
+              <a:defRPr sz="1800" kern="1200">
+                <a:solidFill>
+                  <a:schemeClr val="tx1"/>
+                </a:solidFill>
+                <a:latin typeface="+mn-lt"/>
+                <a:ea typeface="+mn-ea"/>
+                <a:cs typeface="+mn-cs"/>
+              </a:defRPr>
+            </a:lvl5pPr>
+            <a:lvl6pPr marL="2514600" indent="-228600" algn="l" defTabSz="914400" rtl="0" eaLnBrk="1" latinLnBrk="0" hangingPunct="1">
+              <a:lnSpc>
+                <a:spcPct val="90000"/>
+              </a:lnSpc>
+              <a:spcBef>
+                <a:spcPts val="500"/>
+              </a:spcBef>
+              <a:buFont typeface="Arial" panose="020B0604020202020204" pitchFamily="34" charset="0"/>
+              <a:buChar char="•"/>
+              <a:defRPr sz="1800" kern="1200">
+                <a:solidFill>
+                  <a:schemeClr val="tx1"/>
+                </a:solidFill>
+                <a:latin typeface="+mn-lt"/>
+                <a:ea typeface="+mn-ea"/>
+                <a:cs typeface="+mn-cs"/>
+              </a:defRPr>
+            </a:lvl6pPr>
+            <a:lvl7pPr marL="2971800" indent="-228600" algn="l" defTabSz="914400" rtl="0" eaLnBrk="1" latinLnBrk="0" hangingPunct="1">
+              <a:lnSpc>
+                <a:spcPct val="90000"/>
+              </a:lnSpc>
+              <a:spcBef>
+                <a:spcPts val="500"/>
+              </a:spcBef>
+              <a:buFont typeface="Arial" panose="020B0604020202020204" pitchFamily="34" charset="0"/>
+              <a:buChar char="•"/>
+              <a:defRPr sz="1800" kern="1200">
+                <a:solidFill>
+                  <a:schemeClr val="tx1"/>
+                </a:solidFill>
+                <a:latin typeface="+mn-lt"/>
+                <a:ea typeface="+mn-ea"/>
+                <a:cs typeface="+mn-cs"/>
+              </a:defRPr>
+            </a:lvl7pPr>
+            <a:lvl8pPr marL="3429000" indent="-228600" algn="l" defTabSz="914400" rtl="0" eaLnBrk="1" latinLnBrk="0" hangingPunct="1">
+              <a:lnSpc>
+                <a:spcPct val="90000"/>
+              </a:lnSpc>
+              <a:spcBef>
+                <a:spcPts val="500"/>
+              </a:spcBef>
+              <a:buFont typeface="Arial" panose="020B0604020202020204" pitchFamily="34" charset="0"/>
+              <a:buChar char="•"/>
+              <a:defRPr sz="1800" kern="1200">
+                <a:solidFill>
+                  <a:schemeClr val="tx1"/>
+                </a:solidFill>
+                <a:latin typeface="+mn-lt"/>
+                <a:ea typeface="+mn-ea"/>
+                <a:cs typeface="+mn-cs"/>
+              </a:defRPr>
+            </a:lvl8pPr>
+            <a:lvl9pPr marL="3886200" indent="-228600" algn="l" defTabSz="914400" rtl="0" eaLnBrk="1" latinLnBrk="0" hangingPunct="1">
+              <a:lnSpc>
+                <a:spcPct val="90000"/>
+              </a:lnSpc>
+              <a:spcBef>
+                <a:spcPts val="500"/>
+              </a:spcBef>
+              <a:buFont typeface="Arial" panose="020B0604020202020204" pitchFamily="34" charset="0"/>
+              <a:buChar char="•"/>
+              <a:defRPr sz="1800" kern="1200">
+                <a:solidFill>
+                  <a:schemeClr val="tx1"/>
+                </a:solidFill>
+                <a:latin typeface="+mn-lt"/>
+                <a:ea typeface="+mn-ea"/>
+                <a:cs typeface="+mn-cs"/>
+              </a:defRPr>
+            </a:lvl9pPr>
+          </a:lstStyle>
+          <a:p>
+            <a:pPr marL="0" marR="0" lvl="0" indent="0" algn="ctr" defTabSz="914400" rtl="0" eaLnBrk="1" fontAlgn="auto" latinLnBrk="0" hangingPunct="1">
+              <a:lnSpc>
+                <a:spcPct val="90000"/>
+              </a:lnSpc>
+              <a:spcBef>
+                <a:spcPts val="1000"/>
+              </a:spcBef>
+              <a:spcAft>
+                <a:spcPts val="0"/>
+              </a:spcAft>
+              <a:buClrTx/>
+              <a:buSzTx/>
+              <a:buFont typeface="Arial" panose="020B0604020202020204" pitchFamily="34" charset="0"/>
+              <a:buNone/>
+              <a:tabLst/>
+              <a:defRPr/>
+            </a:pPr>
+            <a:r>
+              <a:rPr kumimoji="0" lang="pl-PL" sz="2400" b="0" i="0" u="none" strike="noStrike" kern="1200" cap="none" spc="0" normalizeH="0" baseline="0" noProof="0" dirty="0">
+                <a:ln>
+                  <a:noFill/>
+                </a:ln>
+                <a:solidFill>
+                  <a:prstClr val="white"/>
+                </a:solidFill>
+                <a:effectLst/>
+                <a:uLnTx/>
+                <a:uFillTx/>
+                <a:latin typeface="Calibri" panose="020F0502020204030204"/>
+                <a:ea typeface="+mn-ea"/>
+                <a:cs typeface="+mn-cs"/>
+              </a:rPr>
+              <a:t>punkt fiksacji, zmiana koloru w oczekiwaniu na odpowiedź</a:t>
+            </a:r>
+            <a:endParaRPr kumimoji="0" lang="en-US" sz="2400" b="0" i="0" u="none" strike="noStrike" kern="1200" cap="none" spc="0" normalizeH="0" baseline="0" noProof="0" dirty="0">
+              <a:ln>
+                <a:noFill/>
+              </a:ln>
+              <a:solidFill>
+                <a:prstClr val="white"/>
+              </a:solidFill>
+              <a:effectLst/>
+              <a:uLnTx/>
+              <a:uFillTx/>
+              <a:latin typeface="Calibri" panose="020F0502020204030204"/>
+              <a:ea typeface="+mn-ea"/>
+              <a:cs typeface="+mn-cs"/>
+            </a:endParaRPr>
+          </a:p>
+        </p:txBody>
+      </p:sp>
+      <p:sp>
+        <p:nvSpPr>
+          <p:cNvPr id="21" name="Content Placeholder 2">
+            <a:extLst>
+              <a:ext uri="{FF2B5EF4-FFF2-40B4-BE49-F238E27FC236}">
+                <a16:creationId xmlns:a16="http://schemas.microsoft.com/office/drawing/2014/main" id="{1A103150-2D36-4D49-BDFE-B83702642133}"/>
+              </a:ext>
+            </a:extLst>
+          </p:cNvPr>
+          <p:cNvSpPr txBox="1">
+            <a:spLocks/>
+          </p:cNvSpPr>
+          <p:nvPr/>
+        </p:nvSpPr>
+        <p:spPr>
+          <a:xfrm>
+            <a:off x="3054311" y="2785139"/>
+            <a:ext cx="896354" cy="740677"/>
+          </a:xfrm>
+          <a:prstGeom prst="rect">
+            <a:avLst/>
+          </a:prstGeom>
+        </p:spPr>
+        <p:txBody>
+          <a:bodyPr vert="horz" lIns="91440" tIns="45720" rIns="91440" bIns="45720" rtlCol="0" anchor="ctr" anchorCtr="1">
+            <a:noAutofit/>
+          </a:bodyPr>
+          <a:lstStyle>
+            <a:lvl1pPr marL="228600" indent="-228600" algn="l" defTabSz="914400" rtl="0" eaLnBrk="1" latinLnBrk="0" hangingPunct="1">
+              <a:lnSpc>
+                <a:spcPct val="90000"/>
+              </a:lnSpc>
+              <a:spcBef>
+                <a:spcPts val="1000"/>
+              </a:spcBef>
+              <a:buFont typeface="Arial" panose="020B0604020202020204" pitchFamily="34" charset="0"/>
+              <a:buChar char="•"/>
+              <a:defRPr sz="2800" kern="1200">
+                <a:solidFill>
+                  <a:schemeClr val="tx1"/>
+                </a:solidFill>
+                <a:latin typeface="+mn-lt"/>
+                <a:ea typeface="+mn-ea"/>
+                <a:cs typeface="+mn-cs"/>
+              </a:defRPr>
+            </a:lvl1pPr>
+            <a:lvl2pPr marL="685800" indent="-228600" algn="l" defTabSz="914400" rtl="0" eaLnBrk="1" latinLnBrk="0" hangingPunct="1">
+              <a:lnSpc>
+                <a:spcPct val="90000"/>
+              </a:lnSpc>
+              <a:spcBef>
+                <a:spcPts val="500"/>
+              </a:spcBef>
+              <a:buFont typeface="Arial" panose="020B0604020202020204" pitchFamily="34" charset="0"/>
+              <a:buChar char="•"/>
+              <a:defRPr sz="2400" kern="1200">
+                <a:solidFill>
+                  <a:schemeClr val="tx1"/>
+                </a:solidFill>
+                <a:latin typeface="+mn-lt"/>
+                <a:ea typeface="+mn-ea"/>
+                <a:cs typeface="+mn-cs"/>
+              </a:defRPr>
+            </a:lvl2pPr>
+            <a:lvl3pPr marL="1143000" indent="-228600" algn="l" defTabSz="914400" rtl="0" eaLnBrk="1" latinLnBrk="0" hangingPunct="1">
+              <a:lnSpc>
+                <a:spcPct val="90000"/>
+              </a:lnSpc>
+              <a:spcBef>
+                <a:spcPts val="500"/>
+              </a:spcBef>
+              <a:buFont typeface="Arial" panose="020B0604020202020204" pitchFamily="34" charset="0"/>
+              <a:buChar char="•"/>
+              <a:defRPr sz="2000" kern="1200">
+                <a:solidFill>
+                  <a:schemeClr val="tx1"/>
+                </a:solidFill>
+                <a:latin typeface="+mn-lt"/>
+                <a:ea typeface="+mn-ea"/>
+                <a:cs typeface="+mn-cs"/>
+              </a:defRPr>
+            </a:lvl3pPr>
+            <a:lvl4pPr marL="1600200" indent="-228600" algn="l" defTabSz="914400" rtl="0" eaLnBrk="1" latinLnBrk="0" hangingPunct="1">
+              <a:lnSpc>
+                <a:spcPct val="90000"/>
+              </a:lnSpc>
+              <a:spcBef>
+                <a:spcPts val="500"/>
+              </a:spcBef>
+              <a:buFont typeface="Arial" panose="020B0604020202020204" pitchFamily="34" charset="0"/>
+              <a:buChar char="•"/>
+              <a:defRPr sz="1800" kern="1200">
+                <a:solidFill>
+                  <a:schemeClr val="tx1"/>
+                </a:solidFill>
+                <a:latin typeface="+mn-lt"/>
+                <a:ea typeface="+mn-ea"/>
+                <a:cs typeface="+mn-cs"/>
+              </a:defRPr>
+            </a:lvl4pPr>
+            <a:lvl5pPr marL="2057400" indent="-228600" algn="l" defTabSz="914400" rtl="0" eaLnBrk="1" latinLnBrk="0" hangingPunct="1">
+              <a:lnSpc>
+                <a:spcPct val="90000"/>
+              </a:lnSpc>
+              <a:spcBef>
+                <a:spcPts val="500"/>
+              </a:spcBef>
+              <a:buFont typeface="Arial" panose="020B0604020202020204" pitchFamily="34" charset="0"/>
+              <a:buChar char="•"/>
+              <a:defRPr sz="1800" kern="1200">
+                <a:solidFill>
+                  <a:schemeClr val="tx1"/>
+                </a:solidFill>
+                <a:latin typeface="+mn-lt"/>
+                <a:ea typeface="+mn-ea"/>
+                <a:cs typeface="+mn-cs"/>
+              </a:defRPr>
+            </a:lvl5pPr>
+            <a:lvl6pPr marL="2514600" indent="-228600" algn="l" defTabSz="914400" rtl="0" eaLnBrk="1" latinLnBrk="0" hangingPunct="1">
+              <a:lnSpc>
+                <a:spcPct val="90000"/>
+              </a:lnSpc>
+              <a:spcBef>
+                <a:spcPts val="500"/>
+              </a:spcBef>
+              <a:buFont typeface="Arial" panose="020B0604020202020204" pitchFamily="34" charset="0"/>
+              <a:buChar char="•"/>
+              <a:defRPr sz="1800" kern="1200">
+                <a:solidFill>
+                  <a:schemeClr val="tx1"/>
+                </a:solidFill>
+                <a:latin typeface="+mn-lt"/>
+                <a:ea typeface="+mn-ea"/>
+                <a:cs typeface="+mn-cs"/>
+              </a:defRPr>
+            </a:lvl6pPr>
+            <a:lvl7pPr marL="2971800" indent="-228600" algn="l" defTabSz="914400" rtl="0" eaLnBrk="1" latinLnBrk="0" hangingPunct="1">
+              <a:lnSpc>
+                <a:spcPct val="90000"/>
+              </a:lnSpc>
+              <a:spcBef>
+                <a:spcPts val="500"/>
+              </a:spcBef>
+              <a:buFont typeface="Arial" panose="020B0604020202020204" pitchFamily="34" charset="0"/>
+              <a:buChar char="•"/>
+              <a:defRPr sz="1800" kern="1200">
+                <a:solidFill>
+                  <a:schemeClr val="tx1"/>
+                </a:solidFill>
+                <a:latin typeface="+mn-lt"/>
+                <a:ea typeface="+mn-ea"/>
+                <a:cs typeface="+mn-cs"/>
+              </a:defRPr>
+            </a:lvl7pPr>
+            <a:lvl8pPr marL="3429000" indent="-228600" algn="l" defTabSz="914400" rtl="0" eaLnBrk="1" latinLnBrk="0" hangingPunct="1">
+              <a:lnSpc>
+                <a:spcPct val="90000"/>
+              </a:lnSpc>
+              <a:spcBef>
+                <a:spcPts val="500"/>
+              </a:spcBef>
+              <a:buFont typeface="Arial" panose="020B0604020202020204" pitchFamily="34" charset="0"/>
+              <a:buChar char="•"/>
+              <a:defRPr sz="1800" kern="1200">
+                <a:solidFill>
+                  <a:schemeClr val="tx1"/>
+                </a:solidFill>
+                <a:latin typeface="+mn-lt"/>
+                <a:ea typeface="+mn-ea"/>
+                <a:cs typeface="+mn-cs"/>
+              </a:defRPr>
+            </a:lvl8pPr>
+            <a:lvl9pPr marL="3886200" indent="-228600" algn="l" defTabSz="914400" rtl="0" eaLnBrk="1" latinLnBrk="0" hangingPunct="1">
+              <a:lnSpc>
+                <a:spcPct val="90000"/>
+              </a:lnSpc>
+              <a:spcBef>
+                <a:spcPts val="500"/>
+              </a:spcBef>
+              <a:buFont typeface="Arial" panose="020B0604020202020204" pitchFamily="34" charset="0"/>
+              <a:buChar char="•"/>
+              <a:defRPr sz="1800" kern="1200">
+                <a:solidFill>
+                  <a:schemeClr val="tx1"/>
+                </a:solidFill>
+                <a:latin typeface="+mn-lt"/>
+                <a:ea typeface="+mn-ea"/>
+                <a:cs typeface="+mn-cs"/>
+              </a:defRPr>
+            </a:lvl9pPr>
+          </a:lstStyle>
+          <a:p>
+            <a:pPr marL="0" indent="0" algn="ctr">
+              <a:buFont typeface="Arial" panose="020B0604020202020204" pitchFamily="34" charset="0"/>
+              <a:buNone/>
+            </a:pPr>
+            <a:r>
+              <a:rPr lang="pl-PL" sz="6600" dirty="0">
+                <a:solidFill>
+                  <a:schemeClr val="bg1"/>
+                </a:solidFill>
+                <a:latin typeface="Bell MT" panose="02020503060305020303" pitchFamily="18" charset="0"/>
+              </a:rPr>
+              <a:t>+</a:t>
+            </a:r>
+            <a:endParaRPr lang="en-US" sz="6600" dirty="0">
+              <a:solidFill>
+                <a:schemeClr val="bg1"/>
+              </a:solidFill>
+              <a:latin typeface="Bell MT" panose="02020503060305020303" pitchFamily="18" charset="0"/>
+            </a:endParaRPr>
+          </a:p>
+        </p:txBody>
+      </p:sp>
+      <p:sp>
+        <p:nvSpPr>
+          <p:cNvPr id="25" name="Content Placeholder 2">
+            <a:extLst>
+              <a:ext uri="{FF2B5EF4-FFF2-40B4-BE49-F238E27FC236}">
+                <a16:creationId xmlns:a16="http://schemas.microsoft.com/office/drawing/2014/main" id="{8CB99B68-3104-4312-BECE-7B0DF2981B7A}"/>
+              </a:ext>
+            </a:extLst>
+          </p:cNvPr>
+          <p:cNvSpPr txBox="1">
+            <a:spLocks/>
+          </p:cNvSpPr>
+          <p:nvPr/>
+        </p:nvSpPr>
+        <p:spPr>
+          <a:xfrm>
+            <a:off x="5573334" y="2770037"/>
+            <a:ext cx="896354" cy="740677"/>
+          </a:xfrm>
+          <a:prstGeom prst="rect">
+            <a:avLst/>
+          </a:prstGeom>
+        </p:spPr>
+        <p:txBody>
+          <a:bodyPr vert="horz" lIns="91440" tIns="45720" rIns="91440" bIns="45720" rtlCol="0" anchor="ctr" anchorCtr="1">
+            <a:noAutofit/>
+          </a:bodyPr>
+          <a:lstStyle>
+            <a:lvl1pPr marL="228600" indent="-228600" algn="l" defTabSz="914400" rtl="0" eaLnBrk="1" latinLnBrk="0" hangingPunct="1">
+              <a:lnSpc>
+                <a:spcPct val="90000"/>
+              </a:lnSpc>
+              <a:spcBef>
+                <a:spcPts val="1000"/>
+              </a:spcBef>
+              <a:buFont typeface="Arial" panose="020B0604020202020204" pitchFamily="34" charset="0"/>
+              <a:buChar char="•"/>
+              <a:defRPr sz="2800" kern="1200">
+                <a:solidFill>
+                  <a:schemeClr val="tx1"/>
+                </a:solidFill>
+                <a:latin typeface="+mn-lt"/>
+                <a:ea typeface="+mn-ea"/>
+                <a:cs typeface="+mn-cs"/>
+              </a:defRPr>
+            </a:lvl1pPr>
+            <a:lvl2pPr marL="685800" indent="-228600" algn="l" defTabSz="914400" rtl="0" eaLnBrk="1" latinLnBrk="0" hangingPunct="1">
+              <a:lnSpc>
+                <a:spcPct val="90000"/>
+              </a:lnSpc>
+              <a:spcBef>
+                <a:spcPts val="500"/>
+              </a:spcBef>
+              <a:buFont typeface="Arial" panose="020B0604020202020204" pitchFamily="34" charset="0"/>
+              <a:buChar char="•"/>
+              <a:defRPr sz="2400" kern="1200">
+                <a:solidFill>
+                  <a:schemeClr val="tx1"/>
+                </a:solidFill>
+                <a:latin typeface="+mn-lt"/>
+                <a:ea typeface="+mn-ea"/>
+                <a:cs typeface="+mn-cs"/>
+              </a:defRPr>
+            </a:lvl2pPr>
+            <a:lvl3pPr marL="1143000" indent="-228600" algn="l" defTabSz="914400" rtl="0" eaLnBrk="1" latinLnBrk="0" hangingPunct="1">
+              <a:lnSpc>
+                <a:spcPct val="90000"/>
+              </a:lnSpc>
+              <a:spcBef>
+                <a:spcPts val="500"/>
+              </a:spcBef>
+              <a:buFont typeface="Arial" panose="020B0604020202020204" pitchFamily="34" charset="0"/>
+              <a:buChar char="•"/>
+              <a:defRPr sz="2000" kern="1200">
+                <a:solidFill>
+                  <a:schemeClr val="tx1"/>
+                </a:solidFill>
+                <a:latin typeface="+mn-lt"/>
+                <a:ea typeface="+mn-ea"/>
+                <a:cs typeface="+mn-cs"/>
+              </a:defRPr>
+            </a:lvl3pPr>
+            <a:lvl4pPr marL="1600200" indent="-228600" algn="l" defTabSz="914400" rtl="0" eaLnBrk="1" latinLnBrk="0" hangingPunct="1">
+              <a:lnSpc>
+                <a:spcPct val="90000"/>
+              </a:lnSpc>
+              <a:spcBef>
+                <a:spcPts val="500"/>
+              </a:spcBef>
+              <a:buFont typeface="Arial" panose="020B0604020202020204" pitchFamily="34" charset="0"/>
+              <a:buChar char="•"/>
+              <a:defRPr sz="1800" kern="1200">
+                <a:solidFill>
+                  <a:schemeClr val="tx1"/>
+                </a:solidFill>
+                <a:latin typeface="+mn-lt"/>
+                <a:ea typeface="+mn-ea"/>
+                <a:cs typeface="+mn-cs"/>
+              </a:defRPr>
+            </a:lvl4pPr>
+            <a:lvl5pPr marL="2057400" indent="-228600" algn="l" defTabSz="914400" rtl="0" eaLnBrk="1" latinLnBrk="0" hangingPunct="1">
+              <a:lnSpc>
+                <a:spcPct val="90000"/>
+              </a:lnSpc>
+              <a:spcBef>
+                <a:spcPts val="500"/>
+              </a:spcBef>
+              <a:buFont typeface="Arial" panose="020B0604020202020204" pitchFamily="34" charset="0"/>
+              <a:buChar char="•"/>
+              <a:defRPr sz="1800" kern="1200">
+                <a:solidFill>
+                  <a:schemeClr val="tx1"/>
+                </a:solidFill>
+                <a:latin typeface="+mn-lt"/>
+                <a:ea typeface="+mn-ea"/>
+                <a:cs typeface="+mn-cs"/>
+              </a:defRPr>
+            </a:lvl5pPr>
+            <a:lvl6pPr marL="2514600" indent="-228600" algn="l" defTabSz="914400" rtl="0" eaLnBrk="1" latinLnBrk="0" hangingPunct="1">
+              <a:lnSpc>
+                <a:spcPct val="90000"/>
+              </a:lnSpc>
+              <a:spcBef>
+                <a:spcPts val="500"/>
+              </a:spcBef>
+              <a:buFont typeface="Arial" panose="020B0604020202020204" pitchFamily="34" charset="0"/>
+              <a:buChar char="•"/>
+              <a:defRPr sz="1800" kern="1200">
+                <a:solidFill>
+                  <a:schemeClr val="tx1"/>
+                </a:solidFill>
+                <a:latin typeface="+mn-lt"/>
+                <a:ea typeface="+mn-ea"/>
+                <a:cs typeface="+mn-cs"/>
+              </a:defRPr>
+            </a:lvl6pPr>
+            <a:lvl7pPr marL="2971800" indent="-228600" algn="l" defTabSz="914400" rtl="0" eaLnBrk="1" latinLnBrk="0" hangingPunct="1">
+              <a:lnSpc>
+                <a:spcPct val="90000"/>
+              </a:lnSpc>
+              <a:spcBef>
+                <a:spcPts val="500"/>
+              </a:spcBef>
+              <a:buFont typeface="Arial" panose="020B0604020202020204" pitchFamily="34" charset="0"/>
+              <a:buChar char="•"/>
+              <a:defRPr sz="1800" kern="1200">
+                <a:solidFill>
+                  <a:schemeClr val="tx1"/>
+                </a:solidFill>
+                <a:latin typeface="+mn-lt"/>
+                <a:ea typeface="+mn-ea"/>
+                <a:cs typeface="+mn-cs"/>
+              </a:defRPr>
+            </a:lvl7pPr>
+            <a:lvl8pPr marL="3429000" indent="-228600" algn="l" defTabSz="914400" rtl="0" eaLnBrk="1" latinLnBrk="0" hangingPunct="1">
+              <a:lnSpc>
+                <a:spcPct val="90000"/>
+              </a:lnSpc>
+              <a:spcBef>
+                <a:spcPts val="500"/>
+              </a:spcBef>
+              <a:buFont typeface="Arial" panose="020B0604020202020204" pitchFamily="34" charset="0"/>
+              <a:buChar char="•"/>
+              <a:defRPr sz="1800" kern="1200">
+                <a:solidFill>
+                  <a:schemeClr val="tx1"/>
+                </a:solidFill>
+                <a:latin typeface="+mn-lt"/>
+                <a:ea typeface="+mn-ea"/>
+                <a:cs typeface="+mn-cs"/>
+              </a:defRPr>
+            </a:lvl8pPr>
+            <a:lvl9pPr marL="3886200" indent="-228600" algn="l" defTabSz="914400" rtl="0" eaLnBrk="1" latinLnBrk="0" hangingPunct="1">
+              <a:lnSpc>
+                <a:spcPct val="90000"/>
+              </a:lnSpc>
+              <a:spcBef>
+                <a:spcPts val="500"/>
+              </a:spcBef>
+              <a:buFont typeface="Arial" panose="020B0604020202020204" pitchFamily="34" charset="0"/>
+              <a:buChar char="•"/>
+              <a:defRPr sz="1800" kern="1200">
+                <a:solidFill>
+                  <a:schemeClr val="tx1"/>
+                </a:solidFill>
+                <a:latin typeface="+mn-lt"/>
+                <a:ea typeface="+mn-ea"/>
+                <a:cs typeface="+mn-cs"/>
+              </a:defRPr>
+            </a:lvl9pPr>
+          </a:lstStyle>
+          <a:p>
+            <a:pPr marL="0" indent="0" algn="ctr">
+              <a:buFont typeface="Arial" panose="020B0604020202020204" pitchFamily="34" charset="0"/>
+              <a:buNone/>
+            </a:pPr>
+            <a:r>
+              <a:rPr lang="pl-PL" sz="6600" dirty="0">
+                <a:solidFill>
+                  <a:schemeClr val="bg1"/>
+                </a:solidFill>
+                <a:latin typeface="Bell MT" panose="02020503060305020303" pitchFamily="18" charset="0"/>
+              </a:rPr>
+              <a:t>+</a:t>
+            </a:r>
+            <a:endParaRPr lang="en-US" sz="6600" dirty="0">
+              <a:solidFill>
+                <a:schemeClr val="bg1"/>
+              </a:solidFill>
+              <a:latin typeface="Bell MT" panose="02020503060305020303" pitchFamily="18" charset="0"/>
+            </a:endParaRPr>
+          </a:p>
+        </p:txBody>
+      </p:sp>
+      <p:sp>
+        <p:nvSpPr>
+          <p:cNvPr id="26" name="Content Placeholder 2">
+            <a:extLst>
+              <a:ext uri="{FF2B5EF4-FFF2-40B4-BE49-F238E27FC236}">
+                <a16:creationId xmlns:a16="http://schemas.microsoft.com/office/drawing/2014/main" id="{B5E9A8A9-FBB9-474F-945D-11E9DAD27CF8}"/>
+              </a:ext>
+            </a:extLst>
+          </p:cNvPr>
+          <p:cNvSpPr txBox="1">
+            <a:spLocks/>
+          </p:cNvSpPr>
+          <p:nvPr/>
+        </p:nvSpPr>
+        <p:spPr>
+          <a:xfrm>
+            <a:off x="1110460" y="4668657"/>
+            <a:ext cx="9971079" cy="1063077"/>
+          </a:xfrm>
+          <a:prstGeom prst="rect">
+            <a:avLst/>
+          </a:prstGeom>
+        </p:spPr>
+        <p:txBody>
+          <a:bodyPr vert="horz" lIns="91440" tIns="45720" rIns="91440" bIns="45720" rtlCol="0">
+            <a:normAutofit/>
+          </a:bodyPr>
+          <a:lstStyle>
+            <a:lvl1pPr marL="228600" indent="-228600" algn="l" defTabSz="914400" rtl="0" eaLnBrk="1" latinLnBrk="0" hangingPunct="1">
+              <a:lnSpc>
+                <a:spcPct val="90000"/>
+              </a:lnSpc>
+              <a:spcBef>
+                <a:spcPts val="1000"/>
+              </a:spcBef>
+              <a:buFont typeface="Arial" panose="020B0604020202020204" pitchFamily="34" charset="0"/>
+              <a:buChar char="•"/>
+              <a:defRPr sz="2800" kern="1200">
+                <a:solidFill>
+                  <a:schemeClr val="tx1"/>
+                </a:solidFill>
+                <a:latin typeface="+mn-lt"/>
+                <a:ea typeface="+mn-ea"/>
+                <a:cs typeface="+mn-cs"/>
+              </a:defRPr>
+            </a:lvl1pPr>
+            <a:lvl2pPr marL="685800" indent="-228600" algn="l" defTabSz="914400" rtl="0" eaLnBrk="1" latinLnBrk="0" hangingPunct="1">
+              <a:lnSpc>
+                <a:spcPct val="90000"/>
+              </a:lnSpc>
+              <a:spcBef>
+                <a:spcPts val="500"/>
+              </a:spcBef>
+              <a:buFont typeface="Arial" panose="020B0604020202020204" pitchFamily="34" charset="0"/>
+              <a:buChar char="•"/>
+              <a:defRPr sz="2400" kern="1200">
+                <a:solidFill>
+                  <a:schemeClr val="tx1"/>
+                </a:solidFill>
+                <a:latin typeface="+mn-lt"/>
+                <a:ea typeface="+mn-ea"/>
+                <a:cs typeface="+mn-cs"/>
+              </a:defRPr>
+            </a:lvl2pPr>
+            <a:lvl3pPr marL="1143000" indent="-228600" algn="l" defTabSz="914400" rtl="0" eaLnBrk="1" latinLnBrk="0" hangingPunct="1">
+              <a:lnSpc>
+                <a:spcPct val="90000"/>
+              </a:lnSpc>
+              <a:spcBef>
+                <a:spcPts val="500"/>
+              </a:spcBef>
+              <a:buFont typeface="Arial" panose="020B0604020202020204" pitchFamily="34" charset="0"/>
+              <a:buChar char="•"/>
+              <a:defRPr sz="2000" kern="1200">
+                <a:solidFill>
+                  <a:schemeClr val="tx1"/>
+                </a:solidFill>
+                <a:latin typeface="+mn-lt"/>
+                <a:ea typeface="+mn-ea"/>
+                <a:cs typeface="+mn-cs"/>
+              </a:defRPr>
+            </a:lvl3pPr>
+            <a:lvl4pPr marL="1600200" indent="-228600" algn="l" defTabSz="914400" rtl="0" eaLnBrk="1" latinLnBrk="0" hangingPunct="1">
+              <a:lnSpc>
+                <a:spcPct val="90000"/>
+              </a:lnSpc>
+              <a:spcBef>
+                <a:spcPts val="500"/>
+              </a:spcBef>
+              <a:buFont typeface="Arial" panose="020B0604020202020204" pitchFamily="34" charset="0"/>
+              <a:buChar char="•"/>
+              <a:defRPr sz="1800" kern="1200">
+                <a:solidFill>
+                  <a:schemeClr val="tx1"/>
+                </a:solidFill>
+                <a:latin typeface="+mn-lt"/>
+                <a:ea typeface="+mn-ea"/>
+                <a:cs typeface="+mn-cs"/>
+              </a:defRPr>
+            </a:lvl4pPr>
+            <a:lvl5pPr marL="2057400" indent="-228600" algn="l" defTabSz="914400" rtl="0" eaLnBrk="1" latinLnBrk="0" hangingPunct="1">
+              <a:lnSpc>
+                <a:spcPct val="90000"/>
+              </a:lnSpc>
+              <a:spcBef>
+                <a:spcPts val="500"/>
+              </a:spcBef>
+              <a:buFont typeface="Arial" panose="020B0604020202020204" pitchFamily="34" charset="0"/>
+              <a:buChar char="•"/>
+              <a:defRPr sz="1800" kern="1200">
+                <a:solidFill>
+                  <a:schemeClr val="tx1"/>
+                </a:solidFill>
+                <a:latin typeface="+mn-lt"/>
+                <a:ea typeface="+mn-ea"/>
+                <a:cs typeface="+mn-cs"/>
+              </a:defRPr>
+            </a:lvl5pPr>
+            <a:lvl6pPr marL="2514600" indent="-228600" algn="l" defTabSz="914400" rtl="0" eaLnBrk="1" latinLnBrk="0" hangingPunct="1">
+              <a:lnSpc>
+                <a:spcPct val="90000"/>
+              </a:lnSpc>
+              <a:spcBef>
+                <a:spcPts val="500"/>
+              </a:spcBef>
+              <a:buFont typeface="Arial" panose="020B0604020202020204" pitchFamily="34" charset="0"/>
+              <a:buChar char="•"/>
+              <a:defRPr sz="1800" kern="1200">
+                <a:solidFill>
+                  <a:schemeClr val="tx1"/>
+                </a:solidFill>
+                <a:latin typeface="+mn-lt"/>
+                <a:ea typeface="+mn-ea"/>
+                <a:cs typeface="+mn-cs"/>
+              </a:defRPr>
+            </a:lvl6pPr>
+            <a:lvl7pPr marL="2971800" indent="-228600" algn="l" defTabSz="914400" rtl="0" eaLnBrk="1" latinLnBrk="0" hangingPunct="1">
+              <a:lnSpc>
+                <a:spcPct val="90000"/>
+              </a:lnSpc>
+              <a:spcBef>
+                <a:spcPts val="500"/>
+              </a:spcBef>
+              <a:buFont typeface="Arial" panose="020B0604020202020204" pitchFamily="34" charset="0"/>
+              <a:buChar char="•"/>
+              <a:defRPr sz="1800" kern="1200">
+                <a:solidFill>
+                  <a:schemeClr val="tx1"/>
+                </a:solidFill>
+                <a:latin typeface="+mn-lt"/>
+                <a:ea typeface="+mn-ea"/>
+                <a:cs typeface="+mn-cs"/>
+              </a:defRPr>
+            </a:lvl7pPr>
+            <a:lvl8pPr marL="3429000" indent="-228600" algn="l" defTabSz="914400" rtl="0" eaLnBrk="1" latinLnBrk="0" hangingPunct="1">
+              <a:lnSpc>
+                <a:spcPct val="90000"/>
+              </a:lnSpc>
+              <a:spcBef>
+                <a:spcPts val="500"/>
+              </a:spcBef>
+              <a:buFont typeface="Arial" panose="020B0604020202020204" pitchFamily="34" charset="0"/>
+              <a:buChar char="•"/>
+              <a:defRPr sz="1800" kern="1200">
+                <a:solidFill>
+                  <a:schemeClr val="tx1"/>
+                </a:solidFill>
+                <a:latin typeface="+mn-lt"/>
+                <a:ea typeface="+mn-ea"/>
+                <a:cs typeface="+mn-cs"/>
+              </a:defRPr>
+            </a:lvl8pPr>
+            <a:lvl9pPr marL="3886200" indent="-228600" algn="l" defTabSz="914400" rtl="0" eaLnBrk="1" latinLnBrk="0" hangingPunct="1">
+              <a:lnSpc>
+                <a:spcPct val="90000"/>
+              </a:lnSpc>
+              <a:spcBef>
+                <a:spcPts val="500"/>
+              </a:spcBef>
+              <a:buFont typeface="Arial" panose="020B0604020202020204" pitchFamily="34" charset="0"/>
+              <a:buChar char="•"/>
+              <a:defRPr sz="1800" kern="1200">
+                <a:solidFill>
+                  <a:schemeClr val="tx1"/>
+                </a:solidFill>
+                <a:latin typeface="+mn-lt"/>
+                <a:ea typeface="+mn-ea"/>
+                <a:cs typeface="+mn-cs"/>
+              </a:defRPr>
+            </a:lvl9pPr>
+          </a:lstStyle>
+          <a:p>
+            <a:pPr marL="0" marR="0" lvl="0" indent="0" algn="ctr" defTabSz="914400" rtl="0" eaLnBrk="1" fontAlgn="auto" latinLnBrk="0" hangingPunct="1">
+              <a:lnSpc>
+                <a:spcPct val="90000"/>
+              </a:lnSpc>
+              <a:spcBef>
+                <a:spcPts val="1000"/>
+              </a:spcBef>
+              <a:spcAft>
+                <a:spcPts val="0"/>
+              </a:spcAft>
+              <a:buClrTx/>
+              <a:buSzTx/>
+              <a:buFont typeface="Arial" panose="020B0604020202020204" pitchFamily="34" charset="0"/>
+              <a:buNone/>
+              <a:tabLst/>
+              <a:defRPr/>
+            </a:pPr>
+            <a:r>
+              <a:rPr lang="pl-PL" sz="2200" dirty="0">
+                <a:solidFill>
+                  <a:prstClr val="white"/>
+                </a:solidFill>
+                <a:latin typeface="Calibri" panose="020F0502020204030204"/>
+              </a:rPr>
+              <a:t>Prosimy o odpowiedź w momencie zmiany koloru punktu fiksacji z białego na </a:t>
+            </a:r>
+            <a:r>
+              <a:rPr lang="pl-PL" sz="2200" dirty="0">
+                <a:solidFill>
+                  <a:srgbClr val="FF0000"/>
+                </a:solidFill>
+                <a:latin typeface="Calibri" panose="020F0502020204030204"/>
+              </a:rPr>
+              <a:t>czerwony</a:t>
+            </a:r>
+            <a:r>
+              <a:rPr lang="pl-PL" sz="2200" dirty="0">
+                <a:solidFill>
+                  <a:prstClr val="white"/>
+                </a:solidFill>
+                <a:latin typeface="Calibri" panose="020F0502020204030204"/>
+              </a:rPr>
+              <a:t>, nie wcześniej (system nie zaliczy wcześniejszych odpowiedzi). Na odpowiedź ma Pani/Pan tylko półtorej sekundy. Przy braku odpowiedzi wyświetli się szary krzyżyk.</a:t>
+            </a:r>
+            <a:endParaRPr kumimoji="0" lang="en-US" sz="2200" b="0" i="0" u="none" strike="noStrike" kern="1200" cap="none" spc="0" normalizeH="0" baseline="0" noProof="0" dirty="0">
+              <a:ln>
+                <a:noFill/>
+              </a:ln>
+              <a:solidFill>
+                <a:prstClr val="white"/>
+              </a:solidFill>
+              <a:effectLst/>
+              <a:uLnTx/>
+              <a:uFillTx/>
+              <a:latin typeface="Calibri" panose="020F0502020204030204"/>
+              <a:ea typeface="+mn-ea"/>
+              <a:cs typeface="+mn-cs"/>
+            </a:endParaRPr>
+          </a:p>
+        </p:txBody>
+      </p:sp>
+      <p:sp>
+        <p:nvSpPr>
+          <p:cNvPr id="27" name="Content Placeholder 2">
+            <a:extLst>
+              <a:ext uri="{FF2B5EF4-FFF2-40B4-BE49-F238E27FC236}">
+                <a16:creationId xmlns:a16="http://schemas.microsoft.com/office/drawing/2014/main" id="{4A3A2AF9-254C-44CC-AD99-5C7CA380E890}"/>
+              </a:ext>
+            </a:extLst>
+          </p:cNvPr>
+          <p:cNvSpPr txBox="1">
+            <a:spLocks/>
+          </p:cNvSpPr>
+          <p:nvPr/>
+        </p:nvSpPr>
+        <p:spPr>
+          <a:xfrm>
+            <a:off x="2536869" y="3731349"/>
+            <a:ext cx="1931238" cy="778941"/>
+          </a:xfrm>
+          <a:prstGeom prst="rect">
+            <a:avLst/>
+          </a:prstGeom>
+        </p:spPr>
+        <p:txBody>
+          <a:bodyPr vert="horz" lIns="91440" tIns="45720" rIns="91440" bIns="45720" rtlCol="0">
+            <a:normAutofit/>
+          </a:bodyPr>
+          <a:lstStyle>
+            <a:lvl1pPr marL="228600" indent="-228600" algn="l" defTabSz="914400" rtl="0" eaLnBrk="1" latinLnBrk="0" hangingPunct="1">
+              <a:lnSpc>
+                <a:spcPct val="90000"/>
+              </a:lnSpc>
+              <a:spcBef>
+                <a:spcPts val="1000"/>
+              </a:spcBef>
+              <a:buFont typeface="Arial" panose="020B0604020202020204" pitchFamily="34" charset="0"/>
+              <a:buChar char="•"/>
+              <a:defRPr sz="2800" kern="1200">
+                <a:solidFill>
+                  <a:schemeClr val="tx1"/>
+                </a:solidFill>
+                <a:latin typeface="+mn-lt"/>
+                <a:ea typeface="+mn-ea"/>
+                <a:cs typeface="+mn-cs"/>
+              </a:defRPr>
+            </a:lvl1pPr>
+            <a:lvl2pPr marL="685800" indent="-228600" algn="l" defTabSz="914400" rtl="0" eaLnBrk="1" latinLnBrk="0" hangingPunct="1">
+              <a:lnSpc>
+                <a:spcPct val="90000"/>
+              </a:lnSpc>
+              <a:spcBef>
+                <a:spcPts val="500"/>
+              </a:spcBef>
+              <a:buFont typeface="Arial" panose="020B0604020202020204" pitchFamily="34" charset="0"/>
+              <a:buChar char="•"/>
+              <a:defRPr sz="2400" kern="1200">
+                <a:solidFill>
+                  <a:schemeClr val="tx1"/>
+                </a:solidFill>
+                <a:latin typeface="+mn-lt"/>
+                <a:ea typeface="+mn-ea"/>
+                <a:cs typeface="+mn-cs"/>
+              </a:defRPr>
+            </a:lvl2pPr>
+            <a:lvl3pPr marL="1143000" indent="-228600" algn="l" defTabSz="914400" rtl="0" eaLnBrk="1" latinLnBrk="0" hangingPunct="1">
+              <a:lnSpc>
+                <a:spcPct val="90000"/>
+              </a:lnSpc>
+              <a:spcBef>
+                <a:spcPts val="500"/>
+              </a:spcBef>
+              <a:buFont typeface="Arial" panose="020B0604020202020204" pitchFamily="34" charset="0"/>
+              <a:buChar char="•"/>
+              <a:defRPr sz="2000" kern="1200">
+                <a:solidFill>
+                  <a:schemeClr val="tx1"/>
+                </a:solidFill>
+                <a:latin typeface="+mn-lt"/>
+                <a:ea typeface="+mn-ea"/>
+                <a:cs typeface="+mn-cs"/>
+              </a:defRPr>
+            </a:lvl3pPr>
+            <a:lvl4pPr marL="1600200" indent="-228600" algn="l" defTabSz="914400" rtl="0" eaLnBrk="1" latinLnBrk="0" hangingPunct="1">
+              <a:lnSpc>
+                <a:spcPct val="90000"/>
+              </a:lnSpc>
+              <a:spcBef>
+                <a:spcPts val="500"/>
+              </a:spcBef>
+              <a:buFont typeface="Arial" panose="020B0604020202020204" pitchFamily="34" charset="0"/>
+              <a:buChar char="•"/>
+              <a:defRPr sz="1800" kern="1200">
+                <a:solidFill>
+                  <a:schemeClr val="tx1"/>
+                </a:solidFill>
+                <a:latin typeface="+mn-lt"/>
+                <a:ea typeface="+mn-ea"/>
+                <a:cs typeface="+mn-cs"/>
+              </a:defRPr>
+            </a:lvl4pPr>
+            <a:lvl5pPr marL="2057400" indent="-228600" algn="l" defTabSz="914400" rtl="0" eaLnBrk="1" latinLnBrk="0" hangingPunct="1">
+              <a:lnSpc>
+                <a:spcPct val="90000"/>
+              </a:lnSpc>
+              <a:spcBef>
+                <a:spcPts val="500"/>
+              </a:spcBef>
+              <a:buFont typeface="Arial" panose="020B0604020202020204" pitchFamily="34" charset="0"/>
+              <a:buChar char="•"/>
+              <a:defRPr sz="1800" kern="1200">
+                <a:solidFill>
+                  <a:schemeClr val="tx1"/>
+                </a:solidFill>
+                <a:latin typeface="+mn-lt"/>
+                <a:ea typeface="+mn-ea"/>
+                <a:cs typeface="+mn-cs"/>
+              </a:defRPr>
+            </a:lvl5pPr>
+            <a:lvl6pPr marL="2514600" indent="-228600" algn="l" defTabSz="914400" rtl="0" eaLnBrk="1" latinLnBrk="0" hangingPunct="1">
+              <a:lnSpc>
+                <a:spcPct val="90000"/>
+              </a:lnSpc>
+              <a:spcBef>
+                <a:spcPts val="500"/>
+              </a:spcBef>
+              <a:buFont typeface="Arial" panose="020B0604020202020204" pitchFamily="34" charset="0"/>
+              <a:buChar char="•"/>
+              <a:defRPr sz="1800" kern="1200">
+                <a:solidFill>
+                  <a:schemeClr val="tx1"/>
+                </a:solidFill>
+                <a:latin typeface="+mn-lt"/>
+                <a:ea typeface="+mn-ea"/>
+                <a:cs typeface="+mn-cs"/>
+              </a:defRPr>
+            </a:lvl6pPr>
+            <a:lvl7pPr marL="2971800" indent="-228600" algn="l" defTabSz="914400" rtl="0" eaLnBrk="1" latinLnBrk="0" hangingPunct="1">
+              <a:lnSpc>
+                <a:spcPct val="90000"/>
+              </a:lnSpc>
+              <a:spcBef>
+                <a:spcPts val="500"/>
+              </a:spcBef>
+              <a:buFont typeface="Arial" panose="020B0604020202020204" pitchFamily="34" charset="0"/>
+              <a:buChar char="•"/>
+              <a:defRPr sz="1800" kern="1200">
+                <a:solidFill>
+                  <a:schemeClr val="tx1"/>
+                </a:solidFill>
+                <a:latin typeface="+mn-lt"/>
+                <a:ea typeface="+mn-ea"/>
+                <a:cs typeface="+mn-cs"/>
+              </a:defRPr>
+            </a:lvl7pPr>
+            <a:lvl8pPr marL="3429000" indent="-228600" algn="l" defTabSz="914400" rtl="0" eaLnBrk="1" latinLnBrk="0" hangingPunct="1">
+              <a:lnSpc>
+                <a:spcPct val="90000"/>
+              </a:lnSpc>
+              <a:spcBef>
+                <a:spcPts val="500"/>
+              </a:spcBef>
+              <a:buFont typeface="Arial" panose="020B0604020202020204" pitchFamily="34" charset="0"/>
+              <a:buChar char="•"/>
+              <a:defRPr sz="1800" kern="1200">
+                <a:solidFill>
+                  <a:schemeClr val="tx1"/>
+                </a:solidFill>
+                <a:latin typeface="+mn-lt"/>
+                <a:ea typeface="+mn-ea"/>
+                <a:cs typeface="+mn-cs"/>
+              </a:defRPr>
+            </a:lvl8pPr>
+            <a:lvl9pPr marL="3886200" indent="-228600" algn="l" defTabSz="914400" rtl="0" eaLnBrk="1" latinLnBrk="0" hangingPunct="1">
+              <a:lnSpc>
+                <a:spcPct val="90000"/>
+              </a:lnSpc>
+              <a:spcBef>
+                <a:spcPts val="500"/>
+              </a:spcBef>
+              <a:buFont typeface="Arial" panose="020B0604020202020204" pitchFamily="34" charset="0"/>
+              <a:buChar char="•"/>
+              <a:defRPr sz="1800" kern="1200">
+                <a:solidFill>
+                  <a:schemeClr val="tx1"/>
+                </a:solidFill>
+                <a:latin typeface="+mn-lt"/>
+                <a:ea typeface="+mn-ea"/>
+                <a:cs typeface="+mn-cs"/>
+              </a:defRPr>
+            </a:lvl9pPr>
+          </a:lstStyle>
+          <a:p>
+            <a:pPr marL="0" marR="0" lvl="0" indent="0" algn="ctr" defTabSz="914400" rtl="0" eaLnBrk="1" fontAlgn="auto" latinLnBrk="0" hangingPunct="1">
+              <a:lnSpc>
+                <a:spcPct val="90000"/>
+              </a:lnSpc>
+              <a:spcBef>
+                <a:spcPts val="1000"/>
+              </a:spcBef>
+              <a:spcAft>
+                <a:spcPts val="0"/>
+              </a:spcAft>
+              <a:buClrTx/>
+              <a:buSzTx/>
+              <a:buFont typeface="Arial" panose="020B0604020202020204" pitchFamily="34" charset="0"/>
+              <a:buNone/>
+              <a:tabLst/>
+              <a:defRPr/>
+            </a:pPr>
+            <a:r>
+              <a:rPr kumimoji="0" lang="pl-PL" sz="2200" b="0" i="0" u="none" strike="noStrike" kern="1200" cap="none" spc="0" normalizeH="0" baseline="0" noProof="0" dirty="0">
+                <a:ln>
+                  <a:noFill/>
+                </a:ln>
+                <a:solidFill>
+                  <a:prstClr val="white"/>
+                </a:solidFill>
+                <a:effectLst/>
+                <a:uLnTx/>
+                <a:uFillTx/>
+                <a:latin typeface="Calibri" panose="020F0502020204030204"/>
+                <a:ea typeface="+mn-ea"/>
+                <a:cs typeface="+mn-cs"/>
+              </a:rPr>
+              <a:t>punkt fiksacji (brak prymy)</a:t>
+            </a:r>
+            <a:endParaRPr kumimoji="0" lang="en-US" sz="2200" b="0" i="0" u="none" strike="noStrike" kern="1200" cap="none" spc="0" normalizeH="0" baseline="0" noProof="0" dirty="0">
+              <a:ln>
+                <a:noFill/>
+              </a:ln>
+              <a:solidFill>
+                <a:prstClr val="white"/>
+              </a:solidFill>
+              <a:effectLst/>
+              <a:uLnTx/>
+              <a:uFillTx/>
+              <a:latin typeface="Calibri" panose="020F0502020204030204"/>
+              <a:ea typeface="+mn-ea"/>
+              <a:cs typeface="+mn-cs"/>
+            </a:endParaRPr>
+          </a:p>
+        </p:txBody>
+      </p:sp>
+      <p:grpSp>
+        <p:nvGrpSpPr>
+          <p:cNvPr id="9" name="Group 8">
+            <a:extLst>
+              <a:ext uri="{FF2B5EF4-FFF2-40B4-BE49-F238E27FC236}">
+                <a16:creationId xmlns:a16="http://schemas.microsoft.com/office/drawing/2014/main" id="{49BE4AC1-CA0D-4D79-942B-E8CF39DD6326}"/>
+              </a:ext>
+            </a:extLst>
+          </p:cNvPr>
+          <p:cNvGrpSpPr/>
+          <p:nvPr/>
+        </p:nvGrpSpPr>
+        <p:grpSpPr>
+          <a:xfrm>
+            <a:off x="9340977" y="2167603"/>
+            <a:ext cx="2878867" cy="1434164"/>
+            <a:chOff x="9335708" y="2246258"/>
+            <a:chExt cx="2878867" cy="1434164"/>
+          </a:xfrm>
+        </p:grpSpPr>
+        <p:pic>
+          <p:nvPicPr>
+            <p:cNvPr id="4" name="Picture 3">
+              <a:extLst>
+                <a:ext uri="{FF2B5EF4-FFF2-40B4-BE49-F238E27FC236}">
+                  <a16:creationId xmlns:a16="http://schemas.microsoft.com/office/drawing/2014/main" id="{11C68DAB-F528-4543-ACAA-9B01F886F43E}"/>
+                </a:ext>
+              </a:extLst>
+            </p:cNvPr>
+            <p:cNvPicPr>
+              <a:picLocks noChangeAspect="1"/>
+            </p:cNvPicPr>
+            <p:nvPr/>
+          </p:nvPicPr>
+          <p:blipFill>
+            <a:blip r:embed="rId3">
+              <a:extLst>
+                <a:ext uri="{28A0092B-C50C-407E-A947-70E740481C1C}">
+                  <a14:useLocalDpi xmlns:a14="http://schemas.microsoft.com/office/drawing/2010/main" val="0"/>
+                </a:ext>
+              </a:extLst>
+            </a:blip>
+            <a:stretch>
+              <a:fillRect/>
+            </a:stretch>
+          </p:blipFill>
+          <p:spPr>
+            <a:xfrm>
+              <a:off x="10780411" y="2246258"/>
+              <a:ext cx="1434164" cy="1434164"/>
+            </a:xfrm>
+            <a:prstGeom prst="rect">
+              <a:avLst/>
+            </a:prstGeom>
+          </p:spPr>
+        </p:pic>
+        <p:pic>
+          <p:nvPicPr>
+            <p:cNvPr id="28" name="Picture 27">
+              <a:extLst>
+                <a:ext uri="{FF2B5EF4-FFF2-40B4-BE49-F238E27FC236}">
+                  <a16:creationId xmlns:a16="http://schemas.microsoft.com/office/drawing/2014/main" id="{89C1F1F9-B599-4CEE-94C3-E63D3A305686}"/>
+                </a:ext>
+              </a:extLst>
+            </p:cNvPr>
+            <p:cNvPicPr>
+              <a:picLocks noChangeAspect="1"/>
+            </p:cNvPicPr>
+            <p:nvPr/>
+          </p:nvPicPr>
+          <p:blipFill>
+            <a:blip r:embed="rId3">
+              <a:extLst>
+                <a:ext uri="{28A0092B-C50C-407E-A947-70E740481C1C}">
+                  <a14:useLocalDpi xmlns:a14="http://schemas.microsoft.com/office/drawing/2010/main" val="0"/>
+                </a:ext>
+              </a:extLst>
+            </a:blip>
+            <a:stretch>
+              <a:fillRect/>
+            </a:stretch>
+          </p:blipFill>
+          <p:spPr>
+            <a:xfrm flipH="1">
+              <a:off x="9335708" y="2246258"/>
+              <a:ext cx="1434164" cy="1434164"/>
+            </a:xfrm>
+            <a:prstGeom prst="rect">
+              <a:avLst/>
+            </a:prstGeom>
+          </p:spPr>
+        </p:pic>
+      </p:grpSp>
+      <p:cxnSp>
+        <p:nvCxnSpPr>
+          <p:cNvPr id="14" name="Straight Arrow Connector 13">
+            <a:extLst>
+              <a:ext uri="{FF2B5EF4-FFF2-40B4-BE49-F238E27FC236}">
+                <a16:creationId xmlns:a16="http://schemas.microsoft.com/office/drawing/2014/main" id="{44DEBD10-9C76-4102-BF07-5E0FD982019A}"/>
+              </a:ext>
+            </a:extLst>
+          </p:cNvPr>
+          <p:cNvCxnSpPr>
+            <a:cxnSpLocks/>
+          </p:cNvCxnSpPr>
+          <p:nvPr/>
+        </p:nvCxnSpPr>
+        <p:spPr>
+          <a:xfrm>
+            <a:off x="8816428" y="3155477"/>
+            <a:ext cx="577911" cy="0"/>
+          </a:xfrm>
+          <a:prstGeom prst="straightConnector1">
+            <a:avLst/>
+          </a:prstGeom>
+          <a:ln w="76200">
+            <a:solidFill>
+              <a:schemeClr val="bg1"/>
+            </a:solidFill>
+            <a:tailEnd type="triangle"/>
+          </a:ln>
+        </p:spPr>
+        <p:style>
+          <a:lnRef idx="1">
+            <a:schemeClr val="accent1"/>
+          </a:lnRef>
+          <a:fillRef idx="0">
+            <a:schemeClr val="accent1"/>
+          </a:fillRef>
+          <a:effectRef idx="0">
+            <a:schemeClr val="accent1"/>
+          </a:effectRef>
+          <a:fontRef idx="minor">
+            <a:schemeClr val="tx1"/>
+          </a:fontRef>
+        </p:style>
+      </p:cxnSp>
+    </p:spTree>
+    <p:extLst>
+      <p:ext uri="{BB962C8B-B14F-4D97-AF65-F5344CB8AC3E}">
+        <p14:creationId xmlns:p14="http://schemas.microsoft.com/office/powerpoint/2010/main" val="3430022362"/>
+      </p:ext>
+    </p:extLst>
+  </p:cSld>
+  <p:clrMapOvr>
+    <a:masterClrMapping/>
+  </p:clrMapOvr>
+</p:sld>
+</file>
+
+<file path=ppt/slides/slide6.xml><?xml version="1.0" encoding="utf-8"?>
+<p:sld xmlns:a="http://schemas.openxmlformats.org/drawingml/2006/main" xmlns:r="http://schemas.openxmlformats.org/officeDocument/2006/relationships" xmlns:p="http://schemas.openxmlformats.org/presentationml/2006/main">
+  <p:cSld>
+    <p:bg>
+      <p:bgPr>
+        <a:solidFill>
+          <a:schemeClr val="tx1"/>
+        </a:solidFill>
+        <a:effectLst/>
+      </p:bgPr>
+    </p:bg>
+    <p:spTree>
+      <p:nvGrpSpPr>
+        <p:cNvPr id="1" name=""/>
+        <p:cNvGrpSpPr/>
+        <p:nvPr/>
+      </p:nvGrpSpPr>
+      <p:grpSpPr>
+        <a:xfrm>
+          <a:off x="0" y="0"/>
+          <a:ext cx="0" cy="0"/>
+          <a:chOff x="0" y="0"/>
+          <a:chExt cx="0" cy="0"/>
+        </a:xfrm>
+      </p:grpSpPr>
+      <p:sp>
+        <p:nvSpPr>
+          <p:cNvPr id="3" name="Content Placeholder 2">
+            <a:extLst>
+              <a:ext uri="{FF2B5EF4-FFF2-40B4-BE49-F238E27FC236}">
+                <a16:creationId xmlns:a16="http://schemas.microsoft.com/office/drawing/2014/main" id="{16BDB5AA-CFD0-4303-8B7F-ECCF545847F6}"/>
+              </a:ext>
+            </a:extLst>
+          </p:cNvPr>
+          <p:cNvSpPr>
+            <a:spLocks noGrp="1"/>
+          </p:cNvSpPr>
+          <p:nvPr>
+            <p:ph idx="1"/>
+          </p:nvPr>
+        </p:nvSpPr>
+        <p:spPr>
+          <a:xfrm>
+            <a:off x="1202150" y="218682"/>
+            <a:ext cx="9787693" cy="909223"/>
+          </a:xfrm>
+        </p:spPr>
+        <p:txBody>
+          <a:bodyPr>
+            <a:normAutofit/>
+          </a:bodyPr>
+          <a:lstStyle/>
+          <a:p>
+            <a:pPr marL="0" indent="0" algn="ctr">
+              <a:buNone/>
+            </a:pPr>
+            <a:r>
+              <a:rPr lang="pl-PL" sz="2400" dirty="0">
+                <a:solidFill>
+                  <a:schemeClr val="bg1"/>
+                </a:solidFill>
+              </a:rPr>
+              <a:t>Zatem w tej ostatniej procedurze możliwe są trzy rodzaje odpowiedzi.</a:t>
+            </a:r>
+            <a:endParaRPr lang="en-US" sz="2400" dirty="0">
+              <a:solidFill>
+                <a:schemeClr val="bg1"/>
+              </a:solidFill>
+            </a:endParaRPr>
+          </a:p>
+        </p:txBody>
+      </p:sp>
+      <p:sp>
+        <p:nvSpPr>
+          <p:cNvPr id="7" name="Content Placeholder 2">
+            <a:extLst>
+              <a:ext uri="{FF2B5EF4-FFF2-40B4-BE49-F238E27FC236}">
+                <a16:creationId xmlns:a16="http://schemas.microsoft.com/office/drawing/2014/main" id="{02466EF3-302C-4960-8543-BE397448108A}"/>
+              </a:ext>
+            </a:extLst>
+          </p:cNvPr>
+          <p:cNvSpPr txBox="1">
+            <a:spLocks/>
+          </p:cNvSpPr>
+          <p:nvPr/>
+        </p:nvSpPr>
+        <p:spPr>
+          <a:xfrm>
+            <a:off x="1800723" y="1141870"/>
+            <a:ext cx="8590546" cy="740677"/>
+          </a:xfrm>
+          <a:prstGeom prst="rect">
+            <a:avLst/>
+          </a:prstGeom>
+        </p:spPr>
+        <p:txBody>
+          <a:bodyPr vert="horz" lIns="91440" tIns="45720" rIns="91440" bIns="45720" rtlCol="0">
+            <a:normAutofit lnSpcReduction="10000"/>
+          </a:bodyPr>
+          <a:lstStyle>
+            <a:lvl1pPr marL="228600" indent="-228600" algn="l" defTabSz="914400" rtl="0" eaLnBrk="1" latinLnBrk="0" hangingPunct="1">
+              <a:lnSpc>
+                <a:spcPct val="90000"/>
+              </a:lnSpc>
+              <a:spcBef>
+                <a:spcPts val="1000"/>
+              </a:spcBef>
+              <a:buFont typeface="Arial" panose="020B0604020202020204" pitchFamily="34" charset="0"/>
+              <a:buChar char="•"/>
+              <a:defRPr sz="2800" kern="1200">
+                <a:solidFill>
+                  <a:schemeClr val="tx1"/>
+                </a:solidFill>
+                <a:latin typeface="+mn-lt"/>
+                <a:ea typeface="+mn-ea"/>
+                <a:cs typeface="+mn-cs"/>
+              </a:defRPr>
+            </a:lvl1pPr>
+            <a:lvl2pPr marL="685800" indent="-228600" algn="l" defTabSz="914400" rtl="0" eaLnBrk="1" latinLnBrk="0" hangingPunct="1">
+              <a:lnSpc>
+                <a:spcPct val="90000"/>
+              </a:lnSpc>
+              <a:spcBef>
+                <a:spcPts val="500"/>
+              </a:spcBef>
+              <a:buFont typeface="Arial" panose="020B0604020202020204" pitchFamily="34" charset="0"/>
+              <a:buChar char="•"/>
+              <a:defRPr sz="2400" kern="1200">
+                <a:solidFill>
+                  <a:schemeClr val="tx1"/>
+                </a:solidFill>
+                <a:latin typeface="+mn-lt"/>
+                <a:ea typeface="+mn-ea"/>
+                <a:cs typeface="+mn-cs"/>
+              </a:defRPr>
+            </a:lvl2pPr>
+            <a:lvl3pPr marL="1143000" indent="-228600" algn="l" defTabSz="914400" rtl="0" eaLnBrk="1" latinLnBrk="0" hangingPunct="1">
+              <a:lnSpc>
+                <a:spcPct val="90000"/>
+              </a:lnSpc>
+              <a:spcBef>
+                <a:spcPts val="500"/>
+              </a:spcBef>
+              <a:buFont typeface="Arial" panose="020B0604020202020204" pitchFamily="34" charset="0"/>
+              <a:buChar char="•"/>
+              <a:defRPr sz="2000" kern="1200">
+                <a:solidFill>
+                  <a:schemeClr val="tx1"/>
+                </a:solidFill>
+                <a:latin typeface="+mn-lt"/>
+                <a:ea typeface="+mn-ea"/>
+                <a:cs typeface="+mn-cs"/>
+              </a:defRPr>
+            </a:lvl3pPr>
+            <a:lvl4pPr marL="1600200" indent="-228600" algn="l" defTabSz="914400" rtl="0" eaLnBrk="1" latinLnBrk="0" hangingPunct="1">
+              <a:lnSpc>
+                <a:spcPct val="90000"/>
+              </a:lnSpc>
+              <a:spcBef>
+                <a:spcPts val="500"/>
+              </a:spcBef>
+              <a:buFont typeface="Arial" panose="020B0604020202020204" pitchFamily="34" charset="0"/>
+              <a:buChar char="•"/>
+              <a:defRPr sz="1800" kern="1200">
+                <a:solidFill>
+                  <a:schemeClr val="tx1"/>
+                </a:solidFill>
+                <a:latin typeface="+mn-lt"/>
+                <a:ea typeface="+mn-ea"/>
+                <a:cs typeface="+mn-cs"/>
+              </a:defRPr>
+            </a:lvl4pPr>
+            <a:lvl5pPr marL="2057400" indent="-228600" algn="l" defTabSz="914400" rtl="0" eaLnBrk="1" latinLnBrk="0" hangingPunct="1">
+              <a:lnSpc>
+                <a:spcPct val="90000"/>
+              </a:lnSpc>
+              <a:spcBef>
+                <a:spcPts val="500"/>
+              </a:spcBef>
+              <a:buFont typeface="Arial" panose="020B0604020202020204" pitchFamily="34" charset="0"/>
+              <a:buChar char="•"/>
+              <a:defRPr sz="1800" kern="1200">
+                <a:solidFill>
+                  <a:schemeClr val="tx1"/>
+                </a:solidFill>
+                <a:latin typeface="+mn-lt"/>
+                <a:ea typeface="+mn-ea"/>
+                <a:cs typeface="+mn-cs"/>
+              </a:defRPr>
+            </a:lvl5pPr>
+            <a:lvl6pPr marL="2514600" indent="-228600" algn="l" defTabSz="914400" rtl="0" eaLnBrk="1" latinLnBrk="0" hangingPunct="1">
+              <a:lnSpc>
+                <a:spcPct val="90000"/>
+              </a:lnSpc>
+              <a:spcBef>
+                <a:spcPts val="500"/>
+              </a:spcBef>
+              <a:buFont typeface="Arial" panose="020B0604020202020204" pitchFamily="34" charset="0"/>
+              <a:buChar char="•"/>
+              <a:defRPr sz="1800" kern="1200">
+                <a:solidFill>
+                  <a:schemeClr val="tx1"/>
+                </a:solidFill>
+                <a:latin typeface="+mn-lt"/>
+                <a:ea typeface="+mn-ea"/>
+                <a:cs typeface="+mn-cs"/>
+              </a:defRPr>
+            </a:lvl6pPr>
+            <a:lvl7pPr marL="2971800" indent="-228600" algn="l" defTabSz="914400" rtl="0" eaLnBrk="1" latinLnBrk="0" hangingPunct="1">
+              <a:lnSpc>
+                <a:spcPct val="90000"/>
+              </a:lnSpc>
+              <a:spcBef>
+                <a:spcPts val="500"/>
+              </a:spcBef>
+              <a:buFont typeface="Arial" panose="020B0604020202020204" pitchFamily="34" charset="0"/>
+              <a:buChar char="•"/>
+              <a:defRPr sz="1800" kern="1200">
+                <a:solidFill>
+                  <a:schemeClr val="tx1"/>
+                </a:solidFill>
+                <a:latin typeface="+mn-lt"/>
+                <a:ea typeface="+mn-ea"/>
+                <a:cs typeface="+mn-cs"/>
+              </a:defRPr>
+            </a:lvl7pPr>
+            <a:lvl8pPr marL="3429000" indent="-228600" algn="l" defTabSz="914400" rtl="0" eaLnBrk="1" latinLnBrk="0" hangingPunct="1">
+              <a:lnSpc>
+                <a:spcPct val="90000"/>
+              </a:lnSpc>
+              <a:spcBef>
+                <a:spcPts val="500"/>
+              </a:spcBef>
+              <a:buFont typeface="Arial" panose="020B0604020202020204" pitchFamily="34" charset="0"/>
+              <a:buChar char="•"/>
+              <a:defRPr sz="1800" kern="1200">
+                <a:solidFill>
+                  <a:schemeClr val="tx1"/>
+                </a:solidFill>
+                <a:latin typeface="+mn-lt"/>
+                <a:ea typeface="+mn-ea"/>
+                <a:cs typeface="+mn-cs"/>
+              </a:defRPr>
+            </a:lvl8pPr>
+            <a:lvl9pPr marL="3886200" indent="-228600" algn="l" defTabSz="914400" rtl="0" eaLnBrk="1" latinLnBrk="0" hangingPunct="1">
+              <a:lnSpc>
+                <a:spcPct val="90000"/>
+              </a:lnSpc>
+              <a:spcBef>
+                <a:spcPts val="500"/>
+              </a:spcBef>
+              <a:buFont typeface="Arial" panose="020B0604020202020204" pitchFamily="34" charset="0"/>
+              <a:buChar char="•"/>
+              <a:defRPr sz="1800" kern="1200">
+                <a:solidFill>
+                  <a:schemeClr val="tx1"/>
+                </a:solidFill>
+                <a:latin typeface="+mn-lt"/>
+                <a:ea typeface="+mn-ea"/>
+                <a:cs typeface="+mn-cs"/>
+              </a:defRPr>
+            </a:lvl9pPr>
+          </a:lstStyle>
+          <a:p>
+            <a:pPr marL="0" marR="0" lvl="0" indent="0" algn="ctr" defTabSz="914400" rtl="0" eaLnBrk="1" fontAlgn="auto" latinLnBrk="0" hangingPunct="1">
+              <a:lnSpc>
+                <a:spcPct val="90000"/>
+              </a:lnSpc>
+              <a:spcBef>
+                <a:spcPts val="1000"/>
+              </a:spcBef>
+              <a:spcAft>
+                <a:spcPts val="0"/>
+              </a:spcAft>
+              <a:buClrTx/>
+              <a:buSzTx/>
+              <a:buFont typeface="Arial" panose="020B0604020202020204" pitchFamily="34" charset="0"/>
+              <a:buNone/>
+              <a:tabLst/>
+              <a:defRPr/>
+            </a:pPr>
+            <a:r>
+              <a:rPr kumimoji="0" lang="pl-PL" sz="2400" b="0" i="0" u="none" strike="noStrike" kern="1200" cap="none" spc="0" normalizeH="0" baseline="0" noProof="0" dirty="0">
+                <a:ln>
+                  <a:noFill/>
+                </a:ln>
+                <a:solidFill>
+                  <a:prstClr val="white"/>
+                </a:solidFill>
+                <a:effectLst/>
+                <a:uLnTx/>
+                <a:uFillTx/>
+                <a:latin typeface="Calibri" panose="020F0502020204030204"/>
+                <a:ea typeface="+mn-ea"/>
+                <a:cs typeface="+mn-cs"/>
+              </a:rPr>
+              <a:t>Odpowiedź lewą ręką (klawisz „D”), jeśli wydaje się Pani/Panu, że pryma była w lewo.</a:t>
+            </a:r>
+            <a:endParaRPr kumimoji="0" lang="en-US" sz="2400" b="0" i="0" u="none" strike="noStrike" kern="1200" cap="none" spc="0" normalizeH="0" baseline="0" noProof="0" dirty="0">
+              <a:ln>
+                <a:noFill/>
+              </a:ln>
+              <a:solidFill>
+                <a:prstClr val="white"/>
+              </a:solidFill>
+              <a:effectLst/>
+              <a:uLnTx/>
+              <a:uFillTx/>
+              <a:latin typeface="Calibri" panose="020F0502020204030204"/>
+              <a:ea typeface="+mn-ea"/>
+              <a:cs typeface="+mn-cs"/>
+            </a:endParaRPr>
+          </a:p>
+        </p:txBody>
+      </p:sp>
+      <p:sp>
+        <p:nvSpPr>
+          <p:cNvPr id="8" name="Content Placeholder 2">
+            <a:extLst>
+              <a:ext uri="{FF2B5EF4-FFF2-40B4-BE49-F238E27FC236}">
+                <a16:creationId xmlns:a16="http://schemas.microsoft.com/office/drawing/2014/main" id="{249CA055-F973-42B2-8C67-E6368343C83F}"/>
+              </a:ext>
+            </a:extLst>
+          </p:cNvPr>
+          <p:cNvSpPr txBox="1">
+            <a:spLocks/>
+          </p:cNvSpPr>
+          <p:nvPr/>
+        </p:nvSpPr>
+        <p:spPr>
+          <a:xfrm>
+            <a:off x="838200" y="6039514"/>
+            <a:ext cx="10515600" cy="730253"/>
+          </a:xfrm>
+          <a:prstGeom prst="rect">
+            <a:avLst/>
+          </a:prstGeom>
+        </p:spPr>
+        <p:txBody>
+          <a:bodyPr vert="horz" lIns="91440" tIns="45720" rIns="91440" bIns="45720" rtlCol="0">
+            <a:normAutofit lnSpcReduction="10000"/>
+          </a:bodyPr>
+          <a:lstStyle>
+            <a:lvl1pPr marL="228600" indent="-228600" algn="l" defTabSz="914400" rtl="0" eaLnBrk="1" latinLnBrk="0" hangingPunct="1">
+              <a:lnSpc>
+                <a:spcPct val="90000"/>
+              </a:lnSpc>
+              <a:spcBef>
+                <a:spcPts val="1000"/>
+              </a:spcBef>
+              <a:buFont typeface="Arial" panose="020B0604020202020204" pitchFamily="34" charset="0"/>
+              <a:buChar char="•"/>
+              <a:defRPr sz="2800" kern="1200">
+                <a:solidFill>
+                  <a:schemeClr val="tx1"/>
+                </a:solidFill>
+                <a:latin typeface="+mn-lt"/>
+                <a:ea typeface="+mn-ea"/>
+                <a:cs typeface="+mn-cs"/>
+              </a:defRPr>
+            </a:lvl1pPr>
+            <a:lvl2pPr marL="685800" indent="-228600" algn="l" defTabSz="914400" rtl="0" eaLnBrk="1" latinLnBrk="0" hangingPunct="1">
+              <a:lnSpc>
+                <a:spcPct val="90000"/>
+              </a:lnSpc>
+              <a:spcBef>
+                <a:spcPts val="500"/>
+              </a:spcBef>
+              <a:buFont typeface="Arial" panose="020B0604020202020204" pitchFamily="34" charset="0"/>
+              <a:buChar char="•"/>
+              <a:defRPr sz="2400" kern="1200">
+                <a:solidFill>
+                  <a:schemeClr val="tx1"/>
+                </a:solidFill>
+                <a:latin typeface="+mn-lt"/>
+                <a:ea typeface="+mn-ea"/>
+                <a:cs typeface="+mn-cs"/>
+              </a:defRPr>
+            </a:lvl2pPr>
+            <a:lvl3pPr marL="1143000" indent="-228600" algn="l" defTabSz="914400" rtl="0" eaLnBrk="1" latinLnBrk="0" hangingPunct="1">
+              <a:lnSpc>
+                <a:spcPct val="90000"/>
+              </a:lnSpc>
+              <a:spcBef>
+                <a:spcPts val="500"/>
+              </a:spcBef>
+              <a:buFont typeface="Arial" panose="020B0604020202020204" pitchFamily="34" charset="0"/>
+              <a:buChar char="•"/>
+              <a:defRPr sz="2000" kern="1200">
+                <a:solidFill>
+                  <a:schemeClr val="tx1"/>
+                </a:solidFill>
+                <a:latin typeface="+mn-lt"/>
+                <a:ea typeface="+mn-ea"/>
+                <a:cs typeface="+mn-cs"/>
+              </a:defRPr>
+            </a:lvl3pPr>
+            <a:lvl4pPr marL="1600200" indent="-228600" algn="l" defTabSz="914400" rtl="0" eaLnBrk="1" latinLnBrk="0" hangingPunct="1">
+              <a:lnSpc>
+                <a:spcPct val="90000"/>
+              </a:lnSpc>
+              <a:spcBef>
+                <a:spcPts val="500"/>
+              </a:spcBef>
+              <a:buFont typeface="Arial" panose="020B0604020202020204" pitchFamily="34" charset="0"/>
+              <a:buChar char="•"/>
+              <a:defRPr sz="1800" kern="1200">
+                <a:solidFill>
+                  <a:schemeClr val="tx1"/>
+                </a:solidFill>
+                <a:latin typeface="+mn-lt"/>
+                <a:ea typeface="+mn-ea"/>
+                <a:cs typeface="+mn-cs"/>
+              </a:defRPr>
+            </a:lvl4pPr>
+            <a:lvl5pPr marL="2057400" indent="-228600" algn="l" defTabSz="914400" rtl="0" eaLnBrk="1" latinLnBrk="0" hangingPunct="1">
+              <a:lnSpc>
+                <a:spcPct val="90000"/>
+              </a:lnSpc>
+              <a:spcBef>
+                <a:spcPts val="500"/>
+              </a:spcBef>
+              <a:buFont typeface="Arial" panose="020B0604020202020204" pitchFamily="34" charset="0"/>
+              <a:buChar char="•"/>
+              <a:defRPr sz="1800" kern="1200">
+                <a:solidFill>
+                  <a:schemeClr val="tx1"/>
+                </a:solidFill>
+                <a:latin typeface="+mn-lt"/>
+                <a:ea typeface="+mn-ea"/>
+                <a:cs typeface="+mn-cs"/>
+              </a:defRPr>
+            </a:lvl5pPr>
+            <a:lvl6pPr marL="2514600" indent="-228600" algn="l" defTabSz="914400" rtl="0" eaLnBrk="1" latinLnBrk="0" hangingPunct="1">
+              <a:lnSpc>
+                <a:spcPct val="90000"/>
+              </a:lnSpc>
+              <a:spcBef>
+                <a:spcPts val="500"/>
+              </a:spcBef>
+              <a:buFont typeface="Arial" panose="020B0604020202020204" pitchFamily="34" charset="0"/>
+              <a:buChar char="•"/>
+              <a:defRPr sz="1800" kern="1200">
+                <a:solidFill>
+                  <a:schemeClr val="tx1"/>
+                </a:solidFill>
+                <a:latin typeface="+mn-lt"/>
+                <a:ea typeface="+mn-ea"/>
+                <a:cs typeface="+mn-cs"/>
+              </a:defRPr>
+            </a:lvl6pPr>
+            <a:lvl7pPr marL="2971800" indent="-228600" algn="l" defTabSz="914400" rtl="0" eaLnBrk="1" latinLnBrk="0" hangingPunct="1">
+              <a:lnSpc>
+                <a:spcPct val="90000"/>
+              </a:lnSpc>
+              <a:spcBef>
+                <a:spcPts val="500"/>
+              </a:spcBef>
+              <a:buFont typeface="Arial" panose="020B0604020202020204" pitchFamily="34" charset="0"/>
+              <a:buChar char="•"/>
+              <a:defRPr sz="1800" kern="1200">
+                <a:solidFill>
+                  <a:schemeClr val="tx1"/>
+                </a:solidFill>
+                <a:latin typeface="+mn-lt"/>
+                <a:ea typeface="+mn-ea"/>
+                <a:cs typeface="+mn-cs"/>
+              </a:defRPr>
+            </a:lvl7pPr>
+            <a:lvl8pPr marL="3429000" indent="-228600" algn="l" defTabSz="914400" rtl="0" eaLnBrk="1" latinLnBrk="0" hangingPunct="1">
+              <a:lnSpc>
+                <a:spcPct val="90000"/>
+              </a:lnSpc>
+              <a:spcBef>
+                <a:spcPts val="500"/>
+              </a:spcBef>
+              <a:buFont typeface="Arial" panose="020B0604020202020204" pitchFamily="34" charset="0"/>
+              <a:buChar char="•"/>
+              <a:defRPr sz="1800" kern="1200">
+                <a:solidFill>
+                  <a:schemeClr val="tx1"/>
+                </a:solidFill>
+                <a:latin typeface="+mn-lt"/>
+                <a:ea typeface="+mn-ea"/>
+                <a:cs typeface="+mn-cs"/>
+              </a:defRPr>
+            </a:lvl8pPr>
+            <a:lvl9pPr marL="3886200" indent="-228600" algn="l" defTabSz="914400" rtl="0" eaLnBrk="1" latinLnBrk="0" hangingPunct="1">
+              <a:lnSpc>
+                <a:spcPct val="90000"/>
+              </a:lnSpc>
+              <a:spcBef>
+                <a:spcPts val="500"/>
+              </a:spcBef>
+              <a:buFont typeface="Arial" panose="020B0604020202020204" pitchFamily="34" charset="0"/>
+              <a:buChar char="•"/>
+              <a:defRPr sz="1800" kern="1200">
+                <a:solidFill>
+                  <a:schemeClr val="tx1"/>
+                </a:solidFill>
+                <a:latin typeface="+mn-lt"/>
+                <a:ea typeface="+mn-ea"/>
+                <a:cs typeface="+mn-cs"/>
+              </a:defRPr>
+            </a:lvl9pPr>
+          </a:lstStyle>
+          <a:p>
+            <a:pPr marL="0" marR="0" lvl="0" indent="0" algn="ctr" defTabSz="914400" rtl="0" eaLnBrk="1" fontAlgn="auto" latinLnBrk="0" hangingPunct="1">
+              <a:lnSpc>
+                <a:spcPct val="90000"/>
+              </a:lnSpc>
+              <a:spcBef>
+                <a:spcPts val="1000"/>
+              </a:spcBef>
+              <a:spcAft>
+                <a:spcPts val="0"/>
+              </a:spcAft>
+              <a:buClrTx/>
+              <a:buSzTx/>
+              <a:buFont typeface="Arial" panose="020B0604020202020204" pitchFamily="34" charset="0"/>
+              <a:buNone/>
+              <a:tabLst/>
+              <a:defRPr/>
+            </a:pPr>
+            <a:r>
+              <a:rPr kumimoji="0" lang="pl-PL" sz="2000" b="0" i="0" u="none" strike="noStrike" kern="1200" cap="none" spc="0" normalizeH="0" baseline="0" noProof="0" dirty="0">
+                <a:ln>
+                  <a:noFill/>
+                </a:ln>
+                <a:solidFill>
+                  <a:prstClr val="white"/>
+                </a:solidFill>
+                <a:effectLst/>
+                <a:uLnTx/>
+                <a:uFillTx/>
+                <a:latin typeface="Calibri" panose="020F0502020204030204"/>
+                <a:ea typeface="+mn-ea"/>
+                <a:cs typeface="+mn-cs"/>
+              </a:rPr>
+              <a:t>Proszę nacisnąć </a:t>
+            </a:r>
+            <a:r>
+              <a:rPr kumimoji="0" lang="en-US" sz="2000" b="0" i="0" u="none" strike="noStrike" kern="1200" cap="none" spc="0" normalizeH="0" baseline="0" noProof="0" dirty="0" err="1">
+                <a:ln>
+                  <a:noFill/>
+                </a:ln>
+                <a:solidFill>
+                  <a:prstClr val="white"/>
+                </a:solidFill>
+                <a:effectLst/>
+                <a:uLnTx/>
+                <a:uFillTx/>
+                <a:latin typeface="Calibri" panose="020F0502020204030204"/>
+                <a:ea typeface="+mn-ea"/>
+                <a:cs typeface="+mn-cs"/>
+              </a:rPr>
+              <a:t>klawisz</a:t>
+            </a:r>
+            <a:r>
+              <a:rPr kumimoji="0" lang="pl-PL" sz="2000" b="0" i="0" u="none" strike="noStrike" kern="1200" cap="none" spc="0" normalizeH="0" baseline="0" noProof="0" dirty="0">
+                <a:ln>
+                  <a:noFill/>
+                </a:ln>
+                <a:solidFill>
+                  <a:prstClr val="white"/>
+                </a:solidFill>
+                <a:effectLst/>
+                <a:uLnTx/>
+                <a:uFillTx/>
+                <a:latin typeface="Calibri" panose="020F0502020204030204"/>
+                <a:ea typeface="+mn-ea"/>
+                <a:cs typeface="+mn-cs"/>
+              </a:rPr>
+              <a:t> „</a:t>
+            </a:r>
+            <a:r>
+              <a:rPr kumimoji="0" lang="en-US" sz="2000" b="0" i="0" u="none" strike="noStrike" kern="1200" cap="none" spc="0" normalizeH="0" baseline="0" noProof="0" dirty="0">
+                <a:ln>
+                  <a:noFill/>
+                </a:ln>
+                <a:solidFill>
+                  <a:prstClr val="white"/>
+                </a:solidFill>
+                <a:effectLst/>
+                <a:uLnTx/>
+                <a:uFillTx/>
+                <a:latin typeface="Calibri" panose="020F0502020204030204"/>
+                <a:ea typeface="+mn-ea"/>
+                <a:cs typeface="+mn-cs"/>
+              </a:rPr>
+              <a:t>L</a:t>
+            </a:r>
+            <a:r>
+              <a:rPr kumimoji="0" lang="pl-PL" sz="2000" b="0" i="0" u="none" strike="noStrike" kern="1200" cap="none" spc="0" normalizeH="0" baseline="0" noProof="0" dirty="0">
+                <a:ln>
+                  <a:noFill/>
+                </a:ln>
+                <a:solidFill>
+                  <a:prstClr val="white"/>
+                </a:solidFill>
+                <a:effectLst/>
+                <a:uLnTx/>
+                <a:uFillTx/>
+                <a:latin typeface="Calibri" panose="020F0502020204030204"/>
+                <a:ea typeface="+mn-ea"/>
+                <a:cs typeface="+mn-cs"/>
+              </a:rPr>
+              <a:t>”, aby kontynuować…</a:t>
+            </a:r>
+          </a:p>
+          <a:p>
+            <a:pPr marL="0" marR="0" lvl="0" indent="0" algn="ctr" defTabSz="914400" rtl="0" eaLnBrk="1" fontAlgn="auto" latinLnBrk="0" hangingPunct="1">
+              <a:lnSpc>
+                <a:spcPct val="90000"/>
+              </a:lnSpc>
+              <a:spcBef>
+                <a:spcPts val="1000"/>
+              </a:spcBef>
+              <a:spcAft>
+                <a:spcPts val="0"/>
+              </a:spcAft>
+              <a:buClrTx/>
+              <a:buSzTx/>
+              <a:buFont typeface="Arial" panose="020B0604020202020204" pitchFamily="34" charset="0"/>
+              <a:buNone/>
+              <a:tabLst/>
+              <a:defRPr/>
+            </a:pPr>
+            <a:r>
+              <a:rPr kumimoji="0" lang="pl-PL" sz="2000" b="0" i="0" u="none" strike="noStrike" kern="1200" cap="none" spc="0" normalizeH="0" baseline="0" noProof="0" dirty="0">
+                <a:ln>
+                  <a:noFill/>
+                </a:ln>
+                <a:solidFill>
+                  <a:prstClr val="white"/>
+                </a:solidFill>
+                <a:effectLst/>
+                <a:uLnTx/>
+                <a:uFillTx/>
+                <a:latin typeface="Calibri" panose="020F0502020204030204"/>
+                <a:ea typeface="+mn-ea"/>
+                <a:cs typeface="+mn-cs"/>
+              </a:rPr>
+              <a:t>lub </a:t>
+            </a:r>
+            <a:r>
+              <a:rPr kumimoji="0" lang="en-US" sz="2000" b="0" i="0" u="none" strike="noStrike" kern="1200" cap="none" spc="0" normalizeH="0" baseline="0" noProof="0" dirty="0" err="1">
+                <a:ln>
+                  <a:noFill/>
+                </a:ln>
+                <a:solidFill>
+                  <a:prstClr val="white"/>
+                </a:solidFill>
+                <a:effectLst/>
+                <a:uLnTx/>
+                <a:uFillTx/>
+                <a:latin typeface="Calibri" panose="020F0502020204030204"/>
+                <a:ea typeface="+mn-ea"/>
+                <a:cs typeface="+mn-cs"/>
+              </a:rPr>
+              <a:t>klawisz</a:t>
+            </a:r>
+            <a:r>
+              <a:rPr kumimoji="0" lang="pl-PL" sz="2000" b="0" i="0" u="none" strike="noStrike" kern="1200" cap="none" spc="0" normalizeH="0" baseline="0" noProof="0" dirty="0">
+                <a:ln>
+                  <a:noFill/>
+                </a:ln>
+                <a:solidFill>
+                  <a:prstClr val="white"/>
+                </a:solidFill>
+                <a:effectLst/>
+                <a:uLnTx/>
+                <a:uFillTx/>
+                <a:latin typeface="Calibri" panose="020F0502020204030204"/>
+                <a:ea typeface="+mn-ea"/>
+                <a:cs typeface="+mn-cs"/>
+              </a:rPr>
+              <a:t> „</a:t>
+            </a:r>
+            <a:r>
+              <a:rPr kumimoji="0" lang="en-US" sz="2000" b="0" i="0" u="none" strike="noStrike" kern="1200" cap="none" spc="0" normalizeH="0" baseline="0" noProof="0" dirty="0">
+                <a:ln>
+                  <a:noFill/>
+                </a:ln>
+                <a:solidFill>
+                  <a:prstClr val="white"/>
+                </a:solidFill>
+                <a:effectLst/>
+                <a:uLnTx/>
+                <a:uFillTx/>
+                <a:latin typeface="Calibri" panose="020F0502020204030204"/>
+                <a:ea typeface="+mn-ea"/>
+                <a:cs typeface="+mn-cs"/>
+              </a:rPr>
+              <a:t>D</a:t>
+            </a:r>
+            <a:r>
+              <a:rPr kumimoji="0" lang="pl-PL" sz="2000" b="0" i="0" u="none" strike="noStrike" kern="1200" cap="none" spc="0" normalizeH="0" baseline="0" noProof="0" dirty="0">
+                <a:ln>
+                  <a:noFill/>
+                </a:ln>
+                <a:solidFill>
+                  <a:prstClr val="white"/>
+                </a:solidFill>
+                <a:effectLst/>
+                <a:uLnTx/>
+                <a:uFillTx/>
+                <a:latin typeface="Calibri" panose="020F0502020204030204"/>
+                <a:ea typeface="+mn-ea"/>
+                <a:cs typeface="+mn-cs"/>
+              </a:rPr>
+              <a:t>”, aby cofnąć się do poprzedniego slajdu…</a:t>
+            </a:r>
+            <a:endParaRPr kumimoji="0" lang="en-US" sz="2000" b="0" i="0" u="none" strike="noStrike" kern="1200" cap="none" spc="0" normalizeH="0" baseline="0" noProof="0" dirty="0">
+              <a:ln>
+                <a:noFill/>
+              </a:ln>
+              <a:solidFill>
+                <a:prstClr val="white"/>
+              </a:solidFill>
+              <a:effectLst/>
+              <a:uLnTx/>
+              <a:uFillTx/>
+              <a:latin typeface="Calibri" panose="020F0502020204030204"/>
+              <a:ea typeface="+mn-ea"/>
+              <a:cs typeface="+mn-cs"/>
+            </a:endParaRPr>
+          </a:p>
+        </p:txBody>
+      </p:sp>
+      <p:sp>
+        <p:nvSpPr>
+          <p:cNvPr id="11" name="Content Placeholder 2">
+            <a:extLst>
+              <a:ext uri="{FF2B5EF4-FFF2-40B4-BE49-F238E27FC236}">
+                <a16:creationId xmlns:a16="http://schemas.microsoft.com/office/drawing/2014/main" id="{1518B027-0B50-47F8-A2CE-7F99FED4B4F9}"/>
+              </a:ext>
+            </a:extLst>
+          </p:cNvPr>
+          <p:cNvSpPr txBox="1">
+            <a:spLocks/>
+          </p:cNvSpPr>
+          <p:nvPr/>
+        </p:nvSpPr>
+        <p:spPr>
+          <a:xfrm>
+            <a:off x="1800723" y="2702668"/>
+            <a:ext cx="8590546" cy="740677"/>
+          </a:xfrm>
+          <a:prstGeom prst="rect">
+            <a:avLst/>
+          </a:prstGeom>
+        </p:spPr>
+        <p:txBody>
+          <a:bodyPr vert="horz" lIns="91440" tIns="45720" rIns="91440" bIns="45720" rtlCol="0">
+            <a:normAutofit lnSpcReduction="10000"/>
+          </a:bodyPr>
+          <a:lstStyle>
+            <a:lvl1pPr marL="228600" indent="-228600" algn="l" defTabSz="914400" rtl="0" eaLnBrk="1" latinLnBrk="0" hangingPunct="1">
+              <a:lnSpc>
+                <a:spcPct val="90000"/>
+              </a:lnSpc>
+              <a:spcBef>
+                <a:spcPts val="1000"/>
+              </a:spcBef>
+              <a:buFont typeface="Arial" panose="020B0604020202020204" pitchFamily="34" charset="0"/>
+              <a:buChar char="•"/>
+              <a:defRPr sz="2800" kern="1200">
+                <a:solidFill>
+                  <a:schemeClr val="tx1"/>
+                </a:solidFill>
+                <a:latin typeface="+mn-lt"/>
+                <a:ea typeface="+mn-ea"/>
+                <a:cs typeface="+mn-cs"/>
+              </a:defRPr>
+            </a:lvl1pPr>
+            <a:lvl2pPr marL="685800" indent="-228600" algn="l" defTabSz="914400" rtl="0" eaLnBrk="1" latinLnBrk="0" hangingPunct="1">
+              <a:lnSpc>
+                <a:spcPct val="90000"/>
+              </a:lnSpc>
+              <a:spcBef>
+                <a:spcPts val="500"/>
+              </a:spcBef>
+              <a:buFont typeface="Arial" panose="020B0604020202020204" pitchFamily="34" charset="0"/>
+              <a:buChar char="•"/>
+              <a:defRPr sz="2400" kern="1200">
+                <a:solidFill>
+                  <a:schemeClr val="tx1"/>
+                </a:solidFill>
+                <a:latin typeface="+mn-lt"/>
+                <a:ea typeface="+mn-ea"/>
+                <a:cs typeface="+mn-cs"/>
+              </a:defRPr>
+            </a:lvl2pPr>
+            <a:lvl3pPr marL="1143000" indent="-228600" algn="l" defTabSz="914400" rtl="0" eaLnBrk="1" latinLnBrk="0" hangingPunct="1">
+              <a:lnSpc>
+                <a:spcPct val="90000"/>
+              </a:lnSpc>
+              <a:spcBef>
+                <a:spcPts val="500"/>
+              </a:spcBef>
+              <a:buFont typeface="Arial" panose="020B0604020202020204" pitchFamily="34" charset="0"/>
+              <a:buChar char="•"/>
+              <a:defRPr sz="2000" kern="1200">
+                <a:solidFill>
+                  <a:schemeClr val="tx1"/>
+                </a:solidFill>
+                <a:latin typeface="+mn-lt"/>
+                <a:ea typeface="+mn-ea"/>
+                <a:cs typeface="+mn-cs"/>
+              </a:defRPr>
+            </a:lvl3pPr>
+            <a:lvl4pPr marL="1600200" indent="-228600" algn="l" defTabSz="914400" rtl="0" eaLnBrk="1" latinLnBrk="0" hangingPunct="1">
+              <a:lnSpc>
+                <a:spcPct val="90000"/>
+              </a:lnSpc>
+              <a:spcBef>
+                <a:spcPts val="500"/>
+              </a:spcBef>
+              <a:buFont typeface="Arial" panose="020B0604020202020204" pitchFamily="34" charset="0"/>
+              <a:buChar char="•"/>
+              <a:defRPr sz="1800" kern="1200">
+                <a:solidFill>
+                  <a:schemeClr val="tx1"/>
+                </a:solidFill>
+                <a:latin typeface="+mn-lt"/>
+                <a:ea typeface="+mn-ea"/>
+                <a:cs typeface="+mn-cs"/>
+              </a:defRPr>
+            </a:lvl4pPr>
+            <a:lvl5pPr marL="2057400" indent="-228600" algn="l" defTabSz="914400" rtl="0" eaLnBrk="1" latinLnBrk="0" hangingPunct="1">
+              <a:lnSpc>
+                <a:spcPct val="90000"/>
+              </a:lnSpc>
+              <a:spcBef>
+                <a:spcPts val="500"/>
+              </a:spcBef>
+              <a:buFont typeface="Arial" panose="020B0604020202020204" pitchFamily="34" charset="0"/>
+              <a:buChar char="•"/>
+              <a:defRPr sz="1800" kern="1200">
+                <a:solidFill>
+                  <a:schemeClr val="tx1"/>
+                </a:solidFill>
+                <a:latin typeface="+mn-lt"/>
+                <a:ea typeface="+mn-ea"/>
+                <a:cs typeface="+mn-cs"/>
+              </a:defRPr>
+            </a:lvl5pPr>
+            <a:lvl6pPr marL="2514600" indent="-228600" algn="l" defTabSz="914400" rtl="0" eaLnBrk="1" latinLnBrk="0" hangingPunct="1">
+              <a:lnSpc>
+                <a:spcPct val="90000"/>
+              </a:lnSpc>
+              <a:spcBef>
+                <a:spcPts val="500"/>
+              </a:spcBef>
+              <a:buFont typeface="Arial" panose="020B0604020202020204" pitchFamily="34" charset="0"/>
+              <a:buChar char="•"/>
+              <a:defRPr sz="1800" kern="1200">
+                <a:solidFill>
+                  <a:schemeClr val="tx1"/>
+                </a:solidFill>
+                <a:latin typeface="+mn-lt"/>
+                <a:ea typeface="+mn-ea"/>
+                <a:cs typeface="+mn-cs"/>
+              </a:defRPr>
+            </a:lvl6pPr>
+            <a:lvl7pPr marL="2971800" indent="-228600" algn="l" defTabSz="914400" rtl="0" eaLnBrk="1" latinLnBrk="0" hangingPunct="1">
+              <a:lnSpc>
+                <a:spcPct val="90000"/>
+              </a:lnSpc>
+              <a:spcBef>
+                <a:spcPts val="500"/>
+              </a:spcBef>
+              <a:buFont typeface="Arial" panose="020B0604020202020204" pitchFamily="34" charset="0"/>
+              <a:buChar char="•"/>
+              <a:defRPr sz="1800" kern="1200">
+                <a:solidFill>
+                  <a:schemeClr val="tx1"/>
+                </a:solidFill>
+                <a:latin typeface="+mn-lt"/>
+                <a:ea typeface="+mn-ea"/>
+                <a:cs typeface="+mn-cs"/>
+              </a:defRPr>
+            </a:lvl7pPr>
+            <a:lvl8pPr marL="3429000" indent="-228600" algn="l" defTabSz="914400" rtl="0" eaLnBrk="1" latinLnBrk="0" hangingPunct="1">
+              <a:lnSpc>
+                <a:spcPct val="90000"/>
+              </a:lnSpc>
+              <a:spcBef>
+                <a:spcPts val="500"/>
+              </a:spcBef>
+              <a:buFont typeface="Arial" panose="020B0604020202020204" pitchFamily="34" charset="0"/>
+              <a:buChar char="•"/>
+              <a:defRPr sz="1800" kern="1200">
+                <a:solidFill>
+                  <a:schemeClr val="tx1"/>
+                </a:solidFill>
+                <a:latin typeface="+mn-lt"/>
+                <a:ea typeface="+mn-ea"/>
+                <a:cs typeface="+mn-cs"/>
+              </a:defRPr>
+            </a:lvl8pPr>
+            <a:lvl9pPr marL="3886200" indent="-228600" algn="l" defTabSz="914400" rtl="0" eaLnBrk="1" latinLnBrk="0" hangingPunct="1">
+              <a:lnSpc>
+                <a:spcPct val="90000"/>
+              </a:lnSpc>
+              <a:spcBef>
+                <a:spcPts val="500"/>
+              </a:spcBef>
+              <a:buFont typeface="Arial" panose="020B0604020202020204" pitchFamily="34" charset="0"/>
+              <a:buChar char="•"/>
+              <a:defRPr sz="1800" kern="1200">
+                <a:solidFill>
+                  <a:schemeClr val="tx1"/>
+                </a:solidFill>
+                <a:latin typeface="+mn-lt"/>
+                <a:ea typeface="+mn-ea"/>
+                <a:cs typeface="+mn-cs"/>
+              </a:defRPr>
+            </a:lvl9pPr>
+          </a:lstStyle>
+          <a:p>
+            <a:pPr marL="0" marR="0" lvl="0" indent="0" algn="ctr" defTabSz="914400" rtl="0" eaLnBrk="1" fontAlgn="auto" latinLnBrk="0" hangingPunct="1">
+              <a:lnSpc>
+                <a:spcPct val="90000"/>
+              </a:lnSpc>
+              <a:spcBef>
+                <a:spcPts val="1000"/>
+              </a:spcBef>
+              <a:spcAft>
+                <a:spcPts val="0"/>
+              </a:spcAft>
+              <a:buClrTx/>
+              <a:buSzTx/>
+              <a:buFont typeface="Arial" panose="020B0604020202020204" pitchFamily="34" charset="0"/>
+              <a:buNone/>
+              <a:tabLst/>
+              <a:defRPr/>
+            </a:pPr>
+            <a:r>
+              <a:rPr kumimoji="0" lang="pl-PL" sz="2400" b="0" i="0" u="none" strike="noStrike" kern="1200" cap="none" spc="0" normalizeH="0" baseline="0" noProof="0" dirty="0">
+                <a:ln>
+                  <a:noFill/>
+                </a:ln>
+                <a:solidFill>
+                  <a:prstClr val="white"/>
+                </a:solidFill>
+                <a:effectLst/>
+                <a:uLnTx/>
+                <a:uFillTx/>
+                <a:latin typeface="Calibri" panose="020F0502020204030204"/>
+                <a:ea typeface="+mn-ea"/>
+                <a:cs typeface="+mn-cs"/>
+              </a:rPr>
+              <a:t>Odpowiedź prawą ręką (klawisz „L”), jeśli wydaje się Pani/Panu, że pryma była w prawo.</a:t>
+            </a:r>
+            <a:endParaRPr kumimoji="0" lang="en-US" sz="2400" b="0" i="0" u="none" strike="noStrike" kern="1200" cap="none" spc="0" normalizeH="0" baseline="0" noProof="0" dirty="0">
+              <a:ln>
+                <a:noFill/>
+              </a:ln>
+              <a:solidFill>
+                <a:prstClr val="white"/>
+              </a:solidFill>
+              <a:effectLst/>
+              <a:uLnTx/>
+              <a:uFillTx/>
+              <a:latin typeface="Calibri" panose="020F0502020204030204"/>
+              <a:ea typeface="+mn-ea"/>
+              <a:cs typeface="+mn-cs"/>
+            </a:endParaRPr>
+          </a:p>
+        </p:txBody>
+      </p:sp>
+      <p:sp>
+        <p:nvSpPr>
+          <p:cNvPr id="12" name="Content Placeholder 2">
+            <a:extLst>
+              <a:ext uri="{FF2B5EF4-FFF2-40B4-BE49-F238E27FC236}">
+                <a16:creationId xmlns:a16="http://schemas.microsoft.com/office/drawing/2014/main" id="{2BD39A1A-E5CE-4CA3-A012-1A58CEED8299}"/>
+              </a:ext>
+            </a:extLst>
+          </p:cNvPr>
+          <p:cNvSpPr txBox="1">
+            <a:spLocks/>
+          </p:cNvSpPr>
+          <p:nvPr/>
+        </p:nvSpPr>
+        <p:spPr>
+          <a:xfrm>
+            <a:off x="1800723" y="4263466"/>
+            <a:ext cx="8590546" cy="740677"/>
+          </a:xfrm>
+          <a:prstGeom prst="rect">
+            <a:avLst/>
+          </a:prstGeom>
+        </p:spPr>
+        <p:txBody>
+          <a:bodyPr vert="horz" lIns="91440" tIns="45720" rIns="91440" bIns="45720" rtlCol="0">
+            <a:normAutofit lnSpcReduction="10000"/>
+          </a:bodyPr>
+          <a:lstStyle>
+            <a:lvl1pPr marL="228600" indent="-228600" algn="l" defTabSz="914400" rtl="0" eaLnBrk="1" latinLnBrk="0" hangingPunct="1">
+              <a:lnSpc>
+                <a:spcPct val="90000"/>
+              </a:lnSpc>
+              <a:spcBef>
+                <a:spcPts val="1000"/>
+              </a:spcBef>
+              <a:buFont typeface="Arial" panose="020B0604020202020204" pitchFamily="34" charset="0"/>
+              <a:buChar char="•"/>
+              <a:defRPr sz="2800" kern="1200">
+                <a:solidFill>
+                  <a:schemeClr val="tx1"/>
+                </a:solidFill>
+                <a:latin typeface="+mn-lt"/>
+                <a:ea typeface="+mn-ea"/>
+                <a:cs typeface="+mn-cs"/>
+              </a:defRPr>
+            </a:lvl1pPr>
+            <a:lvl2pPr marL="685800" indent="-228600" algn="l" defTabSz="914400" rtl="0" eaLnBrk="1" latinLnBrk="0" hangingPunct="1">
+              <a:lnSpc>
+                <a:spcPct val="90000"/>
+              </a:lnSpc>
+              <a:spcBef>
+                <a:spcPts val="500"/>
+              </a:spcBef>
+              <a:buFont typeface="Arial" panose="020B0604020202020204" pitchFamily="34" charset="0"/>
+              <a:buChar char="•"/>
+              <a:defRPr sz="2400" kern="1200">
+                <a:solidFill>
+                  <a:schemeClr val="tx1"/>
+                </a:solidFill>
+                <a:latin typeface="+mn-lt"/>
+                <a:ea typeface="+mn-ea"/>
+                <a:cs typeface="+mn-cs"/>
+              </a:defRPr>
+            </a:lvl2pPr>
+            <a:lvl3pPr marL="1143000" indent="-228600" algn="l" defTabSz="914400" rtl="0" eaLnBrk="1" latinLnBrk="0" hangingPunct="1">
+              <a:lnSpc>
+                <a:spcPct val="90000"/>
+              </a:lnSpc>
+              <a:spcBef>
+                <a:spcPts val="500"/>
+              </a:spcBef>
+              <a:buFont typeface="Arial" panose="020B0604020202020204" pitchFamily="34" charset="0"/>
+              <a:buChar char="•"/>
+              <a:defRPr sz="2000" kern="1200">
+                <a:solidFill>
+                  <a:schemeClr val="tx1"/>
+                </a:solidFill>
+                <a:latin typeface="+mn-lt"/>
+                <a:ea typeface="+mn-ea"/>
+                <a:cs typeface="+mn-cs"/>
+              </a:defRPr>
+            </a:lvl3pPr>
+            <a:lvl4pPr marL="1600200" indent="-228600" algn="l" defTabSz="914400" rtl="0" eaLnBrk="1" latinLnBrk="0" hangingPunct="1">
+              <a:lnSpc>
+                <a:spcPct val="90000"/>
+              </a:lnSpc>
+              <a:spcBef>
+                <a:spcPts val="500"/>
+              </a:spcBef>
+              <a:buFont typeface="Arial" panose="020B0604020202020204" pitchFamily="34" charset="0"/>
+              <a:buChar char="•"/>
+              <a:defRPr sz="1800" kern="1200">
+                <a:solidFill>
+                  <a:schemeClr val="tx1"/>
+                </a:solidFill>
+                <a:latin typeface="+mn-lt"/>
+                <a:ea typeface="+mn-ea"/>
+                <a:cs typeface="+mn-cs"/>
+              </a:defRPr>
+            </a:lvl4pPr>
+            <a:lvl5pPr marL="2057400" indent="-228600" algn="l" defTabSz="914400" rtl="0" eaLnBrk="1" latinLnBrk="0" hangingPunct="1">
+              <a:lnSpc>
+                <a:spcPct val="90000"/>
+              </a:lnSpc>
+              <a:spcBef>
+                <a:spcPts val="500"/>
+              </a:spcBef>
+              <a:buFont typeface="Arial" panose="020B0604020202020204" pitchFamily="34" charset="0"/>
+              <a:buChar char="•"/>
+              <a:defRPr sz="1800" kern="1200">
+                <a:solidFill>
+                  <a:schemeClr val="tx1"/>
+                </a:solidFill>
+                <a:latin typeface="+mn-lt"/>
+                <a:ea typeface="+mn-ea"/>
+                <a:cs typeface="+mn-cs"/>
+              </a:defRPr>
+            </a:lvl5pPr>
+            <a:lvl6pPr marL="2514600" indent="-228600" algn="l" defTabSz="914400" rtl="0" eaLnBrk="1" latinLnBrk="0" hangingPunct="1">
+              <a:lnSpc>
+                <a:spcPct val="90000"/>
+              </a:lnSpc>
+              <a:spcBef>
+                <a:spcPts val="500"/>
+              </a:spcBef>
+              <a:buFont typeface="Arial" panose="020B0604020202020204" pitchFamily="34" charset="0"/>
+              <a:buChar char="•"/>
+              <a:defRPr sz="1800" kern="1200">
+                <a:solidFill>
+                  <a:schemeClr val="tx1"/>
+                </a:solidFill>
+                <a:latin typeface="+mn-lt"/>
+                <a:ea typeface="+mn-ea"/>
+                <a:cs typeface="+mn-cs"/>
+              </a:defRPr>
+            </a:lvl6pPr>
+            <a:lvl7pPr marL="2971800" indent="-228600" algn="l" defTabSz="914400" rtl="0" eaLnBrk="1" latinLnBrk="0" hangingPunct="1">
+              <a:lnSpc>
+                <a:spcPct val="90000"/>
+              </a:lnSpc>
+              <a:spcBef>
+                <a:spcPts val="500"/>
+              </a:spcBef>
+              <a:buFont typeface="Arial" panose="020B0604020202020204" pitchFamily="34" charset="0"/>
+              <a:buChar char="•"/>
+              <a:defRPr sz="1800" kern="1200">
+                <a:solidFill>
+                  <a:schemeClr val="tx1"/>
+                </a:solidFill>
+                <a:latin typeface="+mn-lt"/>
+                <a:ea typeface="+mn-ea"/>
+                <a:cs typeface="+mn-cs"/>
+              </a:defRPr>
+            </a:lvl7pPr>
+            <a:lvl8pPr marL="3429000" indent="-228600" algn="l" defTabSz="914400" rtl="0" eaLnBrk="1" latinLnBrk="0" hangingPunct="1">
+              <a:lnSpc>
+                <a:spcPct val="90000"/>
+              </a:lnSpc>
+              <a:spcBef>
+                <a:spcPts val="500"/>
+              </a:spcBef>
+              <a:buFont typeface="Arial" panose="020B0604020202020204" pitchFamily="34" charset="0"/>
+              <a:buChar char="•"/>
+              <a:defRPr sz="1800" kern="1200">
+                <a:solidFill>
+                  <a:schemeClr val="tx1"/>
+                </a:solidFill>
+                <a:latin typeface="+mn-lt"/>
+                <a:ea typeface="+mn-ea"/>
+                <a:cs typeface="+mn-cs"/>
+              </a:defRPr>
+            </a:lvl8pPr>
+            <a:lvl9pPr marL="3886200" indent="-228600" algn="l" defTabSz="914400" rtl="0" eaLnBrk="1" latinLnBrk="0" hangingPunct="1">
+              <a:lnSpc>
+                <a:spcPct val="90000"/>
+              </a:lnSpc>
+              <a:spcBef>
+                <a:spcPts val="500"/>
+              </a:spcBef>
+              <a:buFont typeface="Arial" panose="020B0604020202020204" pitchFamily="34" charset="0"/>
+              <a:buChar char="•"/>
+              <a:defRPr sz="1800" kern="1200">
+                <a:solidFill>
+                  <a:schemeClr val="tx1"/>
+                </a:solidFill>
+                <a:latin typeface="+mn-lt"/>
+                <a:ea typeface="+mn-ea"/>
+                <a:cs typeface="+mn-cs"/>
+              </a:defRPr>
+            </a:lvl9pPr>
+          </a:lstStyle>
+          <a:p>
+            <a:pPr marL="0" marR="0" lvl="0" indent="0" algn="ctr" defTabSz="914400" rtl="0" eaLnBrk="1" fontAlgn="auto" latinLnBrk="0" hangingPunct="1">
+              <a:lnSpc>
+                <a:spcPct val="90000"/>
+              </a:lnSpc>
+              <a:spcBef>
+                <a:spcPts val="1000"/>
+              </a:spcBef>
+              <a:spcAft>
+                <a:spcPts val="0"/>
+              </a:spcAft>
+              <a:buClrTx/>
+              <a:buSzTx/>
+              <a:buFont typeface="Arial" panose="020B0604020202020204" pitchFamily="34" charset="0"/>
+              <a:buNone/>
+              <a:tabLst/>
+              <a:defRPr/>
+            </a:pPr>
+            <a:r>
+              <a:rPr kumimoji="0" lang="pl-PL" sz="2400" b="0" i="0" u="none" strike="noStrike" kern="1200" cap="none" spc="0" normalizeH="0" baseline="0" noProof="0" dirty="0">
+                <a:ln>
+                  <a:noFill/>
+                </a:ln>
+                <a:solidFill>
+                  <a:prstClr val="white"/>
+                </a:solidFill>
+                <a:effectLst/>
+                <a:uLnTx/>
+                <a:uFillTx/>
+                <a:latin typeface="Calibri" panose="020F0502020204030204"/>
+                <a:ea typeface="+mn-ea"/>
+                <a:cs typeface="+mn-cs"/>
+              </a:rPr>
+              <a:t>Odpowiedź SPACJĄ, jeśli wydaje się Pani/Panu, że pryma była nieobecna w czasie danej próby.</a:t>
+            </a:r>
+            <a:endParaRPr kumimoji="0" lang="en-US" sz="2400" b="0" i="0" u="none" strike="noStrike" kern="1200" cap="none" spc="0" normalizeH="0" baseline="0" noProof="0" dirty="0">
+              <a:ln>
+                <a:noFill/>
+              </a:ln>
+              <a:solidFill>
+                <a:prstClr val="white"/>
+              </a:solidFill>
+              <a:effectLst/>
+              <a:uLnTx/>
+              <a:uFillTx/>
+              <a:latin typeface="Calibri" panose="020F0502020204030204"/>
+              <a:ea typeface="+mn-ea"/>
+              <a:cs typeface="+mn-cs"/>
+            </a:endParaRPr>
+          </a:p>
+        </p:txBody>
+      </p:sp>
+      <p:pic>
+        <p:nvPicPr>
+          <p:cNvPr id="13" name="Picture 12">
+            <a:extLst>
+              <a:ext uri="{FF2B5EF4-FFF2-40B4-BE49-F238E27FC236}">
+                <a16:creationId xmlns:a16="http://schemas.microsoft.com/office/drawing/2014/main" id="{AAB1AA13-9ABB-45A1-9D36-CEC8EDCD1833}"/>
+              </a:ext>
+            </a:extLst>
+          </p:cNvPr>
+          <p:cNvPicPr>
+            <a:picLocks noChangeAspect="1"/>
+          </p:cNvPicPr>
+          <p:nvPr/>
+        </p:nvPicPr>
+        <p:blipFill>
+          <a:blip r:embed="rId2">
+            <a:extLst>
+              <a:ext uri="{BEBA8EAE-BF5A-486C-A8C5-ECC9F3942E4B}">
+                <a14:imgProps xmlns:a14="http://schemas.microsoft.com/office/drawing/2010/main">
+                  <a14:imgLayer r:embed="rId3">
+                    <a14:imgEffect>
+                      <a14:brightnessContrast contrast="2000"/>
+                    </a14:imgEffect>
+                  </a14:imgLayer>
+                </a14:imgProps>
+              </a:ext>
+            </a:extLst>
+          </a:blip>
+          <a:stretch>
+            <a:fillRect/>
+          </a:stretch>
+        </p:blipFill>
+        <p:spPr>
+          <a:xfrm flipH="1">
+            <a:off x="6482957" y="3350286"/>
+            <a:ext cx="747576" cy="747576"/>
+          </a:xfrm>
+          <a:prstGeom prst="rect">
+            <a:avLst/>
+          </a:prstGeom>
+        </p:spPr>
+      </p:pic>
+      <p:cxnSp>
+        <p:nvCxnSpPr>
+          <p:cNvPr id="14" name="Straight Arrow Connector 13">
+            <a:extLst>
+              <a:ext uri="{FF2B5EF4-FFF2-40B4-BE49-F238E27FC236}">
+                <a16:creationId xmlns:a16="http://schemas.microsoft.com/office/drawing/2014/main" id="{CF96BC8F-005E-403D-9A45-27B883317888}"/>
+              </a:ext>
+            </a:extLst>
+          </p:cNvPr>
+          <p:cNvCxnSpPr>
+            <a:cxnSpLocks/>
+          </p:cNvCxnSpPr>
+          <p:nvPr/>
+        </p:nvCxnSpPr>
+        <p:spPr>
+          <a:xfrm>
+            <a:off x="5700695" y="3782011"/>
+            <a:ext cx="577911" cy="0"/>
+          </a:xfrm>
+          <a:prstGeom prst="straightConnector1">
+            <a:avLst/>
+          </a:prstGeom>
+          <a:ln w="76200">
+            <a:solidFill>
+              <a:schemeClr val="bg1"/>
+            </a:solidFill>
+            <a:tailEnd type="triangle"/>
+          </a:ln>
+        </p:spPr>
+        <p:style>
+          <a:lnRef idx="1">
+            <a:schemeClr val="accent1"/>
+          </a:lnRef>
+          <a:fillRef idx="0">
+            <a:schemeClr val="accent1"/>
+          </a:fillRef>
+          <a:effectRef idx="0">
+            <a:schemeClr val="accent1"/>
+          </a:effectRef>
+          <a:fontRef idx="minor">
+            <a:schemeClr val="tx1"/>
+          </a:fontRef>
+        </p:style>
+      </p:cxnSp>
+      <p:cxnSp>
+        <p:nvCxnSpPr>
+          <p:cNvPr id="15" name="Straight Arrow Connector 14">
+            <a:extLst>
+              <a:ext uri="{FF2B5EF4-FFF2-40B4-BE49-F238E27FC236}">
+                <a16:creationId xmlns:a16="http://schemas.microsoft.com/office/drawing/2014/main" id="{F556CE9B-F701-4661-8DE8-CE6511306A50}"/>
+              </a:ext>
+            </a:extLst>
+          </p:cNvPr>
+          <p:cNvCxnSpPr>
+            <a:cxnSpLocks/>
+          </p:cNvCxnSpPr>
+          <p:nvPr/>
+        </p:nvCxnSpPr>
+        <p:spPr>
+          <a:xfrm>
+            <a:off x="5700695" y="2173344"/>
+            <a:ext cx="577911" cy="0"/>
+          </a:xfrm>
+          <a:prstGeom prst="straightConnector1">
+            <a:avLst/>
+          </a:prstGeom>
+          <a:ln w="76200">
+            <a:solidFill>
+              <a:schemeClr val="bg1"/>
+            </a:solidFill>
+            <a:tailEnd type="triangle"/>
+          </a:ln>
+        </p:spPr>
+        <p:style>
+          <a:lnRef idx="1">
+            <a:schemeClr val="accent1"/>
+          </a:lnRef>
+          <a:fillRef idx="0">
+            <a:schemeClr val="accent1"/>
+          </a:fillRef>
+          <a:effectRef idx="0">
+            <a:schemeClr val="accent1"/>
+          </a:effectRef>
+          <a:fontRef idx="minor">
+            <a:schemeClr val="tx1"/>
+          </a:fontRef>
+        </p:style>
+      </p:cxnSp>
+      <p:cxnSp>
+        <p:nvCxnSpPr>
+          <p:cNvPr id="16" name="Straight Arrow Connector 15">
+            <a:extLst>
+              <a:ext uri="{FF2B5EF4-FFF2-40B4-BE49-F238E27FC236}">
+                <a16:creationId xmlns:a16="http://schemas.microsoft.com/office/drawing/2014/main" id="{726AFA57-1914-4887-9835-204D9B768435}"/>
+              </a:ext>
+            </a:extLst>
+          </p:cNvPr>
+          <p:cNvCxnSpPr>
+            <a:cxnSpLocks/>
+          </p:cNvCxnSpPr>
+          <p:nvPr/>
+        </p:nvCxnSpPr>
+        <p:spPr>
+          <a:xfrm>
+            <a:off x="5700695" y="5329563"/>
+            <a:ext cx="577911" cy="0"/>
+          </a:xfrm>
+          <a:prstGeom prst="straightConnector1">
+            <a:avLst/>
+          </a:prstGeom>
+          <a:ln w="76200">
+            <a:solidFill>
+              <a:schemeClr val="bg1"/>
+            </a:solidFill>
+            <a:tailEnd type="triangle"/>
+          </a:ln>
+        </p:spPr>
+        <p:style>
+          <a:lnRef idx="1">
+            <a:schemeClr val="accent1"/>
+          </a:lnRef>
+          <a:fillRef idx="0">
+            <a:schemeClr val="accent1"/>
+          </a:fillRef>
+          <a:effectRef idx="0">
+            <a:schemeClr val="accent1"/>
+          </a:effectRef>
+          <a:fontRef idx="minor">
+            <a:schemeClr val="tx1"/>
+          </a:fontRef>
+        </p:style>
+      </p:cxnSp>
+      <p:pic>
+        <p:nvPicPr>
+          <p:cNvPr id="17" name="Picture 16">
+            <a:extLst>
+              <a:ext uri="{FF2B5EF4-FFF2-40B4-BE49-F238E27FC236}">
+                <a16:creationId xmlns:a16="http://schemas.microsoft.com/office/drawing/2014/main" id="{2A82E324-7679-42D4-B44E-0495CB520F52}"/>
+              </a:ext>
+            </a:extLst>
+          </p:cNvPr>
+          <p:cNvPicPr>
+            <a:picLocks noChangeAspect="1"/>
+          </p:cNvPicPr>
+          <p:nvPr/>
+        </p:nvPicPr>
+        <p:blipFill>
+          <a:blip r:embed="rId2">
+            <a:extLst>
+              <a:ext uri="{BEBA8EAE-BF5A-486C-A8C5-ECC9F3942E4B}">
+                <a14:imgProps xmlns:a14="http://schemas.microsoft.com/office/drawing/2010/main">
+                  <a14:imgLayer r:embed="rId3">
+                    <a14:imgEffect>
+                      <a14:brightnessContrast contrast="2000"/>
+                    </a14:imgEffect>
+                  </a14:imgLayer>
+                </a14:imgProps>
+              </a:ext>
+            </a:extLst>
+          </a:blip>
+          <a:stretch>
+            <a:fillRect/>
+          </a:stretch>
+        </p:blipFill>
+        <p:spPr>
+          <a:xfrm>
+            <a:off x="6395884" y="1789488"/>
+            <a:ext cx="747576" cy="747576"/>
+          </a:xfrm>
+          <a:prstGeom prst="rect">
+            <a:avLst/>
+          </a:prstGeom>
+        </p:spPr>
+      </p:pic>
+      <p:grpSp>
+        <p:nvGrpSpPr>
+          <p:cNvPr id="18" name="Group 17">
+            <a:extLst>
+              <a:ext uri="{FF2B5EF4-FFF2-40B4-BE49-F238E27FC236}">
+                <a16:creationId xmlns:a16="http://schemas.microsoft.com/office/drawing/2014/main" id="{1897F1B6-8C45-4237-83CE-0A037AD33D9A}"/>
+              </a:ext>
+            </a:extLst>
+          </p:cNvPr>
+          <p:cNvGrpSpPr/>
+          <p:nvPr/>
+        </p:nvGrpSpPr>
+        <p:grpSpPr>
+          <a:xfrm>
+            <a:off x="6278606" y="4898106"/>
+            <a:ext cx="1591734" cy="747576"/>
+            <a:chOff x="9335708" y="2246258"/>
+            <a:chExt cx="2878867" cy="1434164"/>
+          </a:xfrm>
+        </p:grpSpPr>
+        <p:pic>
+          <p:nvPicPr>
+            <p:cNvPr id="19" name="Picture 18">
+              <a:extLst>
+                <a:ext uri="{FF2B5EF4-FFF2-40B4-BE49-F238E27FC236}">
+                  <a16:creationId xmlns:a16="http://schemas.microsoft.com/office/drawing/2014/main" id="{3E9D305D-B44B-478C-9964-E2BC25ECA548}"/>
+                </a:ext>
+              </a:extLst>
+            </p:cNvPr>
+            <p:cNvPicPr>
+              <a:picLocks noChangeAspect="1"/>
+            </p:cNvPicPr>
+            <p:nvPr/>
+          </p:nvPicPr>
+          <p:blipFill>
+            <a:blip r:embed="rId4">
+              <a:extLst>
+                <a:ext uri="{28A0092B-C50C-407E-A947-70E740481C1C}">
+                  <a14:useLocalDpi xmlns:a14="http://schemas.microsoft.com/office/drawing/2010/main" val="0"/>
+                </a:ext>
+              </a:extLst>
+            </a:blip>
+            <a:stretch>
+              <a:fillRect/>
+            </a:stretch>
+          </p:blipFill>
+          <p:spPr>
+            <a:xfrm>
+              <a:off x="10780411" y="2246258"/>
+              <a:ext cx="1434164" cy="1434164"/>
+            </a:xfrm>
+            <a:prstGeom prst="rect">
+              <a:avLst/>
+            </a:prstGeom>
+          </p:spPr>
+        </p:pic>
+        <p:pic>
+          <p:nvPicPr>
+            <p:cNvPr id="20" name="Picture 19">
+              <a:extLst>
+                <a:ext uri="{FF2B5EF4-FFF2-40B4-BE49-F238E27FC236}">
+                  <a16:creationId xmlns:a16="http://schemas.microsoft.com/office/drawing/2014/main" id="{3DEB397E-4843-462C-9A0F-B1837E759E7C}"/>
+                </a:ext>
+              </a:extLst>
+            </p:cNvPr>
+            <p:cNvPicPr>
+              <a:picLocks noChangeAspect="1"/>
+            </p:cNvPicPr>
+            <p:nvPr/>
+          </p:nvPicPr>
+          <p:blipFill>
+            <a:blip r:embed="rId4">
+              <a:extLst>
+                <a:ext uri="{28A0092B-C50C-407E-A947-70E740481C1C}">
+                  <a14:useLocalDpi xmlns:a14="http://schemas.microsoft.com/office/drawing/2010/main" val="0"/>
+                </a:ext>
+              </a:extLst>
+            </a:blip>
+            <a:stretch>
+              <a:fillRect/>
+            </a:stretch>
+          </p:blipFill>
+          <p:spPr>
+            <a:xfrm flipH="1">
+              <a:off x="9335708" y="2246258"/>
+              <a:ext cx="1434164" cy="1434164"/>
+            </a:xfrm>
+            <a:prstGeom prst="rect">
+              <a:avLst/>
+            </a:prstGeom>
+          </p:spPr>
+        </p:pic>
+      </p:grpSp>
+      <p:pic>
+        <p:nvPicPr>
+          <p:cNvPr id="21" name="Picture 20" descr="A picture containing saw&#10;&#10;Description generated with high confidence">
+            <a:extLst>
+              <a:ext uri="{FF2B5EF4-FFF2-40B4-BE49-F238E27FC236}">
+                <a16:creationId xmlns:a16="http://schemas.microsoft.com/office/drawing/2014/main" id="{9FCE3DC3-C2D4-4A76-A9E5-6D08B4E65223}"/>
+              </a:ext>
+            </a:extLst>
+          </p:cNvPr>
+          <p:cNvPicPr>
+            <a:picLocks noChangeAspect="1"/>
+          </p:cNvPicPr>
+          <p:nvPr/>
+        </p:nvPicPr>
+        <p:blipFill>
+          <a:blip r:embed="rId5">
+            <a:extLst>
+              <a:ext uri="{28A0092B-C50C-407E-A947-70E740481C1C}">
+                <a14:useLocalDpi xmlns:a14="http://schemas.microsoft.com/office/drawing/2010/main" val="0"/>
+              </a:ext>
+            </a:extLst>
+          </a:blip>
+          <a:stretch>
+            <a:fillRect/>
+          </a:stretch>
+        </p:blipFill>
+        <p:spPr>
+          <a:xfrm>
+            <a:off x="4228072" y="3671237"/>
+            <a:ext cx="987396" cy="221548"/>
+          </a:xfrm>
+          <a:prstGeom prst="rect">
+            <a:avLst/>
+          </a:prstGeom>
+        </p:spPr>
+      </p:pic>
+      <p:pic>
+        <p:nvPicPr>
+          <p:cNvPr id="22" name="Picture 21" descr="A picture containing saw&#10;&#10;Description generated with high confidence">
+            <a:extLst>
+              <a:ext uri="{FF2B5EF4-FFF2-40B4-BE49-F238E27FC236}">
+                <a16:creationId xmlns:a16="http://schemas.microsoft.com/office/drawing/2014/main" id="{B1008D14-5352-46D5-BF33-B786014CCF65}"/>
+              </a:ext>
+            </a:extLst>
+          </p:cNvPr>
+          <p:cNvPicPr>
+            <a:picLocks noChangeAspect="1"/>
+          </p:cNvPicPr>
+          <p:nvPr/>
+        </p:nvPicPr>
+        <p:blipFill>
+          <a:blip r:embed="rId5">
+            <a:extLst>
+              <a:ext uri="{28A0092B-C50C-407E-A947-70E740481C1C}">
+                <a14:useLocalDpi xmlns:a14="http://schemas.microsoft.com/office/drawing/2010/main" val="0"/>
+              </a:ext>
+            </a:extLst>
+          </a:blip>
+          <a:stretch>
+            <a:fillRect/>
+          </a:stretch>
+        </p:blipFill>
+        <p:spPr>
+          <a:xfrm flipH="1">
+            <a:off x="4465140" y="2062570"/>
+            <a:ext cx="987396" cy="221548"/>
+          </a:xfrm>
+          <a:prstGeom prst="rect">
+            <a:avLst/>
+          </a:prstGeom>
+        </p:spPr>
+      </p:pic>
+    </p:spTree>
+    <p:extLst>
+      <p:ext uri="{BB962C8B-B14F-4D97-AF65-F5344CB8AC3E}">
+        <p14:creationId xmlns:p14="http://schemas.microsoft.com/office/powerpoint/2010/main" val="2292238186"/>
+      </p:ext>
+    </p:extLst>
+  </p:cSld>
+  <p:clrMapOvr>
+    <a:masterClrMapping/>
+  </p:clrMapOvr>
+</p:sld>
+</file>
+
+<file path=ppt/slides/slide7.xml><?xml version="1.0" encoding="utf-8"?>
+<p:sld xmlns:a="http://schemas.openxmlformats.org/drawingml/2006/main" xmlns:r="http://schemas.openxmlformats.org/officeDocument/2006/relationships" xmlns:p="http://schemas.openxmlformats.org/presentationml/2006/main">
+  <p:cSld>
+    <p:bg>
+      <p:bgPr>
+        <a:solidFill>
+          <a:schemeClr val="tx1"/>
+        </a:solidFill>
+        <a:effectLst/>
+      </p:bgPr>
+    </p:bg>
+    <p:spTree>
+      <p:nvGrpSpPr>
+        <p:cNvPr id="1" name=""/>
+        <p:cNvGrpSpPr/>
+        <p:nvPr/>
+      </p:nvGrpSpPr>
+      <p:grpSpPr>
+        <a:xfrm>
+          <a:off x="0" y="0"/>
+          <a:ext cx="0" cy="0"/>
+          <a:chOff x="0" y="0"/>
+          <a:chExt cx="0" cy="0"/>
+        </a:xfrm>
+      </p:grpSpPr>
+      <p:sp>
+        <p:nvSpPr>
+          <p:cNvPr id="3" name="Content Placeholder 2">
+            <a:extLst>
+              <a:ext uri="{FF2B5EF4-FFF2-40B4-BE49-F238E27FC236}">
+                <a16:creationId xmlns:a16="http://schemas.microsoft.com/office/drawing/2014/main" id="{16BDB5AA-CFD0-4303-8B7F-ECCF545847F6}"/>
+              </a:ext>
+            </a:extLst>
+          </p:cNvPr>
+          <p:cNvSpPr>
+            <a:spLocks noGrp="1"/>
+          </p:cNvSpPr>
+          <p:nvPr>
+            <p:ph idx="1"/>
+          </p:nvPr>
+        </p:nvSpPr>
+        <p:spPr>
+          <a:xfrm>
             <a:off x="1202150" y="218682"/>
             <a:ext cx="9787693" cy="909223"/>
           </a:xfrm>
@@ -12705,1371 +19113,7 @@
     </p:spTree>
     <p:extLst>
       <p:ext uri="{BB962C8B-B14F-4D97-AF65-F5344CB8AC3E}">
-        <p14:creationId xmlns:p14="http://schemas.microsoft.com/office/powerpoint/2010/main" val="2292238186"/>
-      </p:ext>
-    </p:extLst>
-  </p:cSld>
-  <p:clrMapOvr>
-    <a:masterClrMapping/>
-  </p:clrMapOvr>
-</p:sld>
-</file>
-
-<file path=ppt/slides/slide6.xml><?xml version="1.0" encoding="utf-8"?>
-<p:sld xmlns:a="http://schemas.openxmlformats.org/drawingml/2006/main" xmlns:r="http://schemas.openxmlformats.org/officeDocument/2006/relationships" xmlns:p="http://schemas.openxmlformats.org/presentationml/2006/main">
-  <p:cSld>
-    <p:bg>
-      <p:bgPr>
-        <a:solidFill>
-          <a:schemeClr val="tx1"/>
-        </a:solidFill>
-        <a:effectLst/>
-      </p:bgPr>
-    </p:bg>
-    <p:spTree>
-      <p:nvGrpSpPr>
-        <p:cNvPr id="1" name=""/>
-        <p:cNvGrpSpPr/>
-        <p:nvPr/>
-      </p:nvGrpSpPr>
-      <p:grpSpPr>
-        <a:xfrm>
-          <a:off x="0" y="0"/>
-          <a:ext cx="0" cy="0"/>
-          <a:chOff x="0" y="0"/>
-          <a:chExt cx="0" cy="0"/>
-        </a:xfrm>
-      </p:grpSpPr>
-      <p:sp>
-        <p:nvSpPr>
-          <p:cNvPr id="4" name="Content Placeholder 2">
-            <a:extLst>
-              <a:ext uri="{FF2B5EF4-FFF2-40B4-BE49-F238E27FC236}">
-                <a16:creationId xmlns:a16="http://schemas.microsoft.com/office/drawing/2014/main" id="{46DF36C4-BF62-41C8-87BC-20EB0ECF88CF}"/>
-              </a:ext>
-            </a:extLst>
-          </p:cNvPr>
-          <p:cNvSpPr txBox="1">
-            <a:spLocks/>
-          </p:cNvSpPr>
-          <p:nvPr/>
-        </p:nvSpPr>
-        <p:spPr>
-          <a:xfrm>
-            <a:off x="838200" y="6039514"/>
-            <a:ext cx="10515600" cy="730253"/>
-          </a:xfrm>
-          <a:prstGeom prst="rect">
-            <a:avLst/>
-          </a:prstGeom>
-        </p:spPr>
-        <p:txBody>
-          <a:bodyPr vert="horz" lIns="91440" tIns="45720" rIns="91440" bIns="45720" rtlCol="0">
-            <a:normAutofit lnSpcReduction="10000"/>
-          </a:bodyPr>
-          <a:lstStyle>
-            <a:lvl1pPr marL="228600" indent="-228600" algn="l" defTabSz="914400" rtl="0" eaLnBrk="1" latinLnBrk="0" hangingPunct="1">
-              <a:lnSpc>
-                <a:spcPct val="90000"/>
-              </a:lnSpc>
-              <a:spcBef>
-                <a:spcPts val="1000"/>
-              </a:spcBef>
-              <a:buFont typeface="Arial" panose="020B0604020202020204" pitchFamily="34" charset="0"/>
-              <a:buChar char="•"/>
-              <a:defRPr sz="2800" kern="1200">
-                <a:solidFill>
-                  <a:schemeClr val="tx1"/>
-                </a:solidFill>
-                <a:latin typeface="+mn-lt"/>
-                <a:ea typeface="+mn-ea"/>
-                <a:cs typeface="+mn-cs"/>
-              </a:defRPr>
-            </a:lvl1pPr>
-            <a:lvl2pPr marL="685800" indent="-228600" algn="l" defTabSz="914400" rtl="0" eaLnBrk="1" latinLnBrk="0" hangingPunct="1">
-              <a:lnSpc>
-                <a:spcPct val="90000"/>
-              </a:lnSpc>
-              <a:spcBef>
-                <a:spcPts val="500"/>
-              </a:spcBef>
-              <a:buFont typeface="Arial" panose="020B0604020202020204" pitchFamily="34" charset="0"/>
-              <a:buChar char="•"/>
-              <a:defRPr sz="2400" kern="1200">
-                <a:solidFill>
-                  <a:schemeClr val="tx1"/>
-                </a:solidFill>
-                <a:latin typeface="+mn-lt"/>
-                <a:ea typeface="+mn-ea"/>
-                <a:cs typeface="+mn-cs"/>
-              </a:defRPr>
-            </a:lvl2pPr>
-            <a:lvl3pPr marL="1143000" indent="-228600" algn="l" defTabSz="914400" rtl="0" eaLnBrk="1" latinLnBrk="0" hangingPunct="1">
-              <a:lnSpc>
-                <a:spcPct val="90000"/>
-              </a:lnSpc>
-              <a:spcBef>
-                <a:spcPts val="500"/>
-              </a:spcBef>
-              <a:buFont typeface="Arial" panose="020B0604020202020204" pitchFamily="34" charset="0"/>
-              <a:buChar char="•"/>
-              <a:defRPr sz="2000" kern="1200">
-                <a:solidFill>
-                  <a:schemeClr val="tx1"/>
-                </a:solidFill>
-                <a:latin typeface="+mn-lt"/>
-                <a:ea typeface="+mn-ea"/>
-                <a:cs typeface="+mn-cs"/>
-              </a:defRPr>
-            </a:lvl3pPr>
-            <a:lvl4pPr marL="1600200" indent="-228600" algn="l" defTabSz="914400" rtl="0" eaLnBrk="1" latinLnBrk="0" hangingPunct="1">
-              <a:lnSpc>
-                <a:spcPct val="90000"/>
-              </a:lnSpc>
-              <a:spcBef>
-                <a:spcPts val="500"/>
-              </a:spcBef>
-              <a:buFont typeface="Arial" panose="020B0604020202020204" pitchFamily="34" charset="0"/>
-              <a:buChar char="•"/>
-              <a:defRPr sz="1800" kern="1200">
-                <a:solidFill>
-                  <a:schemeClr val="tx1"/>
-                </a:solidFill>
-                <a:latin typeface="+mn-lt"/>
-                <a:ea typeface="+mn-ea"/>
-                <a:cs typeface="+mn-cs"/>
-              </a:defRPr>
-            </a:lvl4pPr>
-            <a:lvl5pPr marL="2057400" indent="-228600" algn="l" defTabSz="914400" rtl="0" eaLnBrk="1" latinLnBrk="0" hangingPunct="1">
-              <a:lnSpc>
-                <a:spcPct val="90000"/>
-              </a:lnSpc>
-              <a:spcBef>
-                <a:spcPts val="500"/>
-              </a:spcBef>
-              <a:buFont typeface="Arial" panose="020B0604020202020204" pitchFamily="34" charset="0"/>
-              <a:buChar char="•"/>
-              <a:defRPr sz="1800" kern="1200">
-                <a:solidFill>
-                  <a:schemeClr val="tx1"/>
-                </a:solidFill>
-                <a:latin typeface="+mn-lt"/>
-                <a:ea typeface="+mn-ea"/>
-                <a:cs typeface="+mn-cs"/>
-              </a:defRPr>
-            </a:lvl5pPr>
-            <a:lvl6pPr marL="2514600" indent="-228600" algn="l" defTabSz="914400" rtl="0" eaLnBrk="1" latinLnBrk="0" hangingPunct="1">
-              <a:lnSpc>
-                <a:spcPct val="90000"/>
-              </a:lnSpc>
-              <a:spcBef>
-                <a:spcPts val="500"/>
-              </a:spcBef>
-              <a:buFont typeface="Arial" panose="020B0604020202020204" pitchFamily="34" charset="0"/>
-              <a:buChar char="•"/>
-              <a:defRPr sz="1800" kern="1200">
-                <a:solidFill>
-                  <a:schemeClr val="tx1"/>
-                </a:solidFill>
-                <a:latin typeface="+mn-lt"/>
-                <a:ea typeface="+mn-ea"/>
-                <a:cs typeface="+mn-cs"/>
-              </a:defRPr>
-            </a:lvl6pPr>
-            <a:lvl7pPr marL="2971800" indent="-228600" algn="l" defTabSz="914400" rtl="0" eaLnBrk="1" latinLnBrk="0" hangingPunct="1">
-              <a:lnSpc>
-                <a:spcPct val="90000"/>
-              </a:lnSpc>
-              <a:spcBef>
-                <a:spcPts val="500"/>
-              </a:spcBef>
-              <a:buFont typeface="Arial" panose="020B0604020202020204" pitchFamily="34" charset="0"/>
-              <a:buChar char="•"/>
-              <a:defRPr sz="1800" kern="1200">
-                <a:solidFill>
-                  <a:schemeClr val="tx1"/>
-                </a:solidFill>
-                <a:latin typeface="+mn-lt"/>
-                <a:ea typeface="+mn-ea"/>
-                <a:cs typeface="+mn-cs"/>
-              </a:defRPr>
-            </a:lvl7pPr>
-            <a:lvl8pPr marL="3429000" indent="-228600" algn="l" defTabSz="914400" rtl="0" eaLnBrk="1" latinLnBrk="0" hangingPunct="1">
-              <a:lnSpc>
-                <a:spcPct val="90000"/>
-              </a:lnSpc>
-              <a:spcBef>
-                <a:spcPts val="500"/>
-              </a:spcBef>
-              <a:buFont typeface="Arial" panose="020B0604020202020204" pitchFamily="34" charset="0"/>
-              <a:buChar char="•"/>
-              <a:defRPr sz="1800" kern="1200">
-                <a:solidFill>
-                  <a:schemeClr val="tx1"/>
-                </a:solidFill>
-                <a:latin typeface="+mn-lt"/>
-                <a:ea typeface="+mn-ea"/>
-                <a:cs typeface="+mn-cs"/>
-              </a:defRPr>
-            </a:lvl8pPr>
-            <a:lvl9pPr marL="3886200" indent="-228600" algn="l" defTabSz="914400" rtl="0" eaLnBrk="1" latinLnBrk="0" hangingPunct="1">
-              <a:lnSpc>
-                <a:spcPct val="90000"/>
-              </a:lnSpc>
-              <a:spcBef>
-                <a:spcPts val="500"/>
-              </a:spcBef>
-              <a:buFont typeface="Arial" panose="020B0604020202020204" pitchFamily="34" charset="0"/>
-              <a:buChar char="•"/>
-              <a:defRPr sz="1800" kern="1200">
-                <a:solidFill>
-                  <a:schemeClr val="tx1"/>
-                </a:solidFill>
-                <a:latin typeface="+mn-lt"/>
-                <a:ea typeface="+mn-ea"/>
-                <a:cs typeface="+mn-cs"/>
-              </a:defRPr>
-            </a:lvl9pPr>
-          </a:lstStyle>
-          <a:p>
-            <a:pPr marL="0" marR="0" lvl="0" indent="0" algn="ctr" defTabSz="914400" rtl="0" eaLnBrk="1" fontAlgn="auto" latinLnBrk="0" hangingPunct="1">
-              <a:lnSpc>
-                <a:spcPct val="90000"/>
-              </a:lnSpc>
-              <a:spcBef>
-                <a:spcPts val="1000"/>
-              </a:spcBef>
-              <a:spcAft>
-                <a:spcPts val="0"/>
-              </a:spcAft>
-              <a:buClrTx/>
-              <a:buSzTx/>
-              <a:buFont typeface="Arial" panose="020B0604020202020204" pitchFamily="34" charset="0"/>
-              <a:buNone/>
-              <a:tabLst/>
-              <a:defRPr/>
-            </a:pPr>
-            <a:r>
-              <a:rPr kumimoji="0" lang="pl-PL" sz="2000" b="0" i="0" u="none" strike="noStrike" kern="1200" cap="none" spc="0" normalizeH="0" baseline="0" noProof="0" dirty="0">
-                <a:ln>
-                  <a:noFill/>
-                </a:ln>
-                <a:solidFill>
-                  <a:srgbClr val="FF0000"/>
-                </a:solidFill>
-                <a:effectLst/>
-                <a:uLnTx/>
-                <a:uFillTx/>
-                <a:latin typeface="Calibri" panose="020F0502020204030204"/>
-                <a:ea typeface="+mn-ea"/>
-                <a:cs typeface="+mn-cs"/>
-              </a:rPr>
-              <a:t>Proszę nacisnąć „L”, aby ROZPOCZĄĆ EKSPERYMENT…</a:t>
-            </a:r>
-          </a:p>
-          <a:p>
-            <a:pPr marL="0" marR="0" lvl="0" indent="0" algn="ctr" defTabSz="914400" rtl="0" eaLnBrk="1" fontAlgn="auto" latinLnBrk="0" hangingPunct="1">
-              <a:lnSpc>
-                <a:spcPct val="90000"/>
-              </a:lnSpc>
-              <a:spcBef>
-                <a:spcPts val="1000"/>
-              </a:spcBef>
-              <a:spcAft>
-                <a:spcPts val="0"/>
-              </a:spcAft>
-              <a:buClrTx/>
-              <a:buSzTx/>
-              <a:buFont typeface="Arial" panose="020B0604020202020204" pitchFamily="34" charset="0"/>
-              <a:buNone/>
-              <a:tabLst/>
-              <a:defRPr/>
-            </a:pPr>
-            <a:r>
-              <a:rPr kumimoji="0" lang="pl-PL" sz="2000" b="0" i="0" u="none" strike="noStrike" kern="1200" cap="none" spc="0" normalizeH="0" baseline="0" noProof="0" dirty="0">
-                <a:ln>
-                  <a:noFill/>
-                </a:ln>
-                <a:solidFill>
-                  <a:srgbClr val="FF0000"/>
-                </a:solidFill>
-                <a:effectLst/>
-                <a:uLnTx/>
-                <a:uFillTx/>
-                <a:latin typeface="Calibri" panose="020F0502020204030204"/>
-                <a:ea typeface="+mn-ea"/>
-                <a:cs typeface="+mn-cs"/>
-              </a:rPr>
-              <a:t>lub „D”, aby cofnąć się do poprzedniego slajdu…</a:t>
-            </a:r>
-            <a:endParaRPr kumimoji="0" lang="en-US" sz="2000" b="0" i="0" u="none" strike="noStrike" kern="1200" cap="none" spc="0" normalizeH="0" baseline="0" noProof="0" dirty="0">
-              <a:ln>
-                <a:noFill/>
-              </a:ln>
-              <a:solidFill>
-                <a:srgbClr val="FF0000"/>
-              </a:solidFill>
-              <a:effectLst/>
-              <a:uLnTx/>
-              <a:uFillTx/>
-              <a:latin typeface="Calibri" panose="020F0502020204030204"/>
-              <a:ea typeface="+mn-ea"/>
-              <a:cs typeface="+mn-cs"/>
-            </a:endParaRPr>
-          </a:p>
-        </p:txBody>
-      </p:sp>
-      <p:sp>
-        <p:nvSpPr>
-          <p:cNvPr id="7" name="Content Placeholder 2">
-            <a:extLst>
-              <a:ext uri="{FF2B5EF4-FFF2-40B4-BE49-F238E27FC236}">
-                <a16:creationId xmlns:a16="http://schemas.microsoft.com/office/drawing/2014/main" id="{02466EF3-302C-4960-8543-BE397448108A}"/>
-              </a:ext>
-            </a:extLst>
-          </p:cNvPr>
-          <p:cNvSpPr txBox="1">
-            <a:spLocks/>
-          </p:cNvSpPr>
-          <p:nvPr/>
-        </p:nvSpPr>
-        <p:spPr>
-          <a:xfrm>
-            <a:off x="1800727" y="3058661"/>
-            <a:ext cx="8590546" cy="740677"/>
-          </a:xfrm>
-          <a:prstGeom prst="rect">
-            <a:avLst/>
-          </a:prstGeom>
-        </p:spPr>
-        <p:txBody>
-          <a:bodyPr vert="horz" lIns="91440" tIns="45720" rIns="91440" bIns="45720" rtlCol="0">
-            <a:normAutofit lnSpcReduction="10000"/>
-          </a:bodyPr>
-          <a:lstStyle>
-            <a:lvl1pPr marL="228600" indent="-228600" algn="l" defTabSz="914400" rtl="0" eaLnBrk="1" latinLnBrk="0" hangingPunct="1">
-              <a:lnSpc>
-                <a:spcPct val="90000"/>
-              </a:lnSpc>
-              <a:spcBef>
-                <a:spcPts val="1000"/>
-              </a:spcBef>
-              <a:buFont typeface="Arial" panose="020B0604020202020204" pitchFamily="34" charset="0"/>
-              <a:buChar char="•"/>
-              <a:defRPr sz="2800" kern="1200">
-                <a:solidFill>
-                  <a:schemeClr val="tx1"/>
-                </a:solidFill>
-                <a:latin typeface="+mn-lt"/>
-                <a:ea typeface="+mn-ea"/>
-                <a:cs typeface="+mn-cs"/>
-              </a:defRPr>
-            </a:lvl1pPr>
-            <a:lvl2pPr marL="685800" indent="-228600" algn="l" defTabSz="914400" rtl="0" eaLnBrk="1" latinLnBrk="0" hangingPunct="1">
-              <a:lnSpc>
-                <a:spcPct val="90000"/>
-              </a:lnSpc>
-              <a:spcBef>
-                <a:spcPts val="500"/>
-              </a:spcBef>
-              <a:buFont typeface="Arial" panose="020B0604020202020204" pitchFamily="34" charset="0"/>
-              <a:buChar char="•"/>
-              <a:defRPr sz="2400" kern="1200">
-                <a:solidFill>
-                  <a:schemeClr val="tx1"/>
-                </a:solidFill>
-                <a:latin typeface="+mn-lt"/>
-                <a:ea typeface="+mn-ea"/>
-                <a:cs typeface="+mn-cs"/>
-              </a:defRPr>
-            </a:lvl2pPr>
-            <a:lvl3pPr marL="1143000" indent="-228600" algn="l" defTabSz="914400" rtl="0" eaLnBrk="1" latinLnBrk="0" hangingPunct="1">
-              <a:lnSpc>
-                <a:spcPct val="90000"/>
-              </a:lnSpc>
-              <a:spcBef>
-                <a:spcPts val="500"/>
-              </a:spcBef>
-              <a:buFont typeface="Arial" panose="020B0604020202020204" pitchFamily="34" charset="0"/>
-              <a:buChar char="•"/>
-              <a:defRPr sz="2000" kern="1200">
-                <a:solidFill>
-                  <a:schemeClr val="tx1"/>
-                </a:solidFill>
-                <a:latin typeface="+mn-lt"/>
-                <a:ea typeface="+mn-ea"/>
-                <a:cs typeface="+mn-cs"/>
-              </a:defRPr>
-            </a:lvl3pPr>
-            <a:lvl4pPr marL="1600200" indent="-228600" algn="l" defTabSz="914400" rtl="0" eaLnBrk="1" latinLnBrk="0" hangingPunct="1">
-              <a:lnSpc>
-                <a:spcPct val="90000"/>
-              </a:lnSpc>
-              <a:spcBef>
-                <a:spcPts val="500"/>
-              </a:spcBef>
-              <a:buFont typeface="Arial" panose="020B0604020202020204" pitchFamily="34" charset="0"/>
-              <a:buChar char="•"/>
-              <a:defRPr sz="1800" kern="1200">
-                <a:solidFill>
-                  <a:schemeClr val="tx1"/>
-                </a:solidFill>
-                <a:latin typeface="+mn-lt"/>
-                <a:ea typeface="+mn-ea"/>
-                <a:cs typeface="+mn-cs"/>
-              </a:defRPr>
-            </a:lvl4pPr>
-            <a:lvl5pPr marL="2057400" indent="-228600" algn="l" defTabSz="914400" rtl="0" eaLnBrk="1" latinLnBrk="0" hangingPunct="1">
-              <a:lnSpc>
-                <a:spcPct val="90000"/>
-              </a:lnSpc>
-              <a:spcBef>
-                <a:spcPts val="500"/>
-              </a:spcBef>
-              <a:buFont typeface="Arial" panose="020B0604020202020204" pitchFamily="34" charset="0"/>
-              <a:buChar char="•"/>
-              <a:defRPr sz="1800" kern="1200">
-                <a:solidFill>
-                  <a:schemeClr val="tx1"/>
-                </a:solidFill>
-                <a:latin typeface="+mn-lt"/>
-                <a:ea typeface="+mn-ea"/>
-                <a:cs typeface="+mn-cs"/>
-              </a:defRPr>
-            </a:lvl5pPr>
-            <a:lvl6pPr marL="2514600" indent="-228600" algn="l" defTabSz="914400" rtl="0" eaLnBrk="1" latinLnBrk="0" hangingPunct="1">
-              <a:lnSpc>
-                <a:spcPct val="90000"/>
-              </a:lnSpc>
-              <a:spcBef>
-                <a:spcPts val="500"/>
-              </a:spcBef>
-              <a:buFont typeface="Arial" panose="020B0604020202020204" pitchFamily="34" charset="0"/>
-              <a:buChar char="•"/>
-              <a:defRPr sz="1800" kern="1200">
-                <a:solidFill>
-                  <a:schemeClr val="tx1"/>
-                </a:solidFill>
-                <a:latin typeface="+mn-lt"/>
-                <a:ea typeface="+mn-ea"/>
-                <a:cs typeface="+mn-cs"/>
-              </a:defRPr>
-            </a:lvl6pPr>
-            <a:lvl7pPr marL="2971800" indent="-228600" algn="l" defTabSz="914400" rtl="0" eaLnBrk="1" latinLnBrk="0" hangingPunct="1">
-              <a:lnSpc>
-                <a:spcPct val="90000"/>
-              </a:lnSpc>
-              <a:spcBef>
-                <a:spcPts val="500"/>
-              </a:spcBef>
-              <a:buFont typeface="Arial" panose="020B0604020202020204" pitchFamily="34" charset="0"/>
-              <a:buChar char="•"/>
-              <a:defRPr sz="1800" kern="1200">
-                <a:solidFill>
-                  <a:schemeClr val="tx1"/>
-                </a:solidFill>
-                <a:latin typeface="+mn-lt"/>
-                <a:ea typeface="+mn-ea"/>
-                <a:cs typeface="+mn-cs"/>
-              </a:defRPr>
-            </a:lvl7pPr>
-            <a:lvl8pPr marL="3429000" indent="-228600" algn="l" defTabSz="914400" rtl="0" eaLnBrk="1" latinLnBrk="0" hangingPunct="1">
-              <a:lnSpc>
-                <a:spcPct val="90000"/>
-              </a:lnSpc>
-              <a:spcBef>
-                <a:spcPts val="500"/>
-              </a:spcBef>
-              <a:buFont typeface="Arial" panose="020B0604020202020204" pitchFamily="34" charset="0"/>
-              <a:buChar char="•"/>
-              <a:defRPr sz="1800" kern="1200">
-                <a:solidFill>
-                  <a:schemeClr val="tx1"/>
-                </a:solidFill>
-                <a:latin typeface="+mn-lt"/>
-                <a:ea typeface="+mn-ea"/>
-                <a:cs typeface="+mn-cs"/>
-              </a:defRPr>
-            </a:lvl8pPr>
-            <a:lvl9pPr marL="3886200" indent="-228600" algn="l" defTabSz="914400" rtl="0" eaLnBrk="1" latinLnBrk="0" hangingPunct="1">
-              <a:lnSpc>
-                <a:spcPct val="90000"/>
-              </a:lnSpc>
-              <a:spcBef>
-                <a:spcPts val="500"/>
-              </a:spcBef>
-              <a:buFont typeface="Arial" panose="020B0604020202020204" pitchFamily="34" charset="0"/>
-              <a:buChar char="•"/>
-              <a:defRPr sz="1800" kern="1200">
-                <a:solidFill>
-                  <a:schemeClr val="tx1"/>
-                </a:solidFill>
-                <a:latin typeface="+mn-lt"/>
-                <a:ea typeface="+mn-ea"/>
-                <a:cs typeface="+mn-cs"/>
-              </a:defRPr>
-            </a:lvl9pPr>
-          </a:lstStyle>
-          <a:p>
-            <a:pPr marL="0" marR="0" lvl="0" indent="0" algn="ctr" defTabSz="914400" rtl="0" eaLnBrk="1" fontAlgn="auto" latinLnBrk="0" hangingPunct="1">
-              <a:lnSpc>
-                <a:spcPct val="90000"/>
-              </a:lnSpc>
-              <a:spcBef>
-                <a:spcPts val="1000"/>
-              </a:spcBef>
-              <a:spcAft>
-                <a:spcPts val="0"/>
-              </a:spcAft>
-              <a:buClrTx/>
-              <a:buSzTx/>
-              <a:buFont typeface="Arial" panose="020B0604020202020204" pitchFamily="34" charset="0"/>
-              <a:buNone/>
-              <a:tabLst/>
-              <a:defRPr/>
-            </a:pPr>
-            <a:r>
-              <a:rPr kumimoji="0" lang="pl-PL" sz="2400" b="0" i="0" u="none" strike="noStrike" kern="1200" cap="none" spc="0" normalizeH="0" baseline="0" noProof="0" dirty="0">
-                <a:ln>
-                  <a:noFill/>
-                </a:ln>
-                <a:solidFill>
-                  <a:prstClr val="white"/>
-                </a:solidFill>
-                <a:effectLst/>
-                <a:uLnTx/>
-                <a:uFillTx/>
-                <a:latin typeface="Calibri" panose="020F0502020204030204"/>
-                <a:ea typeface="+mn-ea"/>
-                <a:cs typeface="+mn-cs"/>
-              </a:rPr>
-              <a:t>Proszę</a:t>
-            </a:r>
-            <a:r>
-              <a:rPr kumimoji="0" lang="en-US" sz="2400" b="0" i="0" u="none" strike="noStrike" kern="1200" cap="none" spc="0" normalizeH="0" baseline="0" noProof="0" dirty="0">
-                <a:ln>
-                  <a:noFill/>
-                </a:ln>
-                <a:solidFill>
-                  <a:prstClr val="white"/>
-                </a:solidFill>
-                <a:effectLst/>
-                <a:uLnTx/>
-                <a:uFillTx/>
-                <a:latin typeface="Calibri" panose="020F0502020204030204"/>
-                <a:ea typeface="+mn-ea"/>
-                <a:cs typeface="+mn-cs"/>
-              </a:rPr>
-              <a:t> </a:t>
-            </a:r>
-            <a:r>
-              <a:rPr kumimoji="0" lang="en-US" sz="2400" b="0" i="0" u="none" strike="noStrike" kern="1200" cap="none" spc="0" normalizeH="0" baseline="0" noProof="0" dirty="0" err="1">
-                <a:ln>
-                  <a:noFill/>
-                </a:ln>
-                <a:solidFill>
-                  <a:prstClr val="white"/>
-                </a:solidFill>
-                <a:effectLst/>
-                <a:uLnTx/>
-                <a:uFillTx/>
-                <a:latin typeface="Calibri" panose="020F0502020204030204"/>
-                <a:ea typeface="+mn-ea"/>
-                <a:cs typeface="+mn-cs"/>
-              </a:rPr>
-              <a:t>teraz</a:t>
-            </a:r>
-            <a:r>
-              <a:rPr kumimoji="0" lang="pl-PL" sz="2400" b="0" i="0" u="none" strike="noStrike" kern="1200" cap="none" spc="0" normalizeH="0" baseline="0" noProof="0" dirty="0">
-                <a:ln>
-                  <a:noFill/>
-                </a:ln>
-                <a:solidFill>
-                  <a:prstClr val="white"/>
-                </a:solidFill>
-                <a:effectLst/>
-                <a:uLnTx/>
-                <a:uFillTx/>
-                <a:latin typeface="Calibri" panose="020F0502020204030204"/>
-                <a:ea typeface="+mn-ea"/>
-                <a:cs typeface="+mn-cs"/>
-              </a:rPr>
-              <a:t> położyć palec wskazujący lewej ręki na klawiszu „D” na klawiaturze, a prawej ręki na klawiszu „L”.</a:t>
-            </a:r>
-            <a:endParaRPr kumimoji="0" lang="en-US" sz="2400" b="0" i="0" u="none" strike="noStrike" kern="1200" cap="none" spc="0" normalizeH="0" baseline="0" noProof="0" dirty="0">
-              <a:ln>
-                <a:noFill/>
-              </a:ln>
-              <a:solidFill>
-                <a:prstClr val="white"/>
-              </a:solidFill>
-              <a:effectLst/>
-              <a:uLnTx/>
-              <a:uFillTx/>
-              <a:latin typeface="Calibri" panose="020F0502020204030204"/>
-              <a:ea typeface="+mn-ea"/>
-              <a:cs typeface="+mn-cs"/>
-            </a:endParaRPr>
-          </a:p>
-        </p:txBody>
-      </p:sp>
-    </p:spTree>
-    <p:extLst>
-      <p:ext uri="{BB962C8B-B14F-4D97-AF65-F5344CB8AC3E}">
-        <p14:creationId xmlns:p14="http://schemas.microsoft.com/office/powerpoint/2010/main" val="4220115985"/>
-      </p:ext>
-    </p:extLst>
-  </p:cSld>
-  <p:clrMapOvr>
-    <a:masterClrMapping/>
-  </p:clrMapOvr>
-</p:sld>
-</file>
-
-<file path=ppt/slides/slide7.xml><?xml version="1.0" encoding="utf-8"?>
-<p:sld xmlns:a="http://schemas.openxmlformats.org/drawingml/2006/main" xmlns:r="http://schemas.openxmlformats.org/officeDocument/2006/relationships" xmlns:p="http://schemas.openxmlformats.org/presentationml/2006/main">
-  <p:cSld>
-    <p:bg>
-      <p:bgPr>
-        <a:solidFill>
-          <a:schemeClr val="tx1"/>
-        </a:solidFill>
-        <a:effectLst/>
-      </p:bgPr>
-    </p:bg>
-    <p:spTree>
-      <p:nvGrpSpPr>
-        <p:cNvPr id="1" name=""/>
-        <p:cNvGrpSpPr/>
-        <p:nvPr/>
-      </p:nvGrpSpPr>
-      <p:grpSpPr>
-        <a:xfrm>
-          <a:off x="0" y="0"/>
-          <a:ext cx="0" cy="0"/>
-          <a:chOff x="0" y="0"/>
-          <a:chExt cx="0" cy="0"/>
-        </a:xfrm>
-      </p:grpSpPr>
-      <p:sp>
-        <p:nvSpPr>
-          <p:cNvPr id="4" name="Content Placeholder 2">
-            <a:extLst>
-              <a:ext uri="{FF2B5EF4-FFF2-40B4-BE49-F238E27FC236}">
-                <a16:creationId xmlns:a16="http://schemas.microsoft.com/office/drawing/2014/main" id="{46DF36C4-BF62-41C8-87BC-20EB0ECF88CF}"/>
-              </a:ext>
-            </a:extLst>
-          </p:cNvPr>
-          <p:cNvSpPr txBox="1">
-            <a:spLocks/>
-          </p:cNvSpPr>
-          <p:nvPr/>
-        </p:nvSpPr>
-        <p:spPr>
-          <a:xfrm>
-            <a:off x="838200" y="6039514"/>
-            <a:ext cx="10515600" cy="730253"/>
-          </a:xfrm>
-          <a:prstGeom prst="rect">
-            <a:avLst/>
-          </a:prstGeom>
-        </p:spPr>
-        <p:txBody>
-          <a:bodyPr vert="horz" lIns="91440" tIns="45720" rIns="91440" bIns="45720" rtlCol="0">
-            <a:normAutofit/>
-          </a:bodyPr>
-          <a:lstStyle>
-            <a:lvl1pPr marL="228600" indent="-228600" algn="l" defTabSz="914400" rtl="0" eaLnBrk="1" latinLnBrk="0" hangingPunct="1">
-              <a:lnSpc>
-                <a:spcPct val="90000"/>
-              </a:lnSpc>
-              <a:spcBef>
-                <a:spcPts val="1000"/>
-              </a:spcBef>
-              <a:buFont typeface="Arial" panose="020B0604020202020204" pitchFamily="34" charset="0"/>
-              <a:buChar char="•"/>
-              <a:defRPr sz="2800" kern="1200">
-                <a:solidFill>
-                  <a:schemeClr val="tx1"/>
-                </a:solidFill>
-                <a:latin typeface="+mn-lt"/>
-                <a:ea typeface="+mn-ea"/>
-                <a:cs typeface="+mn-cs"/>
-              </a:defRPr>
-            </a:lvl1pPr>
-            <a:lvl2pPr marL="685800" indent="-228600" algn="l" defTabSz="914400" rtl="0" eaLnBrk="1" latinLnBrk="0" hangingPunct="1">
-              <a:lnSpc>
-                <a:spcPct val="90000"/>
-              </a:lnSpc>
-              <a:spcBef>
-                <a:spcPts val="500"/>
-              </a:spcBef>
-              <a:buFont typeface="Arial" panose="020B0604020202020204" pitchFamily="34" charset="0"/>
-              <a:buChar char="•"/>
-              <a:defRPr sz="2400" kern="1200">
-                <a:solidFill>
-                  <a:schemeClr val="tx1"/>
-                </a:solidFill>
-                <a:latin typeface="+mn-lt"/>
-                <a:ea typeface="+mn-ea"/>
-                <a:cs typeface="+mn-cs"/>
-              </a:defRPr>
-            </a:lvl2pPr>
-            <a:lvl3pPr marL="1143000" indent="-228600" algn="l" defTabSz="914400" rtl="0" eaLnBrk="1" latinLnBrk="0" hangingPunct="1">
-              <a:lnSpc>
-                <a:spcPct val="90000"/>
-              </a:lnSpc>
-              <a:spcBef>
-                <a:spcPts val="500"/>
-              </a:spcBef>
-              <a:buFont typeface="Arial" panose="020B0604020202020204" pitchFamily="34" charset="0"/>
-              <a:buChar char="•"/>
-              <a:defRPr sz="2000" kern="1200">
-                <a:solidFill>
-                  <a:schemeClr val="tx1"/>
-                </a:solidFill>
-                <a:latin typeface="+mn-lt"/>
-                <a:ea typeface="+mn-ea"/>
-                <a:cs typeface="+mn-cs"/>
-              </a:defRPr>
-            </a:lvl3pPr>
-            <a:lvl4pPr marL="1600200" indent="-228600" algn="l" defTabSz="914400" rtl="0" eaLnBrk="1" latinLnBrk="0" hangingPunct="1">
-              <a:lnSpc>
-                <a:spcPct val="90000"/>
-              </a:lnSpc>
-              <a:spcBef>
-                <a:spcPts val="500"/>
-              </a:spcBef>
-              <a:buFont typeface="Arial" panose="020B0604020202020204" pitchFamily="34" charset="0"/>
-              <a:buChar char="•"/>
-              <a:defRPr sz="1800" kern="1200">
-                <a:solidFill>
-                  <a:schemeClr val="tx1"/>
-                </a:solidFill>
-                <a:latin typeface="+mn-lt"/>
-                <a:ea typeface="+mn-ea"/>
-                <a:cs typeface="+mn-cs"/>
-              </a:defRPr>
-            </a:lvl4pPr>
-            <a:lvl5pPr marL="2057400" indent="-228600" algn="l" defTabSz="914400" rtl="0" eaLnBrk="1" latinLnBrk="0" hangingPunct="1">
-              <a:lnSpc>
-                <a:spcPct val="90000"/>
-              </a:lnSpc>
-              <a:spcBef>
-                <a:spcPts val="500"/>
-              </a:spcBef>
-              <a:buFont typeface="Arial" panose="020B0604020202020204" pitchFamily="34" charset="0"/>
-              <a:buChar char="•"/>
-              <a:defRPr sz="1800" kern="1200">
-                <a:solidFill>
-                  <a:schemeClr val="tx1"/>
-                </a:solidFill>
-                <a:latin typeface="+mn-lt"/>
-                <a:ea typeface="+mn-ea"/>
-                <a:cs typeface="+mn-cs"/>
-              </a:defRPr>
-            </a:lvl5pPr>
-            <a:lvl6pPr marL="2514600" indent="-228600" algn="l" defTabSz="914400" rtl="0" eaLnBrk="1" latinLnBrk="0" hangingPunct="1">
-              <a:lnSpc>
-                <a:spcPct val="90000"/>
-              </a:lnSpc>
-              <a:spcBef>
-                <a:spcPts val="500"/>
-              </a:spcBef>
-              <a:buFont typeface="Arial" panose="020B0604020202020204" pitchFamily="34" charset="0"/>
-              <a:buChar char="•"/>
-              <a:defRPr sz="1800" kern="1200">
-                <a:solidFill>
-                  <a:schemeClr val="tx1"/>
-                </a:solidFill>
-                <a:latin typeface="+mn-lt"/>
-                <a:ea typeface="+mn-ea"/>
-                <a:cs typeface="+mn-cs"/>
-              </a:defRPr>
-            </a:lvl6pPr>
-            <a:lvl7pPr marL="2971800" indent="-228600" algn="l" defTabSz="914400" rtl="0" eaLnBrk="1" latinLnBrk="0" hangingPunct="1">
-              <a:lnSpc>
-                <a:spcPct val="90000"/>
-              </a:lnSpc>
-              <a:spcBef>
-                <a:spcPts val="500"/>
-              </a:spcBef>
-              <a:buFont typeface="Arial" panose="020B0604020202020204" pitchFamily="34" charset="0"/>
-              <a:buChar char="•"/>
-              <a:defRPr sz="1800" kern="1200">
-                <a:solidFill>
-                  <a:schemeClr val="tx1"/>
-                </a:solidFill>
-                <a:latin typeface="+mn-lt"/>
-                <a:ea typeface="+mn-ea"/>
-                <a:cs typeface="+mn-cs"/>
-              </a:defRPr>
-            </a:lvl7pPr>
-            <a:lvl8pPr marL="3429000" indent="-228600" algn="l" defTabSz="914400" rtl="0" eaLnBrk="1" latinLnBrk="0" hangingPunct="1">
-              <a:lnSpc>
-                <a:spcPct val="90000"/>
-              </a:lnSpc>
-              <a:spcBef>
-                <a:spcPts val="500"/>
-              </a:spcBef>
-              <a:buFont typeface="Arial" panose="020B0604020202020204" pitchFamily="34" charset="0"/>
-              <a:buChar char="•"/>
-              <a:defRPr sz="1800" kern="1200">
-                <a:solidFill>
-                  <a:schemeClr val="tx1"/>
-                </a:solidFill>
-                <a:latin typeface="+mn-lt"/>
-                <a:ea typeface="+mn-ea"/>
-                <a:cs typeface="+mn-cs"/>
-              </a:defRPr>
-            </a:lvl8pPr>
-            <a:lvl9pPr marL="3886200" indent="-228600" algn="l" defTabSz="914400" rtl="0" eaLnBrk="1" latinLnBrk="0" hangingPunct="1">
-              <a:lnSpc>
-                <a:spcPct val="90000"/>
-              </a:lnSpc>
-              <a:spcBef>
-                <a:spcPts val="500"/>
-              </a:spcBef>
-              <a:buFont typeface="Arial" panose="020B0604020202020204" pitchFamily="34" charset="0"/>
-              <a:buChar char="•"/>
-              <a:defRPr sz="1800" kern="1200">
-                <a:solidFill>
-                  <a:schemeClr val="tx1"/>
-                </a:solidFill>
-                <a:latin typeface="+mn-lt"/>
-                <a:ea typeface="+mn-ea"/>
-                <a:cs typeface="+mn-cs"/>
-              </a:defRPr>
-            </a:lvl9pPr>
-          </a:lstStyle>
-          <a:p>
-            <a:pPr marL="0" marR="0" lvl="0" indent="0" algn="ctr" defTabSz="914400" rtl="0" eaLnBrk="1" fontAlgn="auto" latinLnBrk="0" hangingPunct="1">
-              <a:lnSpc>
-                <a:spcPct val="90000"/>
-              </a:lnSpc>
-              <a:spcBef>
-                <a:spcPts val="1000"/>
-              </a:spcBef>
-              <a:spcAft>
-                <a:spcPts val="0"/>
-              </a:spcAft>
-              <a:buClrTx/>
-              <a:buSzTx/>
-              <a:buFont typeface="Arial" panose="020B0604020202020204" pitchFamily="34" charset="0"/>
-              <a:buNone/>
-              <a:tabLst/>
-              <a:defRPr/>
-            </a:pPr>
-            <a:r>
-              <a:rPr kumimoji="0" lang="pl-PL" sz="2000" b="0" i="0" u="none" strike="noStrike" kern="1200" cap="none" spc="0" normalizeH="0" baseline="0" noProof="0" dirty="0">
-                <a:ln>
-                  <a:noFill/>
-                </a:ln>
-                <a:solidFill>
-                  <a:prstClr val="white"/>
-                </a:solidFill>
-                <a:effectLst/>
-                <a:uLnTx/>
-                <a:uFillTx/>
-                <a:latin typeface="Calibri" panose="020F0502020204030204"/>
-                <a:ea typeface="+mn-ea"/>
-                <a:cs typeface="+mn-cs"/>
-              </a:rPr>
-              <a:t>Proszę nacisnąć „L”, aby kontynuować…</a:t>
-            </a:r>
-          </a:p>
-        </p:txBody>
-      </p:sp>
-      <p:sp>
-        <p:nvSpPr>
-          <p:cNvPr id="7" name="Content Placeholder 2">
-            <a:extLst>
-              <a:ext uri="{FF2B5EF4-FFF2-40B4-BE49-F238E27FC236}">
-                <a16:creationId xmlns:a16="http://schemas.microsoft.com/office/drawing/2014/main" id="{02466EF3-302C-4960-8543-BE397448108A}"/>
-              </a:ext>
-            </a:extLst>
-          </p:cNvPr>
-          <p:cNvSpPr txBox="1">
-            <a:spLocks/>
-          </p:cNvSpPr>
-          <p:nvPr/>
-        </p:nvSpPr>
-        <p:spPr>
-          <a:xfrm>
-            <a:off x="1800723" y="1408634"/>
-            <a:ext cx="8590546" cy="740677"/>
-          </a:xfrm>
-          <a:prstGeom prst="rect">
-            <a:avLst/>
-          </a:prstGeom>
-        </p:spPr>
-        <p:txBody>
-          <a:bodyPr vert="horz" lIns="91440" tIns="45720" rIns="91440" bIns="45720" rtlCol="0">
-            <a:normAutofit/>
-          </a:bodyPr>
-          <a:lstStyle>
-            <a:lvl1pPr marL="228600" indent="-228600" algn="l" defTabSz="914400" rtl="0" eaLnBrk="1" latinLnBrk="0" hangingPunct="1">
-              <a:lnSpc>
-                <a:spcPct val="90000"/>
-              </a:lnSpc>
-              <a:spcBef>
-                <a:spcPts val="1000"/>
-              </a:spcBef>
-              <a:buFont typeface="Arial" panose="020B0604020202020204" pitchFamily="34" charset="0"/>
-              <a:buChar char="•"/>
-              <a:defRPr sz="2800" kern="1200">
-                <a:solidFill>
-                  <a:schemeClr val="tx1"/>
-                </a:solidFill>
-                <a:latin typeface="+mn-lt"/>
-                <a:ea typeface="+mn-ea"/>
-                <a:cs typeface="+mn-cs"/>
-              </a:defRPr>
-            </a:lvl1pPr>
-            <a:lvl2pPr marL="685800" indent="-228600" algn="l" defTabSz="914400" rtl="0" eaLnBrk="1" latinLnBrk="0" hangingPunct="1">
-              <a:lnSpc>
-                <a:spcPct val="90000"/>
-              </a:lnSpc>
-              <a:spcBef>
-                <a:spcPts val="500"/>
-              </a:spcBef>
-              <a:buFont typeface="Arial" panose="020B0604020202020204" pitchFamily="34" charset="0"/>
-              <a:buChar char="•"/>
-              <a:defRPr sz="2400" kern="1200">
-                <a:solidFill>
-                  <a:schemeClr val="tx1"/>
-                </a:solidFill>
-                <a:latin typeface="+mn-lt"/>
-                <a:ea typeface="+mn-ea"/>
-                <a:cs typeface="+mn-cs"/>
-              </a:defRPr>
-            </a:lvl2pPr>
-            <a:lvl3pPr marL="1143000" indent="-228600" algn="l" defTabSz="914400" rtl="0" eaLnBrk="1" latinLnBrk="0" hangingPunct="1">
-              <a:lnSpc>
-                <a:spcPct val="90000"/>
-              </a:lnSpc>
-              <a:spcBef>
-                <a:spcPts val="500"/>
-              </a:spcBef>
-              <a:buFont typeface="Arial" panose="020B0604020202020204" pitchFamily="34" charset="0"/>
-              <a:buChar char="•"/>
-              <a:defRPr sz="2000" kern="1200">
-                <a:solidFill>
-                  <a:schemeClr val="tx1"/>
-                </a:solidFill>
-                <a:latin typeface="+mn-lt"/>
-                <a:ea typeface="+mn-ea"/>
-                <a:cs typeface="+mn-cs"/>
-              </a:defRPr>
-            </a:lvl3pPr>
-            <a:lvl4pPr marL="1600200" indent="-228600" algn="l" defTabSz="914400" rtl="0" eaLnBrk="1" latinLnBrk="0" hangingPunct="1">
-              <a:lnSpc>
-                <a:spcPct val="90000"/>
-              </a:lnSpc>
-              <a:spcBef>
-                <a:spcPts val="500"/>
-              </a:spcBef>
-              <a:buFont typeface="Arial" panose="020B0604020202020204" pitchFamily="34" charset="0"/>
-              <a:buChar char="•"/>
-              <a:defRPr sz="1800" kern="1200">
-                <a:solidFill>
-                  <a:schemeClr val="tx1"/>
-                </a:solidFill>
-                <a:latin typeface="+mn-lt"/>
-                <a:ea typeface="+mn-ea"/>
-                <a:cs typeface="+mn-cs"/>
-              </a:defRPr>
-            </a:lvl4pPr>
-            <a:lvl5pPr marL="2057400" indent="-228600" algn="l" defTabSz="914400" rtl="0" eaLnBrk="1" latinLnBrk="0" hangingPunct="1">
-              <a:lnSpc>
-                <a:spcPct val="90000"/>
-              </a:lnSpc>
-              <a:spcBef>
-                <a:spcPts val="500"/>
-              </a:spcBef>
-              <a:buFont typeface="Arial" panose="020B0604020202020204" pitchFamily="34" charset="0"/>
-              <a:buChar char="•"/>
-              <a:defRPr sz="1800" kern="1200">
-                <a:solidFill>
-                  <a:schemeClr val="tx1"/>
-                </a:solidFill>
-                <a:latin typeface="+mn-lt"/>
-                <a:ea typeface="+mn-ea"/>
-                <a:cs typeface="+mn-cs"/>
-              </a:defRPr>
-            </a:lvl5pPr>
-            <a:lvl6pPr marL="2514600" indent="-228600" algn="l" defTabSz="914400" rtl="0" eaLnBrk="1" latinLnBrk="0" hangingPunct="1">
-              <a:lnSpc>
-                <a:spcPct val="90000"/>
-              </a:lnSpc>
-              <a:spcBef>
-                <a:spcPts val="500"/>
-              </a:spcBef>
-              <a:buFont typeface="Arial" panose="020B0604020202020204" pitchFamily="34" charset="0"/>
-              <a:buChar char="•"/>
-              <a:defRPr sz="1800" kern="1200">
-                <a:solidFill>
-                  <a:schemeClr val="tx1"/>
-                </a:solidFill>
-                <a:latin typeface="+mn-lt"/>
-                <a:ea typeface="+mn-ea"/>
-                <a:cs typeface="+mn-cs"/>
-              </a:defRPr>
-            </a:lvl6pPr>
-            <a:lvl7pPr marL="2971800" indent="-228600" algn="l" defTabSz="914400" rtl="0" eaLnBrk="1" latinLnBrk="0" hangingPunct="1">
-              <a:lnSpc>
-                <a:spcPct val="90000"/>
-              </a:lnSpc>
-              <a:spcBef>
-                <a:spcPts val="500"/>
-              </a:spcBef>
-              <a:buFont typeface="Arial" panose="020B0604020202020204" pitchFamily="34" charset="0"/>
-              <a:buChar char="•"/>
-              <a:defRPr sz="1800" kern="1200">
-                <a:solidFill>
-                  <a:schemeClr val="tx1"/>
-                </a:solidFill>
-                <a:latin typeface="+mn-lt"/>
-                <a:ea typeface="+mn-ea"/>
-                <a:cs typeface="+mn-cs"/>
-              </a:defRPr>
-            </a:lvl7pPr>
-            <a:lvl8pPr marL="3429000" indent="-228600" algn="l" defTabSz="914400" rtl="0" eaLnBrk="1" latinLnBrk="0" hangingPunct="1">
-              <a:lnSpc>
-                <a:spcPct val="90000"/>
-              </a:lnSpc>
-              <a:spcBef>
-                <a:spcPts val="500"/>
-              </a:spcBef>
-              <a:buFont typeface="Arial" panose="020B0604020202020204" pitchFamily="34" charset="0"/>
-              <a:buChar char="•"/>
-              <a:defRPr sz="1800" kern="1200">
-                <a:solidFill>
-                  <a:schemeClr val="tx1"/>
-                </a:solidFill>
-                <a:latin typeface="+mn-lt"/>
-                <a:ea typeface="+mn-ea"/>
-                <a:cs typeface="+mn-cs"/>
-              </a:defRPr>
-            </a:lvl8pPr>
-            <a:lvl9pPr marL="3886200" indent="-228600" algn="l" defTabSz="914400" rtl="0" eaLnBrk="1" latinLnBrk="0" hangingPunct="1">
-              <a:lnSpc>
-                <a:spcPct val="90000"/>
-              </a:lnSpc>
-              <a:spcBef>
-                <a:spcPts val="500"/>
-              </a:spcBef>
-              <a:buFont typeface="Arial" panose="020B0604020202020204" pitchFamily="34" charset="0"/>
-              <a:buChar char="•"/>
-              <a:defRPr sz="1800" kern="1200">
-                <a:solidFill>
-                  <a:schemeClr val="tx1"/>
-                </a:solidFill>
-                <a:latin typeface="+mn-lt"/>
-                <a:ea typeface="+mn-ea"/>
-                <a:cs typeface="+mn-cs"/>
-              </a:defRPr>
-            </a:lvl9pPr>
-          </a:lstStyle>
-          <a:p>
-            <a:pPr marL="0" marR="0" lvl="0" indent="0" algn="ctr" defTabSz="914400" rtl="0" eaLnBrk="1" fontAlgn="auto" latinLnBrk="0" hangingPunct="1">
-              <a:lnSpc>
-                <a:spcPct val="90000"/>
-              </a:lnSpc>
-              <a:spcBef>
-                <a:spcPts val="1000"/>
-              </a:spcBef>
-              <a:spcAft>
-                <a:spcPts val="0"/>
-              </a:spcAft>
-              <a:buClrTx/>
-              <a:buSzTx/>
-              <a:buFont typeface="Arial" panose="020B0604020202020204" pitchFamily="34" charset="0"/>
-              <a:buNone/>
-              <a:tabLst/>
-              <a:defRPr/>
-            </a:pPr>
-            <a:r>
-              <a:rPr kumimoji="0" lang="pl-PL" sz="2400" b="0" i="0" u="none" strike="noStrike" kern="1200" cap="none" spc="0" normalizeH="0" baseline="0" noProof="0" dirty="0">
-                <a:ln>
-                  <a:noFill/>
-                </a:ln>
-                <a:solidFill>
-                  <a:prstClr val="white"/>
-                </a:solidFill>
-                <a:effectLst/>
-                <a:uLnTx/>
-                <a:uFillTx/>
-                <a:latin typeface="Calibri" panose="020F0502020204030204"/>
-                <a:ea typeface="+mn-ea"/>
-                <a:cs typeface="+mn-cs"/>
-              </a:rPr>
-              <a:t>Dziękujemy!</a:t>
-            </a:r>
-            <a:endParaRPr kumimoji="0" lang="en-US" sz="2400" b="0" i="0" u="none" strike="noStrike" kern="1200" cap="none" spc="0" normalizeH="0" baseline="0" noProof="0" dirty="0">
-              <a:ln>
-                <a:noFill/>
-              </a:ln>
-              <a:solidFill>
-                <a:prstClr val="white"/>
-              </a:solidFill>
-              <a:effectLst/>
-              <a:uLnTx/>
-              <a:uFillTx/>
-              <a:latin typeface="Calibri" panose="020F0502020204030204"/>
-              <a:ea typeface="+mn-ea"/>
-              <a:cs typeface="+mn-cs"/>
-            </a:endParaRPr>
-          </a:p>
-        </p:txBody>
-      </p:sp>
-      <p:sp>
-        <p:nvSpPr>
-          <p:cNvPr id="9" name="Content Placeholder 2">
-            <a:extLst>
-              <a:ext uri="{FF2B5EF4-FFF2-40B4-BE49-F238E27FC236}">
-                <a16:creationId xmlns:a16="http://schemas.microsoft.com/office/drawing/2014/main" id="{6AE46264-68D9-4CE3-A51C-8EC1E628ABC6}"/>
-              </a:ext>
-            </a:extLst>
-          </p:cNvPr>
-          <p:cNvSpPr txBox="1">
-            <a:spLocks/>
-          </p:cNvSpPr>
-          <p:nvPr/>
-        </p:nvSpPr>
-        <p:spPr>
-          <a:xfrm>
-            <a:off x="3031459" y="2476476"/>
-            <a:ext cx="6129074" cy="1078624"/>
-          </a:xfrm>
-          <a:prstGeom prst="rect">
-            <a:avLst/>
-          </a:prstGeom>
-        </p:spPr>
-        <p:txBody>
-          <a:bodyPr vert="horz" lIns="91440" tIns="45720" rIns="91440" bIns="45720" rtlCol="0">
-            <a:normAutofit/>
-          </a:bodyPr>
-          <a:lstStyle>
-            <a:lvl1pPr marL="228600" indent="-228600" algn="l" defTabSz="914400" rtl="0" eaLnBrk="1" latinLnBrk="0" hangingPunct="1">
-              <a:lnSpc>
-                <a:spcPct val="90000"/>
-              </a:lnSpc>
-              <a:spcBef>
-                <a:spcPts val="1000"/>
-              </a:spcBef>
-              <a:buFont typeface="Arial" panose="020B0604020202020204" pitchFamily="34" charset="0"/>
-              <a:buChar char="•"/>
-              <a:defRPr sz="2800" kern="1200">
-                <a:solidFill>
-                  <a:schemeClr val="tx1"/>
-                </a:solidFill>
-                <a:latin typeface="+mn-lt"/>
-                <a:ea typeface="+mn-ea"/>
-                <a:cs typeface="+mn-cs"/>
-              </a:defRPr>
-            </a:lvl1pPr>
-            <a:lvl2pPr marL="685800" indent="-228600" algn="l" defTabSz="914400" rtl="0" eaLnBrk="1" latinLnBrk="0" hangingPunct="1">
-              <a:lnSpc>
-                <a:spcPct val="90000"/>
-              </a:lnSpc>
-              <a:spcBef>
-                <a:spcPts val="500"/>
-              </a:spcBef>
-              <a:buFont typeface="Arial" panose="020B0604020202020204" pitchFamily="34" charset="0"/>
-              <a:buChar char="•"/>
-              <a:defRPr sz="2400" kern="1200">
-                <a:solidFill>
-                  <a:schemeClr val="tx1"/>
-                </a:solidFill>
-                <a:latin typeface="+mn-lt"/>
-                <a:ea typeface="+mn-ea"/>
-                <a:cs typeface="+mn-cs"/>
-              </a:defRPr>
-            </a:lvl2pPr>
-            <a:lvl3pPr marL="1143000" indent="-228600" algn="l" defTabSz="914400" rtl="0" eaLnBrk="1" latinLnBrk="0" hangingPunct="1">
-              <a:lnSpc>
-                <a:spcPct val="90000"/>
-              </a:lnSpc>
-              <a:spcBef>
-                <a:spcPts val="500"/>
-              </a:spcBef>
-              <a:buFont typeface="Arial" panose="020B0604020202020204" pitchFamily="34" charset="0"/>
-              <a:buChar char="•"/>
-              <a:defRPr sz="2000" kern="1200">
-                <a:solidFill>
-                  <a:schemeClr val="tx1"/>
-                </a:solidFill>
-                <a:latin typeface="+mn-lt"/>
-                <a:ea typeface="+mn-ea"/>
-                <a:cs typeface="+mn-cs"/>
-              </a:defRPr>
-            </a:lvl3pPr>
-            <a:lvl4pPr marL="1600200" indent="-228600" algn="l" defTabSz="914400" rtl="0" eaLnBrk="1" latinLnBrk="0" hangingPunct="1">
-              <a:lnSpc>
-                <a:spcPct val="90000"/>
-              </a:lnSpc>
-              <a:spcBef>
-                <a:spcPts val="500"/>
-              </a:spcBef>
-              <a:buFont typeface="Arial" panose="020B0604020202020204" pitchFamily="34" charset="0"/>
-              <a:buChar char="•"/>
-              <a:defRPr sz="1800" kern="1200">
-                <a:solidFill>
-                  <a:schemeClr val="tx1"/>
-                </a:solidFill>
-                <a:latin typeface="+mn-lt"/>
-                <a:ea typeface="+mn-ea"/>
-                <a:cs typeface="+mn-cs"/>
-              </a:defRPr>
-            </a:lvl4pPr>
-            <a:lvl5pPr marL="2057400" indent="-228600" algn="l" defTabSz="914400" rtl="0" eaLnBrk="1" latinLnBrk="0" hangingPunct="1">
-              <a:lnSpc>
-                <a:spcPct val="90000"/>
-              </a:lnSpc>
-              <a:spcBef>
-                <a:spcPts val="500"/>
-              </a:spcBef>
-              <a:buFont typeface="Arial" panose="020B0604020202020204" pitchFamily="34" charset="0"/>
-              <a:buChar char="•"/>
-              <a:defRPr sz="1800" kern="1200">
-                <a:solidFill>
-                  <a:schemeClr val="tx1"/>
-                </a:solidFill>
-                <a:latin typeface="+mn-lt"/>
-                <a:ea typeface="+mn-ea"/>
-                <a:cs typeface="+mn-cs"/>
-              </a:defRPr>
-            </a:lvl5pPr>
-            <a:lvl6pPr marL="2514600" indent="-228600" algn="l" defTabSz="914400" rtl="0" eaLnBrk="1" latinLnBrk="0" hangingPunct="1">
-              <a:lnSpc>
-                <a:spcPct val="90000"/>
-              </a:lnSpc>
-              <a:spcBef>
-                <a:spcPts val="500"/>
-              </a:spcBef>
-              <a:buFont typeface="Arial" panose="020B0604020202020204" pitchFamily="34" charset="0"/>
-              <a:buChar char="•"/>
-              <a:defRPr sz="1800" kern="1200">
-                <a:solidFill>
-                  <a:schemeClr val="tx1"/>
-                </a:solidFill>
-                <a:latin typeface="+mn-lt"/>
-                <a:ea typeface="+mn-ea"/>
-                <a:cs typeface="+mn-cs"/>
-              </a:defRPr>
-            </a:lvl6pPr>
-            <a:lvl7pPr marL="2971800" indent="-228600" algn="l" defTabSz="914400" rtl="0" eaLnBrk="1" latinLnBrk="0" hangingPunct="1">
-              <a:lnSpc>
-                <a:spcPct val="90000"/>
-              </a:lnSpc>
-              <a:spcBef>
-                <a:spcPts val="500"/>
-              </a:spcBef>
-              <a:buFont typeface="Arial" panose="020B0604020202020204" pitchFamily="34" charset="0"/>
-              <a:buChar char="•"/>
-              <a:defRPr sz="1800" kern="1200">
-                <a:solidFill>
-                  <a:schemeClr val="tx1"/>
-                </a:solidFill>
-                <a:latin typeface="+mn-lt"/>
-                <a:ea typeface="+mn-ea"/>
-                <a:cs typeface="+mn-cs"/>
-              </a:defRPr>
-            </a:lvl7pPr>
-            <a:lvl8pPr marL="3429000" indent="-228600" algn="l" defTabSz="914400" rtl="0" eaLnBrk="1" latinLnBrk="0" hangingPunct="1">
-              <a:lnSpc>
-                <a:spcPct val="90000"/>
-              </a:lnSpc>
-              <a:spcBef>
-                <a:spcPts val="500"/>
-              </a:spcBef>
-              <a:buFont typeface="Arial" panose="020B0604020202020204" pitchFamily="34" charset="0"/>
-              <a:buChar char="•"/>
-              <a:defRPr sz="1800" kern="1200">
-                <a:solidFill>
-                  <a:schemeClr val="tx1"/>
-                </a:solidFill>
-                <a:latin typeface="+mn-lt"/>
-                <a:ea typeface="+mn-ea"/>
-                <a:cs typeface="+mn-cs"/>
-              </a:defRPr>
-            </a:lvl8pPr>
-            <a:lvl9pPr marL="3886200" indent="-228600" algn="l" defTabSz="914400" rtl="0" eaLnBrk="1" latinLnBrk="0" hangingPunct="1">
-              <a:lnSpc>
-                <a:spcPct val="90000"/>
-              </a:lnSpc>
-              <a:spcBef>
-                <a:spcPts val="500"/>
-              </a:spcBef>
-              <a:buFont typeface="Arial" panose="020B0604020202020204" pitchFamily="34" charset="0"/>
-              <a:buChar char="•"/>
-              <a:defRPr sz="1800" kern="1200">
-                <a:solidFill>
-                  <a:schemeClr val="tx1"/>
-                </a:solidFill>
-                <a:latin typeface="+mn-lt"/>
-                <a:ea typeface="+mn-ea"/>
-                <a:cs typeface="+mn-cs"/>
-              </a:defRPr>
-            </a:lvl9pPr>
-          </a:lstStyle>
-          <a:p>
-            <a:pPr marL="0" marR="0" lvl="0" indent="0" algn="ctr" defTabSz="914400" rtl="0" eaLnBrk="1" fontAlgn="auto" latinLnBrk="0" hangingPunct="1">
-              <a:lnSpc>
-                <a:spcPct val="90000"/>
-              </a:lnSpc>
-              <a:spcBef>
-                <a:spcPts val="1000"/>
-              </a:spcBef>
-              <a:spcAft>
-                <a:spcPts val="0"/>
-              </a:spcAft>
-              <a:buClrTx/>
-              <a:buSzTx/>
-              <a:buFont typeface="Arial" panose="020B0604020202020204" pitchFamily="34" charset="0"/>
-              <a:buNone/>
-              <a:tabLst/>
-              <a:defRPr/>
-            </a:pPr>
-            <a:r>
-              <a:rPr kumimoji="0" lang="pl-PL" sz="2400" b="0" i="0" u="none" strike="noStrike" kern="1200" cap="none" spc="0" normalizeH="0" baseline="0" noProof="0" dirty="0">
-                <a:ln>
-                  <a:noFill/>
-                </a:ln>
-                <a:solidFill>
-                  <a:prstClr val="white"/>
-                </a:solidFill>
-                <a:effectLst/>
-                <a:uLnTx/>
-                <a:uFillTx/>
-                <a:latin typeface="Calibri" panose="020F0502020204030204"/>
-                <a:ea typeface="+mn-ea"/>
-                <a:cs typeface="+mn-cs"/>
-              </a:rPr>
-              <a:t>To koniec jednego z czterech bloków eksperymentu. Zaraz zacznie się kolejny. </a:t>
-            </a:r>
-            <a:endParaRPr kumimoji="0" lang="en-US" sz="2400" b="0" i="0" u="none" strike="noStrike" kern="1200" cap="none" spc="0" normalizeH="0" baseline="0" noProof="0" dirty="0">
-              <a:ln>
-                <a:noFill/>
-              </a:ln>
-              <a:solidFill>
-                <a:prstClr val="white"/>
-              </a:solidFill>
-              <a:effectLst/>
-              <a:uLnTx/>
-              <a:uFillTx/>
-              <a:latin typeface="Calibri" panose="020F0502020204030204"/>
-              <a:ea typeface="+mn-ea"/>
-              <a:cs typeface="+mn-cs"/>
-            </a:endParaRPr>
-          </a:p>
-        </p:txBody>
-      </p:sp>
-    </p:spTree>
-    <p:extLst>
-      <p:ext uri="{BB962C8B-B14F-4D97-AF65-F5344CB8AC3E}">
-        <p14:creationId xmlns:p14="http://schemas.microsoft.com/office/powerpoint/2010/main" val="73397376"/>
+        <p14:creationId xmlns:p14="http://schemas.microsoft.com/office/powerpoint/2010/main" val="88964196"/>
       </p:ext>
     </p:extLst>
   </p:cSld>
@@ -14328,7 +19372,7 @@
                 <a:ea typeface="+mn-ea"/>
                 <a:cs typeface="+mn-cs"/>
               </a:rPr>
-              <a:t>Proszę nacisnąć „L”, aby ROZPOCZĄĆ KOLEJNY BLOK…</a:t>
+              <a:t>Proszę nacisnąć „L”, aby ROZPOCZĄĆ EKSPERYMENT…</a:t>
             </a:r>
           </a:p>
           <a:p>
@@ -14399,8 +19443,8 @@
         </p:nvSpPr>
         <p:spPr>
           <a:xfrm>
-            <a:off x="1800727" y="3058661"/>
-            <a:ext cx="8590546" cy="740677"/>
+            <a:off x="1423124" y="2401396"/>
+            <a:ext cx="9345752" cy="2627803"/>
           </a:xfrm>
           <a:prstGeom prst="rect">
             <a:avLst/>
@@ -14658,7 +19702,68 @@
                 <a:ea typeface="+mn-ea"/>
                 <a:cs typeface="+mn-cs"/>
               </a:rPr>
-              <a:t> położyć palec wskazujący lewej ręki na klawiszu „D” na klawiaturze, a prawej ręki na klawiszu „L”.</a:t>
+              <a:t> położyć palec wskazujący lewej ręki na klawiszu „D” na klawiaturze, a prawej ręki na klawiszu „L”. Kciuki mogą spoczywać w pobliżu SPACJI.</a:t>
+            </a:r>
+          </a:p>
+          <a:p>
+            <a:pPr marL="0" marR="0" lvl="0" indent="0" algn="ctr" defTabSz="914400" rtl="0" eaLnBrk="1" fontAlgn="auto" latinLnBrk="0" hangingPunct="1">
+              <a:lnSpc>
+                <a:spcPct val="90000"/>
+              </a:lnSpc>
+              <a:spcBef>
+                <a:spcPts val="1000"/>
+              </a:spcBef>
+              <a:spcAft>
+                <a:spcPts val="0"/>
+              </a:spcAft>
+              <a:buClrTx/>
+              <a:buSzTx/>
+              <a:buFont typeface="Arial" panose="020B0604020202020204" pitchFamily="34" charset="0"/>
+              <a:buNone/>
+              <a:tabLst/>
+              <a:defRPr/>
+            </a:pPr>
+            <a:endParaRPr lang="pl-PL" sz="2400" dirty="0">
+              <a:solidFill>
+                <a:prstClr val="white"/>
+              </a:solidFill>
+              <a:latin typeface="Calibri" panose="020F0502020204030204"/>
+            </a:endParaRPr>
+          </a:p>
+          <a:p>
+            <a:pPr marL="0" marR="0" lvl="0" indent="0" algn="ctr" defTabSz="914400" rtl="0" eaLnBrk="1" fontAlgn="auto" latinLnBrk="0" hangingPunct="1">
+              <a:lnSpc>
+                <a:spcPct val="90000"/>
+              </a:lnSpc>
+              <a:spcBef>
+                <a:spcPts val="1000"/>
+              </a:spcBef>
+              <a:spcAft>
+                <a:spcPts val="0"/>
+              </a:spcAft>
+              <a:buClrTx/>
+              <a:buSzTx/>
+              <a:buFont typeface="Arial" panose="020B0604020202020204" pitchFamily="34" charset="0"/>
+              <a:buNone/>
+              <a:tabLst/>
+              <a:defRPr/>
+            </a:pPr>
+            <a:r>
+              <a:rPr kumimoji="0" lang="pl-PL" sz="2400" b="0" i="0" u="none" strike="noStrike" kern="1200" cap="none" spc="0" normalizeH="0" baseline="0" noProof="0" dirty="0">
+                <a:ln>
+                  <a:noFill/>
+                </a:ln>
+                <a:solidFill>
+                  <a:prstClr val="white"/>
+                </a:solidFill>
+                <a:effectLst/>
+                <a:uLnTx/>
+                <a:uFillTx/>
+                <a:latin typeface="Calibri" panose="020F0502020204030204"/>
+                <a:ea typeface="+mn-ea"/>
+                <a:cs typeface="+mn-cs"/>
+              </a:rPr>
+              <a:t>W tej części eksperymentu nie ma treningu, i są tylko 2 bloki po 128 prób każdy. Będą również wyświetlać się ekrany przerwy, tak jak w poprzedniej procedurze.</a:t>
             </a:r>
             <a:endParaRPr kumimoji="0" lang="en-US" sz="2400" b="0" i="0" u="none" strike="noStrike" kern="1200" cap="none" spc="0" normalizeH="0" baseline="0" noProof="0" dirty="0">
               <a:ln>
@@ -14680,7 +19785,7 @@
     </p:spTree>
     <p:extLst>
       <p:ext uri="{BB962C8B-B14F-4D97-AF65-F5344CB8AC3E}">
-        <p14:creationId xmlns:p14="http://schemas.microsoft.com/office/powerpoint/2010/main" val="339610578"/>
+        <p14:creationId xmlns:p14="http://schemas.microsoft.com/office/powerpoint/2010/main" val="4220115985"/>
       </p:ext>
     </p:extLst>
   </p:cSld>
@@ -15168,7 +20273,7 @@
                 <a:ea typeface="+mn-ea"/>
                 <a:cs typeface="+mn-cs"/>
               </a:rPr>
-              <a:t>To już koniec tej części eksperymentu.</a:t>
+              <a:t>Dziękujemy!</a:t>
             </a:r>
             <a:endParaRPr kumimoji="0" lang="en-US" sz="2400" b="0" i="0" u="none" strike="noStrike" kern="1200" cap="none" spc="0" normalizeH="0" baseline="0" noProof="0" dirty="0">
               <a:ln>
@@ -15203,8 +20308,8 @@
         </p:nvSpPr>
         <p:spPr>
           <a:xfrm>
-            <a:off x="1800723" y="3058661"/>
-            <a:ext cx="8590546" cy="740677"/>
+            <a:off x="3031459" y="2476476"/>
+            <a:ext cx="6129074" cy="1078624"/>
           </a:xfrm>
           <a:prstGeom prst="rect">
             <a:avLst/>
@@ -15396,6 +20501,23 @@
               <a:tabLst/>
               <a:defRPr/>
             </a:pPr>
+            <a:r>
+              <a:rPr kumimoji="0" lang="pl-PL" sz="2400" b="0" i="0" u="none" strike="noStrike" kern="1200" cap="none" spc="0" normalizeH="0" baseline="0" noProof="0" dirty="0">
+                <a:ln>
+                  <a:noFill/>
+                </a:ln>
+                <a:solidFill>
+                  <a:prstClr val="white"/>
+                </a:solidFill>
+                <a:effectLst/>
+                <a:uLnTx/>
+                <a:uFillTx/>
+                <a:latin typeface="Calibri" panose="020F0502020204030204"/>
+                <a:ea typeface="+mn-ea"/>
+                <a:cs typeface="+mn-cs"/>
+              </a:rPr>
+              <a:t>To koniec pierwszego z dwóch bloków eksperymentu. Zaraz zacznie się kolejny. </a:t>
+            </a:r>
             <a:endParaRPr kumimoji="0" lang="en-US" sz="2400" b="0" i="0" u="none" strike="noStrike" kern="1200" cap="none" spc="0" normalizeH="0" baseline="0" noProof="0" dirty="0">
               <a:ln>
                 <a:noFill/>
@@ -15416,7 +20538,7 @@
     </p:spTree>
     <p:extLst>
       <p:ext uri="{BB962C8B-B14F-4D97-AF65-F5344CB8AC3E}">
-        <p14:creationId xmlns:p14="http://schemas.microsoft.com/office/powerpoint/2010/main" val="3762113772"/>
+        <p14:creationId xmlns:p14="http://schemas.microsoft.com/office/powerpoint/2010/main" val="73397376"/>
       </p:ext>
     </p:extLst>
   </p:cSld>
